--- a/その他/夏休みの課題のゲーム/RUZYEF_by對馬/PPPT/main.pptx
+++ b/その他/夏休みの課題のゲーム/RUZYEF_by對馬/PPPT/main.pptx
@@ -5,7 +5,7 @@
     <p:sldMasterId id="2147483696" r:id="rId1"/>
   </p:sldMasterIdLst>
   <p:notesMasterIdLst>
-    <p:notesMasterId r:id="rId9"/>
+    <p:notesMasterId r:id="rId11"/>
   </p:notesMasterIdLst>
   <p:sldIdLst>
     <p:sldId id="256" r:id="rId2"/>
@@ -14,7 +14,9 @@
     <p:sldId id="260" r:id="rId5"/>
     <p:sldId id="259" r:id="rId6"/>
     <p:sldId id="261" r:id="rId7"/>
-    <p:sldId id="263" r:id="rId8"/>
+    <p:sldId id="264" r:id="rId8"/>
+    <p:sldId id="263" r:id="rId9"/>
+    <p:sldId id="265" r:id="rId10"/>
   </p:sldIdLst>
   <p:sldSz cx="12192000" cy="6858000"/>
   <p:notesSz cx="6858000" cy="9144000"/>
@@ -113,7 +115,2644 @@
       </a:defRPr>
     </a:lvl9pPr>
   </p:defaultTextStyle>
+  <p:extLst>
+    <p:ext uri="{EFAFB233-063F-42B5-8137-9DF3F51BA10A}">
+      <p15:sldGuideLst xmlns:p15="http://schemas.microsoft.com/office/powerpoint/2012/main"/>
+    </p:ext>
+  </p:extLst>
 </p:presentation>
+</file>
+
+<file path=ppt/diagrams/colors1.xml><?xml version="1.0" encoding="utf-8"?>
+<dgm:colorsDef xmlns:dgm="http://schemas.openxmlformats.org/drawingml/2006/diagram" xmlns:a="http://schemas.openxmlformats.org/drawingml/2006/main" uniqueId="urn:microsoft.com/office/officeart/2005/8/colors/accent0_1">
+  <dgm:title val=""/>
+  <dgm:desc val=""/>
+  <dgm:catLst>
+    <dgm:cat type="mainScheme" pri="10100"/>
+  </dgm:catLst>
+  <dgm:styleLbl name="node0">
+    <dgm:fillClrLst meth="repeat">
+      <a:schemeClr val="lt1"/>
+    </dgm:fillClrLst>
+    <dgm:linClrLst meth="repeat">
+      <a:schemeClr val="dk1">
+        <a:shade val="80000"/>
+      </a:schemeClr>
+    </dgm:linClrLst>
+    <dgm:effectClrLst/>
+    <dgm:txLinClrLst/>
+    <dgm:txFillClrLst meth="repeat">
+      <a:schemeClr val="dk1"/>
+    </dgm:txFillClrLst>
+    <dgm:txEffectClrLst/>
+  </dgm:styleLbl>
+  <dgm:styleLbl name="node1">
+    <dgm:fillClrLst meth="repeat">
+      <a:schemeClr val="lt1"/>
+    </dgm:fillClrLst>
+    <dgm:linClrLst meth="repeat">
+      <a:schemeClr val="dk1">
+        <a:shade val="80000"/>
+      </a:schemeClr>
+    </dgm:linClrLst>
+    <dgm:effectClrLst/>
+    <dgm:txLinClrLst/>
+    <dgm:txFillClrLst meth="repeat">
+      <a:schemeClr val="dk1"/>
+    </dgm:txFillClrLst>
+    <dgm:txEffectClrLst/>
+  </dgm:styleLbl>
+  <dgm:styleLbl name="alignNode1">
+    <dgm:fillClrLst meth="repeat">
+      <a:schemeClr val="lt1"/>
+    </dgm:fillClrLst>
+    <dgm:linClrLst meth="repeat">
+      <a:schemeClr val="dk1">
+        <a:shade val="80000"/>
+      </a:schemeClr>
+    </dgm:linClrLst>
+    <dgm:effectClrLst/>
+    <dgm:txLinClrLst/>
+    <dgm:txFillClrLst meth="repeat">
+      <a:schemeClr val="dk1"/>
+    </dgm:txFillClrLst>
+    <dgm:txEffectClrLst/>
+  </dgm:styleLbl>
+  <dgm:styleLbl name="lnNode1">
+    <dgm:fillClrLst meth="repeat">
+      <a:schemeClr val="lt1"/>
+    </dgm:fillClrLst>
+    <dgm:linClrLst meth="repeat">
+      <a:schemeClr val="dk1">
+        <a:shade val="80000"/>
+      </a:schemeClr>
+    </dgm:linClrLst>
+    <dgm:effectClrLst/>
+    <dgm:txLinClrLst/>
+    <dgm:txFillClrLst meth="repeat">
+      <a:schemeClr val="dk1"/>
+    </dgm:txFillClrLst>
+    <dgm:txEffectClrLst/>
+  </dgm:styleLbl>
+  <dgm:styleLbl name="vennNode1">
+    <dgm:fillClrLst meth="repeat">
+      <a:schemeClr val="lt1">
+        <a:alpha val="50000"/>
+      </a:schemeClr>
+    </dgm:fillClrLst>
+    <dgm:linClrLst meth="repeat">
+      <a:schemeClr val="dk1">
+        <a:shade val="80000"/>
+      </a:schemeClr>
+    </dgm:linClrLst>
+    <dgm:effectClrLst/>
+    <dgm:txLinClrLst/>
+    <dgm:txFillClrLst/>
+    <dgm:txEffectClrLst/>
+  </dgm:styleLbl>
+  <dgm:styleLbl name="node2">
+    <dgm:fillClrLst meth="repeat">
+      <a:schemeClr val="lt1"/>
+    </dgm:fillClrLst>
+    <dgm:linClrLst meth="repeat">
+      <a:schemeClr val="dk1">
+        <a:shade val="80000"/>
+      </a:schemeClr>
+    </dgm:linClrLst>
+    <dgm:effectClrLst/>
+    <dgm:txLinClrLst/>
+    <dgm:txFillClrLst meth="repeat">
+      <a:schemeClr val="dk1"/>
+    </dgm:txFillClrLst>
+    <dgm:txEffectClrLst/>
+  </dgm:styleLbl>
+  <dgm:styleLbl name="node3">
+    <dgm:fillClrLst meth="repeat">
+      <a:schemeClr val="lt1"/>
+    </dgm:fillClrLst>
+    <dgm:linClrLst meth="repeat">
+      <a:schemeClr val="dk1">
+        <a:shade val="80000"/>
+      </a:schemeClr>
+    </dgm:linClrLst>
+    <dgm:effectClrLst/>
+    <dgm:txLinClrLst/>
+    <dgm:txFillClrLst meth="repeat">
+      <a:schemeClr val="dk1"/>
+    </dgm:txFillClrLst>
+    <dgm:txEffectClrLst/>
+  </dgm:styleLbl>
+  <dgm:styleLbl name="node4">
+    <dgm:fillClrLst meth="repeat">
+      <a:schemeClr val="lt1"/>
+    </dgm:fillClrLst>
+    <dgm:linClrLst meth="repeat">
+      <a:schemeClr val="dk1">
+        <a:shade val="80000"/>
+      </a:schemeClr>
+    </dgm:linClrLst>
+    <dgm:effectClrLst/>
+    <dgm:txLinClrLst/>
+    <dgm:txFillClrLst meth="repeat">
+      <a:schemeClr val="dk1"/>
+    </dgm:txFillClrLst>
+    <dgm:txEffectClrLst/>
+  </dgm:styleLbl>
+  <dgm:styleLbl name="fgImgPlace1">
+    <dgm:fillClrLst meth="repeat">
+      <a:schemeClr val="dk1">
+        <a:tint val="40000"/>
+      </a:schemeClr>
+    </dgm:fillClrLst>
+    <dgm:linClrLst meth="repeat">
+      <a:schemeClr val="dk1">
+        <a:shade val="80000"/>
+      </a:schemeClr>
+    </dgm:linClrLst>
+    <dgm:effectClrLst/>
+    <dgm:txLinClrLst/>
+    <dgm:txFillClrLst meth="repeat">
+      <a:schemeClr val="lt1"/>
+    </dgm:txFillClrLst>
+    <dgm:txEffectClrLst/>
+  </dgm:styleLbl>
+  <dgm:styleLbl name="alignImgPlace1">
+    <dgm:fillClrLst meth="repeat">
+      <a:schemeClr val="dk1">
+        <a:tint val="40000"/>
+      </a:schemeClr>
+    </dgm:fillClrLst>
+    <dgm:linClrLst meth="repeat">
+      <a:schemeClr val="dk1">
+        <a:shade val="80000"/>
+      </a:schemeClr>
+    </dgm:linClrLst>
+    <dgm:effectClrLst/>
+    <dgm:txLinClrLst/>
+    <dgm:txFillClrLst meth="repeat">
+      <a:schemeClr val="lt1"/>
+    </dgm:txFillClrLst>
+    <dgm:txEffectClrLst/>
+  </dgm:styleLbl>
+  <dgm:styleLbl name="bgImgPlace1">
+    <dgm:fillClrLst meth="repeat">
+      <a:schemeClr val="dk1">
+        <a:tint val="40000"/>
+      </a:schemeClr>
+    </dgm:fillClrLst>
+    <dgm:linClrLst meth="repeat">
+      <a:schemeClr val="dk1">
+        <a:shade val="80000"/>
+      </a:schemeClr>
+    </dgm:linClrLst>
+    <dgm:effectClrLst/>
+    <dgm:txLinClrLst/>
+    <dgm:txFillClrLst meth="repeat">
+      <a:schemeClr val="lt1"/>
+    </dgm:txFillClrLst>
+    <dgm:txEffectClrLst/>
+  </dgm:styleLbl>
+  <dgm:styleLbl name="sibTrans2D1">
+    <dgm:fillClrLst meth="repeat">
+      <a:schemeClr val="dk1">
+        <a:tint val="60000"/>
+      </a:schemeClr>
+    </dgm:fillClrLst>
+    <dgm:linClrLst meth="repeat">
+      <a:schemeClr val="dk1">
+        <a:tint val="60000"/>
+      </a:schemeClr>
+    </dgm:linClrLst>
+    <dgm:effectClrLst/>
+    <dgm:txLinClrLst/>
+    <dgm:txFillClrLst meth="repeat">
+      <a:schemeClr val="dk1"/>
+    </dgm:txFillClrLst>
+    <dgm:txEffectClrLst/>
+  </dgm:styleLbl>
+  <dgm:styleLbl name="fgSibTrans2D1">
+    <dgm:fillClrLst meth="repeat">
+      <a:schemeClr val="dk1">
+        <a:tint val="60000"/>
+      </a:schemeClr>
+    </dgm:fillClrLst>
+    <dgm:linClrLst meth="repeat">
+      <a:schemeClr val="dk1">
+        <a:tint val="60000"/>
+      </a:schemeClr>
+    </dgm:linClrLst>
+    <dgm:effectClrLst/>
+    <dgm:txLinClrLst/>
+    <dgm:txFillClrLst meth="repeat">
+      <a:schemeClr val="dk1"/>
+    </dgm:txFillClrLst>
+    <dgm:txEffectClrLst/>
+  </dgm:styleLbl>
+  <dgm:styleLbl name="bgSibTrans2D1">
+    <dgm:fillClrLst meth="repeat">
+      <a:schemeClr val="dk1">
+        <a:tint val="60000"/>
+      </a:schemeClr>
+    </dgm:fillClrLst>
+    <dgm:linClrLst meth="repeat">
+      <a:schemeClr val="dk1">
+        <a:tint val="60000"/>
+      </a:schemeClr>
+    </dgm:linClrLst>
+    <dgm:effectClrLst/>
+    <dgm:txLinClrLst/>
+    <dgm:txFillClrLst meth="repeat">
+      <a:schemeClr val="dk1"/>
+    </dgm:txFillClrLst>
+    <dgm:txEffectClrLst/>
+  </dgm:styleLbl>
+  <dgm:styleLbl name="sibTrans1D1">
+    <dgm:fillClrLst meth="repeat">
+      <a:schemeClr val="dk1"/>
+    </dgm:fillClrLst>
+    <dgm:linClrLst meth="repeat">
+      <a:schemeClr val="dk1"/>
+    </dgm:linClrLst>
+    <dgm:effectClrLst/>
+    <dgm:txLinClrLst/>
+    <dgm:txFillClrLst meth="repeat">
+      <a:schemeClr val="tx1"/>
+    </dgm:txFillClrLst>
+    <dgm:txEffectClrLst/>
+  </dgm:styleLbl>
+  <dgm:styleLbl name="callout">
+    <dgm:fillClrLst meth="repeat">
+      <a:schemeClr val="dk1"/>
+    </dgm:fillClrLst>
+    <dgm:linClrLst meth="repeat">
+      <a:schemeClr val="dk1"/>
+    </dgm:linClrLst>
+    <dgm:effectClrLst/>
+    <dgm:txLinClrLst/>
+    <dgm:txFillClrLst meth="repeat">
+      <a:schemeClr val="tx1"/>
+    </dgm:txFillClrLst>
+    <dgm:txEffectClrLst/>
+  </dgm:styleLbl>
+  <dgm:styleLbl name="asst0">
+    <dgm:fillClrLst meth="repeat">
+      <a:schemeClr val="lt1"/>
+    </dgm:fillClrLst>
+    <dgm:linClrLst meth="repeat">
+      <a:schemeClr val="dk1">
+        <a:shade val="80000"/>
+      </a:schemeClr>
+    </dgm:linClrLst>
+    <dgm:effectClrLst/>
+    <dgm:txLinClrLst/>
+    <dgm:txFillClrLst meth="repeat">
+      <a:schemeClr val="dk1"/>
+    </dgm:txFillClrLst>
+    <dgm:txEffectClrLst/>
+  </dgm:styleLbl>
+  <dgm:styleLbl name="asst1">
+    <dgm:fillClrLst meth="repeat">
+      <a:schemeClr val="lt1"/>
+    </dgm:fillClrLst>
+    <dgm:linClrLst meth="repeat">
+      <a:schemeClr val="dk1">
+        <a:shade val="80000"/>
+      </a:schemeClr>
+    </dgm:linClrLst>
+    <dgm:effectClrLst/>
+    <dgm:txLinClrLst/>
+    <dgm:txFillClrLst meth="repeat">
+      <a:schemeClr val="dk1"/>
+    </dgm:txFillClrLst>
+    <dgm:txEffectClrLst/>
+  </dgm:styleLbl>
+  <dgm:styleLbl name="asst2">
+    <dgm:fillClrLst meth="repeat">
+      <a:schemeClr val="lt1"/>
+    </dgm:fillClrLst>
+    <dgm:linClrLst meth="repeat">
+      <a:schemeClr val="dk1">
+        <a:shade val="80000"/>
+      </a:schemeClr>
+    </dgm:linClrLst>
+    <dgm:effectClrLst/>
+    <dgm:txLinClrLst/>
+    <dgm:txFillClrLst meth="repeat">
+      <a:schemeClr val="dk1"/>
+    </dgm:txFillClrLst>
+    <dgm:txEffectClrLst/>
+  </dgm:styleLbl>
+  <dgm:styleLbl name="asst3">
+    <dgm:fillClrLst meth="repeat">
+      <a:schemeClr val="lt1"/>
+    </dgm:fillClrLst>
+    <dgm:linClrLst meth="repeat">
+      <a:schemeClr val="dk1">
+        <a:shade val="80000"/>
+      </a:schemeClr>
+    </dgm:linClrLst>
+    <dgm:effectClrLst/>
+    <dgm:txLinClrLst/>
+    <dgm:txFillClrLst meth="repeat">
+      <a:schemeClr val="dk1"/>
+    </dgm:txFillClrLst>
+    <dgm:txEffectClrLst/>
+  </dgm:styleLbl>
+  <dgm:styleLbl name="asst4">
+    <dgm:fillClrLst meth="repeat">
+      <a:schemeClr val="lt1"/>
+    </dgm:fillClrLst>
+    <dgm:linClrLst meth="repeat">
+      <a:schemeClr val="dk1">
+        <a:shade val="80000"/>
+      </a:schemeClr>
+    </dgm:linClrLst>
+    <dgm:effectClrLst/>
+    <dgm:txLinClrLst/>
+    <dgm:txFillClrLst meth="repeat">
+      <a:schemeClr val="dk1"/>
+    </dgm:txFillClrLst>
+    <dgm:txEffectClrLst/>
+  </dgm:styleLbl>
+  <dgm:styleLbl name="parChTrans2D1">
+    <dgm:fillClrLst meth="repeat">
+      <a:schemeClr val="dk1">
+        <a:tint val="60000"/>
+      </a:schemeClr>
+    </dgm:fillClrLst>
+    <dgm:linClrLst meth="repeat">
+      <a:schemeClr val="dk1">
+        <a:tint val="60000"/>
+      </a:schemeClr>
+    </dgm:linClrLst>
+    <dgm:effectClrLst/>
+    <dgm:txLinClrLst/>
+    <dgm:txFillClrLst/>
+    <dgm:txEffectClrLst/>
+  </dgm:styleLbl>
+  <dgm:styleLbl name="parChTrans2D2">
+    <dgm:fillClrLst meth="repeat">
+      <a:schemeClr val="dk1"/>
+    </dgm:fillClrLst>
+    <dgm:linClrLst meth="repeat">
+      <a:schemeClr val="dk1"/>
+    </dgm:linClrLst>
+    <dgm:effectClrLst/>
+    <dgm:txLinClrLst/>
+    <dgm:txFillClrLst/>
+    <dgm:txEffectClrLst/>
+  </dgm:styleLbl>
+  <dgm:styleLbl name="parChTrans2D3">
+    <dgm:fillClrLst meth="repeat">
+      <a:schemeClr val="dk1"/>
+    </dgm:fillClrLst>
+    <dgm:linClrLst meth="repeat">
+      <a:schemeClr val="dk1"/>
+    </dgm:linClrLst>
+    <dgm:effectClrLst/>
+    <dgm:txLinClrLst/>
+    <dgm:txFillClrLst/>
+    <dgm:txEffectClrLst/>
+  </dgm:styleLbl>
+  <dgm:styleLbl name="parChTrans2D4">
+    <dgm:fillClrLst meth="repeat">
+      <a:schemeClr val="dk1"/>
+    </dgm:fillClrLst>
+    <dgm:linClrLst meth="repeat">
+      <a:schemeClr val="dk1"/>
+    </dgm:linClrLst>
+    <dgm:effectClrLst/>
+    <dgm:txLinClrLst/>
+    <dgm:txFillClrLst meth="repeat">
+      <a:schemeClr val="lt1"/>
+    </dgm:txFillClrLst>
+    <dgm:txEffectClrLst/>
+  </dgm:styleLbl>
+  <dgm:styleLbl name="parChTrans1D1">
+    <dgm:fillClrLst meth="repeat">
+      <a:schemeClr val="dk1"/>
+    </dgm:fillClrLst>
+    <dgm:linClrLst meth="repeat">
+      <a:schemeClr val="dk1">
+        <a:shade val="60000"/>
+      </a:schemeClr>
+    </dgm:linClrLst>
+    <dgm:effectClrLst/>
+    <dgm:txLinClrLst/>
+    <dgm:txFillClrLst meth="repeat">
+      <a:schemeClr val="tx1"/>
+    </dgm:txFillClrLst>
+    <dgm:txEffectClrLst/>
+  </dgm:styleLbl>
+  <dgm:styleLbl name="parChTrans1D2">
+    <dgm:fillClrLst meth="repeat">
+      <a:schemeClr val="dk1"/>
+    </dgm:fillClrLst>
+    <dgm:linClrLst meth="repeat">
+      <a:schemeClr val="dk1">
+        <a:shade val="60000"/>
+      </a:schemeClr>
+    </dgm:linClrLst>
+    <dgm:effectClrLst/>
+    <dgm:txLinClrLst/>
+    <dgm:txFillClrLst meth="repeat">
+      <a:schemeClr val="tx1"/>
+    </dgm:txFillClrLst>
+    <dgm:txEffectClrLst/>
+  </dgm:styleLbl>
+  <dgm:styleLbl name="parChTrans1D3">
+    <dgm:fillClrLst meth="repeat">
+      <a:schemeClr val="dk1"/>
+    </dgm:fillClrLst>
+    <dgm:linClrLst meth="repeat">
+      <a:schemeClr val="dk1">
+        <a:shade val="80000"/>
+      </a:schemeClr>
+    </dgm:linClrLst>
+    <dgm:effectClrLst/>
+    <dgm:txLinClrLst/>
+    <dgm:txFillClrLst meth="repeat">
+      <a:schemeClr val="tx1"/>
+    </dgm:txFillClrLst>
+    <dgm:txEffectClrLst/>
+  </dgm:styleLbl>
+  <dgm:styleLbl name="parChTrans1D4">
+    <dgm:fillClrLst meth="repeat">
+      <a:schemeClr val="dk1"/>
+    </dgm:fillClrLst>
+    <dgm:linClrLst meth="repeat">
+      <a:schemeClr val="dk1">
+        <a:shade val="80000"/>
+      </a:schemeClr>
+    </dgm:linClrLst>
+    <dgm:effectClrLst/>
+    <dgm:txLinClrLst/>
+    <dgm:txFillClrLst meth="repeat">
+      <a:schemeClr val="tx1"/>
+    </dgm:txFillClrLst>
+    <dgm:txEffectClrLst/>
+  </dgm:styleLbl>
+  <dgm:styleLbl name="fgAcc1">
+    <dgm:fillClrLst meth="repeat">
+      <a:schemeClr val="dk1">
+        <a:alpha val="90000"/>
+        <a:tint val="40000"/>
+      </a:schemeClr>
+    </dgm:fillClrLst>
+    <dgm:linClrLst meth="repeat">
+      <a:schemeClr val="dk1"/>
+    </dgm:linClrLst>
+    <dgm:effectClrLst/>
+    <dgm:txLinClrLst/>
+    <dgm:txFillClrLst meth="repeat">
+      <a:schemeClr val="dk1"/>
+    </dgm:txFillClrLst>
+    <dgm:txEffectClrLst/>
+  </dgm:styleLbl>
+  <dgm:styleLbl name="conFgAcc1">
+    <dgm:fillClrLst meth="repeat">
+      <a:schemeClr val="dk1">
+        <a:alpha val="90000"/>
+        <a:tint val="40000"/>
+      </a:schemeClr>
+    </dgm:fillClrLst>
+    <dgm:linClrLst meth="repeat">
+      <a:schemeClr val="dk1"/>
+    </dgm:linClrLst>
+    <dgm:effectClrLst/>
+    <dgm:txLinClrLst/>
+    <dgm:txFillClrLst meth="repeat">
+      <a:schemeClr val="dk1"/>
+    </dgm:txFillClrLst>
+    <dgm:txEffectClrLst/>
+  </dgm:styleLbl>
+  <dgm:styleLbl name="alignAcc1">
+    <dgm:fillClrLst meth="repeat">
+      <a:schemeClr val="dk1">
+        <a:alpha val="90000"/>
+        <a:tint val="40000"/>
+      </a:schemeClr>
+    </dgm:fillClrLst>
+    <dgm:linClrLst meth="repeat">
+      <a:schemeClr val="dk1"/>
+    </dgm:linClrLst>
+    <dgm:effectClrLst/>
+    <dgm:txLinClrLst/>
+    <dgm:txFillClrLst meth="repeat">
+      <a:schemeClr val="dk1"/>
+    </dgm:txFillClrLst>
+    <dgm:txEffectClrLst/>
+  </dgm:styleLbl>
+  <dgm:styleLbl name="trAlignAcc1">
+    <dgm:fillClrLst meth="repeat">
+      <a:schemeClr val="dk1">
+        <a:alpha val="40000"/>
+        <a:tint val="40000"/>
+      </a:schemeClr>
+    </dgm:fillClrLst>
+    <dgm:linClrLst meth="repeat">
+      <a:schemeClr val="dk1"/>
+    </dgm:linClrLst>
+    <dgm:effectClrLst/>
+    <dgm:txLinClrLst/>
+    <dgm:txFillClrLst meth="repeat">
+      <a:schemeClr val="dk1"/>
+    </dgm:txFillClrLst>
+    <dgm:txEffectClrLst/>
+  </dgm:styleLbl>
+  <dgm:styleLbl name="bgAcc1">
+    <dgm:fillClrLst meth="repeat">
+      <a:schemeClr val="dk1">
+        <a:alpha val="90000"/>
+        <a:tint val="40000"/>
+      </a:schemeClr>
+    </dgm:fillClrLst>
+    <dgm:linClrLst meth="repeat">
+      <a:schemeClr val="dk1"/>
+    </dgm:linClrLst>
+    <dgm:effectClrLst/>
+    <dgm:txLinClrLst/>
+    <dgm:txFillClrLst meth="repeat">
+      <a:schemeClr val="dk1"/>
+    </dgm:txFillClrLst>
+    <dgm:txEffectClrLst/>
+  </dgm:styleLbl>
+  <dgm:styleLbl name="solidFgAcc1">
+    <dgm:fillClrLst meth="repeat">
+      <a:schemeClr val="lt1"/>
+    </dgm:fillClrLst>
+    <dgm:linClrLst meth="repeat">
+      <a:schemeClr val="dk1"/>
+    </dgm:linClrLst>
+    <dgm:effectClrLst/>
+    <dgm:txLinClrLst/>
+    <dgm:txFillClrLst meth="repeat">
+      <a:schemeClr val="dk1"/>
+    </dgm:txFillClrLst>
+    <dgm:txEffectClrLst/>
+  </dgm:styleLbl>
+  <dgm:styleLbl name="solidAlignAcc1">
+    <dgm:fillClrLst meth="repeat">
+      <a:schemeClr val="lt1"/>
+    </dgm:fillClrLst>
+    <dgm:linClrLst meth="repeat">
+      <a:schemeClr val="dk1"/>
+    </dgm:linClrLst>
+    <dgm:effectClrLst/>
+    <dgm:txLinClrLst/>
+    <dgm:txFillClrLst meth="repeat">
+      <a:schemeClr val="dk1"/>
+    </dgm:txFillClrLst>
+    <dgm:txEffectClrLst/>
+  </dgm:styleLbl>
+  <dgm:styleLbl name="solidBgAcc1">
+    <dgm:fillClrLst meth="repeat">
+      <a:schemeClr val="lt1"/>
+    </dgm:fillClrLst>
+    <dgm:linClrLst meth="repeat">
+      <a:schemeClr val="dk1"/>
+    </dgm:linClrLst>
+    <dgm:effectClrLst/>
+    <dgm:txLinClrLst/>
+    <dgm:txFillClrLst meth="repeat">
+      <a:schemeClr val="dk1"/>
+    </dgm:txFillClrLst>
+    <dgm:txEffectClrLst/>
+  </dgm:styleLbl>
+  <dgm:styleLbl name="fgAccFollowNode1">
+    <dgm:fillClrLst meth="repeat">
+      <a:schemeClr val="lt1">
+        <a:alpha val="90000"/>
+        <a:tint val="40000"/>
+      </a:schemeClr>
+    </dgm:fillClrLst>
+    <dgm:linClrLst meth="repeat">
+      <a:schemeClr val="dk1">
+        <a:alpha val="90000"/>
+      </a:schemeClr>
+    </dgm:linClrLst>
+    <dgm:effectClrLst/>
+    <dgm:txLinClrLst/>
+    <dgm:txFillClrLst meth="repeat">
+      <a:schemeClr val="dk1"/>
+    </dgm:txFillClrLst>
+    <dgm:txEffectClrLst/>
+  </dgm:styleLbl>
+  <dgm:styleLbl name="alignAccFollowNode1">
+    <dgm:fillClrLst meth="repeat">
+      <a:schemeClr val="lt1">
+        <a:alpha val="90000"/>
+        <a:tint val="40000"/>
+      </a:schemeClr>
+    </dgm:fillClrLst>
+    <dgm:linClrLst meth="repeat">
+      <a:schemeClr val="dk1">
+        <a:alpha val="90000"/>
+      </a:schemeClr>
+    </dgm:linClrLst>
+    <dgm:effectClrLst/>
+    <dgm:txLinClrLst/>
+    <dgm:txFillClrLst meth="repeat">
+      <a:schemeClr val="dk1"/>
+    </dgm:txFillClrLst>
+    <dgm:txEffectClrLst/>
+  </dgm:styleLbl>
+  <dgm:styleLbl name="bgAccFollowNode1">
+    <dgm:fillClrLst meth="repeat">
+      <a:schemeClr val="lt1">
+        <a:alpha val="90000"/>
+        <a:tint val="40000"/>
+      </a:schemeClr>
+    </dgm:fillClrLst>
+    <dgm:linClrLst meth="repeat">
+      <a:schemeClr val="dk1">
+        <a:alpha val="90000"/>
+      </a:schemeClr>
+    </dgm:linClrLst>
+    <dgm:effectClrLst/>
+    <dgm:txLinClrLst/>
+    <dgm:txFillClrLst meth="repeat">
+      <a:schemeClr val="dk1"/>
+    </dgm:txFillClrLst>
+    <dgm:txEffectClrLst/>
+  </dgm:styleLbl>
+  <dgm:styleLbl name="fgAcc0">
+    <dgm:fillClrLst meth="repeat">
+      <a:schemeClr val="dk1">
+        <a:alpha val="90000"/>
+        <a:tint val="40000"/>
+      </a:schemeClr>
+    </dgm:fillClrLst>
+    <dgm:linClrLst meth="repeat">
+      <a:schemeClr val="dk1"/>
+    </dgm:linClrLst>
+    <dgm:effectClrLst/>
+    <dgm:txLinClrLst/>
+    <dgm:txFillClrLst meth="repeat">
+      <a:schemeClr val="dk1"/>
+    </dgm:txFillClrLst>
+    <dgm:txEffectClrLst/>
+  </dgm:styleLbl>
+  <dgm:styleLbl name="fgAcc2">
+    <dgm:fillClrLst meth="repeat">
+      <a:schemeClr val="dk1">
+        <a:alpha val="90000"/>
+        <a:tint val="40000"/>
+      </a:schemeClr>
+    </dgm:fillClrLst>
+    <dgm:linClrLst meth="repeat">
+      <a:schemeClr val="dk1"/>
+    </dgm:linClrLst>
+    <dgm:effectClrLst/>
+    <dgm:txLinClrLst/>
+    <dgm:txFillClrLst meth="repeat">
+      <a:schemeClr val="dk1"/>
+    </dgm:txFillClrLst>
+    <dgm:txEffectClrLst/>
+  </dgm:styleLbl>
+  <dgm:styleLbl name="fgAcc3">
+    <dgm:fillClrLst meth="repeat">
+      <a:schemeClr val="dk1">
+        <a:alpha val="90000"/>
+        <a:tint val="40000"/>
+      </a:schemeClr>
+    </dgm:fillClrLst>
+    <dgm:linClrLst meth="repeat">
+      <a:schemeClr val="dk1"/>
+    </dgm:linClrLst>
+    <dgm:effectClrLst/>
+    <dgm:txLinClrLst/>
+    <dgm:txFillClrLst meth="repeat">
+      <a:schemeClr val="dk1"/>
+    </dgm:txFillClrLst>
+    <dgm:txEffectClrLst/>
+  </dgm:styleLbl>
+  <dgm:styleLbl name="fgAcc4">
+    <dgm:fillClrLst meth="repeat">
+      <a:schemeClr val="dk1">
+        <a:alpha val="90000"/>
+        <a:tint val="40000"/>
+      </a:schemeClr>
+    </dgm:fillClrLst>
+    <dgm:linClrLst meth="repeat">
+      <a:schemeClr val="dk1"/>
+    </dgm:linClrLst>
+    <dgm:effectClrLst/>
+    <dgm:txLinClrLst/>
+    <dgm:txFillClrLst meth="repeat">
+      <a:schemeClr val="dk1"/>
+    </dgm:txFillClrLst>
+    <dgm:txEffectClrLst/>
+  </dgm:styleLbl>
+  <dgm:styleLbl name="bgShp">
+    <dgm:fillClrLst meth="repeat">
+      <a:schemeClr val="dk1">
+        <a:tint val="40000"/>
+      </a:schemeClr>
+    </dgm:fillClrLst>
+    <dgm:linClrLst meth="repeat">
+      <a:schemeClr val="dk1"/>
+    </dgm:linClrLst>
+    <dgm:effectClrLst/>
+    <dgm:txLinClrLst/>
+    <dgm:txFillClrLst meth="repeat">
+      <a:schemeClr val="dk1"/>
+    </dgm:txFillClrLst>
+    <dgm:txEffectClrLst/>
+  </dgm:styleLbl>
+  <dgm:styleLbl name="dkBgShp">
+    <dgm:fillClrLst meth="repeat">
+      <a:schemeClr val="dk1">
+        <a:shade val="80000"/>
+      </a:schemeClr>
+    </dgm:fillClrLst>
+    <dgm:linClrLst meth="repeat">
+      <a:schemeClr val="dk1"/>
+    </dgm:linClrLst>
+    <dgm:effectClrLst/>
+    <dgm:txLinClrLst/>
+    <dgm:txFillClrLst meth="repeat">
+      <a:schemeClr val="lt1"/>
+    </dgm:txFillClrLst>
+    <dgm:txEffectClrLst/>
+  </dgm:styleLbl>
+  <dgm:styleLbl name="trBgShp">
+    <dgm:fillClrLst meth="repeat">
+      <a:schemeClr val="dk1">
+        <a:tint val="50000"/>
+        <a:alpha val="40000"/>
+      </a:schemeClr>
+    </dgm:fillClrLst>
+    <dgm:linClrLst meth="repeat">
+      <a:schemeClr val="dk1"/>
+    </dgm:linClrLst>
+    <dgm:effectClrLst/>
+    <dgm:txLinClrLst/>
+    <dgm:txFillClrLst meth="repeat">
+      <a:schemeClr val="lt1"/>
+    </dgm:txFillClrLst>
+    <dgm:txEffectClrLst/>
+  </dgm:styleLbl>
+  <dgm:styleLbl name="fgShp">
+    <dgm:fillClrLst meth="repeat">
+      <a:schemeClr val="dk1">
+        <a:tint val="60000"/>
+      </a:schemeClr>
+    </dgm:fillClrLst>
+    <dgm:linClrLst meth="repeat">
+      <a:schemeClr val="lt1"/>
+    </dgm:linClrLst>
+    <dgm:effectClrLst/>
+    <dgm:txLinClrLst/>
+    <dgm:txFillClrLst meth="repeat">
+      <a:schemeClr val="dk1"/>
+    </dgm:txFillClrLst>
+    <dgm:txEffectClrLst/>
+  </dgm:styleLbl>
+  <dgm:styleLbl name="revTx">
+    <dgm:fillClrLst meth="repeat">
+      <a:schemeClr val="lt1">
+        <a:alpha val="0"/>
+      </a:schemeClr>
+    </dgm:fillClrLst>
+    <dgm:linClrLst meth="repeat">
+      <a:schemeClr val="dk1">
+        <a:alpha val="0"/>
+      </a:schemeClr>
+    </dgm:linClrLst>
+    <dgm:effectClrLst/>
+    <dgm:txLinClrLst/>
+    <dgm:txFillClrLst meth="repeat">
+      <a:schemeClr val="tx1"/>
+    </dgm:txFillClrLst>
+    <dgm:txEffectClrLst/>
+  </dgm:styleLbl>
+</dgm:colorsDef>
+</file>
+
+<file path=ppt/diagrams/data1.xml><?xml version="1.0" encoding="utf-8"?>
+<dgm:dataModel xmlns:dgm="http://schemas.openxmlformats.org/drawingml/2006/diagram" xmlns:a="http://schemas.openxmlformats.org/drawingml/2006/main">
+  <dgm:ptLst>
+    <dgm:pt modelId="{C2B1C735-BB4C-4CFD-9776-B198351DA055}" type="doc">
+      <dgm:prSet loTypeId="urn:microsoft.com/office/officeart/2005/8/layout/process1" loCatId="process" qsTypeId="urn:microsoft.com/office/officeart/2005/8/quickstyle/simple1" qsCatId="simple" csTypeId="urn:microsoft.com/office/officeart/2005/8/colors/accent0_1" csCatId="mainScheme" phldr="1"/>
+      <dgm:spPr/>
+    </dgm:pt>
+    <dgm:pt modelId="{22FDAA34-DFD0-4F5C-8E13-3D19B57E8080}">
+      <dgm:prSet phldrT="[テキスト]"/>
+      <dgm:spPr/>
+      <dgm:t>
+        <a:bodyPr/>
+        <a:lstStyle/>
+        <a:p>
+          <a:r>
+            <a:rPr lang="en-US" altLang="ja-JP" dirty="0" smtClean="0"/>
+            <a:t>python</a:t>
+          </a:r>
+          <a:endParaRPr lang="ja-JP" altLang="en-US" dirty="0"/>
+        </a:p>
+      </dgm:t>
+    </dgm:pt>
+    <dgm:pt modelId="{46376A9E-6704-4CF8-BAF4-AE385856BEB5}" type="parTrans" cxnId="{C89AF9DB-0FBA-424B-B138-1A0F01621689}">
+      <dgm:prSet/>
+      <dgm:spPr/>
+      <dgm:t>
+        <a:bodyPr/>
+        <a:lstStyle/>
+        <a:p>
+          <a:endParaRPr lang="ja-JP" altLang="en-US"/>
+        </a:p>
+      </dgm:t>
+    </dgm:pt>
+    <dgm:pt modelId="{ECFFB778-A841-4546-87E1-0C3110D396F1}" type="sibTrans" cxnId="{C89AF9DB-0FBA-424B-B138-1A0F01621689}">
+      <dgm:prSet/>
+      <dgm:spPr/>
+      <dgm:t>
+        <a:bodyPr/>
+        <a:lstStyle/>
+        <a:p>
+          <a:endParaRPr lang="ja-JP" altLang="en-US"/>
+        </a:p>
+      </dgm:t>
+    </dgm:pt>
+    <dgm:pt modelId="{1DEDA34E-FE20-4A31-A172-ABDDF4F73DDC}">
+      <dgm:prSet phldrT="[テキスト]"/>
+      <dgm:spPr/>
+      <dgm:t>
+        <a:bodyPr/>
+        <a:lstStyle/>
+        <a:p>
+          <a:r>
+            <a:rPr lang="en-US" altLang="ja-JP" dirty="0" err="1" smtClean="0"/>
+            <a:t>Cython</a:t>
+          </a:r>
+          <a:endParaRPr lang="ja-JP" altLang="en-US" dirty="0"/>
+        </a:p>
+      </dgm:t>
+    </dgm:pt>
+    <dgm:pt modelId="{34457BDE-3864-4D08-B435-9C91883B3593}" type="parTrans" cxnId="{5A82830D-BBC9-4C25-B067-2894D3D974F0}">
+      <dgm:prSet/>
+      <dgm:spPr/>
+      <dgm:t>
+        <a:bodyPr/>
+        <a:lstStyle/>
+        <a:p>
+          <a:endParaRPr lang="ja-JP" altLang="en-US"/>
+        </a:p>
+      </dgm:t>
+    </dgm:pt>
+    <dgm:pt modelId="{4F33BF23-EE97-420B-BE01-A7CC702BE9EE}" type="sibTrans" cxnId="{5A82830D-BBC9-4C25-B067-2894D3D974F0}">
+      <dgm:prSet/>
+      <dgm:spPr/>
+      <dgm:t>
+        <a:bodyPr/>
+        <a:lstStyle/>
+        <a:p>
+          <a:endParaRPr lang="ja-JP" altLang="en-US"/>
+        </a:p>
+      </dgm:t>
+    </dgm:pt>
+    <dgm:pt modelId="{1CA43A27-FCFA-4FC8-A196-34B1AB77E0BC}">
+      <dgm:prSet phldrT="[テキスト]"/>
+      <dgm:spPr/>
+      <dgm:t>
+        <a:bodyPr/>
+        <a:lstStyle/>
+        <a:p>
+          <a:r>
+            <a:rPr lang="en-US" altLang="ja-JP" dirty="0" smtClean="0"/>
+            <a:t>C</a:t>
+          </a:r>
+          <a:r>
+            <a:rPr lang="ja-JP" altLang="en-US" dirty="0" smtClean="0"/>
+            <a:t>言語</a:t>
+          </a:r>
+          <a:endParaRPr lang="ja-JP" altLang="en-US" dirty="0"/>
+        </a:p>
+      </dgm:t>
+    </dgm:pt>
+    <dgm:pt modelId="{BCD20997-96DD-44D6-A590-8A60FEA8F0A6}" type="parTrans" cxnId="{75A80D1F-B4D1-40E8-AC2D-49B3317D0FE7}">
+      <dgm:prSet/>
+      <dgm:spPr/>
+      <dgm:t>
+        <a:bodyPr/>
+        <a:lstStyle/>
+        <a:p>
+          <a:endParaRPr lang="ja-JP" altLang="en-US"/>
+        </a:p>
+      </dgm:t>
+    </dgm:pt>
+    <dgm:pt modelId="{41952B66-13C9-430E-9CAB-BFABC8A5A485}" type="sibTrans" cxnId="{75A80D1F-B4D1-40E8-AC2D-49B3317D0FE7}">
+      <dgm:prSet/>
+      <dgm:spPr/>
+      <dgm:t>
+        <a:bodyPr/>
+        <a:lstStyle/>
+        <a:p>
+          <a:endParaRPr lang="ja-JP" altLang="en-US"/>
+        </a:p>
+      </dgm:t>
+    </dgm:pt>
+    <dgm:pt modelId="{199CBFD0-7C8C-4802-AB3D-AE3D8F7FE292}" type="pres">
+      <dgm:prSet presAssocID="{C2B1C735-BB4C-4CFD-9776-B198351DA055}" presName="Name0" presStyleCnt="0">
+        <dgm:presLayoutVars>
+          <dgm:dir/>
+          <dgm:resizeHandles val="exact"/>
+        </dgm:presLayoutVars>
+      </dgm:prSet>
+      <dgm:spPr/>
+    </dgm:pt>
+    <dgm:pt modelId="{CE9F26E2-E72A-42AC-A81C-FAAEF7DD06B7}" type="pres">
+      <dgm:prSet presAssocID="{22FDAA34-DFD0-4F5C-8E13-3D19B57E8080}" presName="node" presStyleLbl="node1" presStyleIdx="0" presStyleCnt="3">
+        <dgm:presLayoutVars>
+          <dgm:bulletEnabled val="1"/>
+        </dgm:presLayoutVars>
+      </dgm:prSet>
+      <dgm:spPr/>
+      <dgm:t>
+        <a:bodyPr/>
+        <a:lstStyle/>
+        <a:p>
+          <a:endParaRPr kumimoji="1" lang="ja-JP" altLang="en-US"/>
+        </a:p>
+      </dgm:t>
+    </dgm:pt>
+    <dgm:pt modelId="{34787A42-0DC3-4684-B593-5F6CDD37C011}" type="pres">
+      <dgm:prSet presAssocID="{ECFFB778-A841-4546-87E1-0C3110D396F1}" presName="sibTrans" presStyleLbl="sibTrans2D1" presStyleIdx="0" presStyleCnt="2"/>
+      <dgm:spPr/>
+      <dgm:t>
+        <a:bodyPr/>
+        <a:lstStyle/>
+        <a:p>
+          <a:endParaRPr kumimoji="1" lang="ja-JP" altLang="en-US"/>
+        </a:p>
+      </dgm:t>
+    </dgm:pt>
+    <dgm:pt modelId="{EE7AAA8F-9B77-4881-8604-3FEC93C5D600}" type="pres">
+      <dgm:prSet presAssocID="{ECFFB778-A841-4546-87E1-0C3110D396F1}" presName="connectorText" presStyleLbl="sibTrans2D1" presStyleIdx="0" presStyleCnt="2"/>
+      <dgm:spPr/>
+      <dgm:t>
+        <a:bodyPr/>
+        <a:lstStyle/>
+        <a:p>
+          <a:endParaRPr kumimoji="1" lang="ja-JP" altLang="en-US"/>
+        </a:p>
+      </dgm:t>
+    </dgm:pt>
+    <dgm:pt modelId="{DE613460-AD24-4CEF-807C-1F7BE45D3F04}" type="pres">
+      <dgm:prSet presAssocID="{1DEDA34E-FE20-4A31-A172-ABDDF4F73DDC}" presName="node" presStyleLbl="node1" presStyleIdx="1" presStyleCnt="3">
+        <dgm:presLayoutVars>
+          <dgm:bulletEnabled val="1"/>
+        </dgm:presLayoutVars>
+      </dgm:prSet>
+      <dgm:spPr/>
+      <dgm:t>
+        <a:bodyPr/>
+        <a:lstStyle/>
+        <a:p>
+          <a:endParaRPr kumimoji="1" lang="ja-JP" altLang="en-US"/>
+        </a:p>
+      </dgm:t>
+    </dgm:pt>
+    <dgm:pt modelId="{1882497D-1B16-4146-B5FD-2FD7E95AA175}" type="pres">
+      <dgm:prSet presAssocID="{4F33BF23-EE97-420B-BE01-A7CC702BE9EE}" presName="sibTrans" presStyleLbl="sibTrans2D1" presStyleIdx="1" presStyleCnt="2"/>
+      <dgm:spPr/>
+      <dgm:t>
+        <a:bodyPr/>
+        <a:lstStyle/>
+        <a:p>
+          <a:endParaRPr kumimoji="1" lang="ja-JP" altLang="en-US"/>
+        </a:p>
+      </dgm:t>
+    </dgm:pt>
+    <dgm:pt modelId="{07DF5306-57F5-497D-9874-70B39B313CBB}" type="pres">
+      <dgm:prSet presAssocID="{4F33BF23-EE97-420B-BE01-A7CC702BE9EE}" presName="connectorText" presStyleLbl="sibTrans2D1" presStyleIdx="1" presStyleCnt="2"/>
+      <dgm:spPr/>
+      <dgm:t>
+        <a:bodyPr/>
+        <a:lstStyle/>
+        <a:p>
+          <a:endParaRPr kumimoji="1" lang="ja-JP" altLang="en-US"/>
+        </a:p>
+      </dgm:t>
+    </dgm:pt>
+    <dgm:pt modelId="{4A7A626B-F411-4FAB-AF8A-6BD3D43D6558}" type="pres">
+      <dgm:prSet presAssocID="{1CA43A27-FCFA-4FC8-A196-34B1AB77E0BC}" presName="node" presStyleLbl="node1" presStyleIdx="2" presStyleCnt="3">
+        <dgm:presLayoutVars>
+          <dgm:bulletEnabled val="1"/>
+        </dgm:presLayoutVars>
+      </dgm:prSet>
+      <dgm:spPr/>
+      <dgm:t>
+        <a:bodyPr/>
+        <a:lstStyle/>
+        <a:p>
+          <a:endParaRPr kumimoji="1" lang="ja-JP" altLang="en-US"/>
+        </a:p>
+      </dgm:t>
+    </dgm:pt>
+  </dgm:ptLst>
+  <dgm:cxnLst>
+    <dgm:cxn modelId="{03A6AC36-F8D4-41BD-B648-EA7A3D648A3F}" type="presOf" srcId="{22FDAA34-DFD0-4F5C-8E13-3D19B57E8080}" destId="{CE9F26E2-E72A-42AC-A81C-FAAEF7DD06B7}" srcOrd="0" destOrd="0" presId="urn:microsoft.com/office/officeart/2005/8/layout/process1"/>
+    <dgm:cxn modelId="{7F5DDA95-6995-42A3-87B5-023ACB0244DE}" type="presOf" srcId="{4F33BF23-EE97-420B-BE01-A7CC702BE9EE}" destId="{07DF5306-57F5-497D-9874-70B39B313CBB}" srcOrd="1" destOrd="0" presId="urn:microsoft.com/office/officeart/2005/8/layout/process1"/>
+    <dgm:cxn modelId="{F818E1A4-822B-479E-A446-519A897CB7FE}" type="presOf" srcId="{ECFFB778-A841-4546-87E1-0C3110D396F1}" destId="{EE7AAA8F-9B77-4881-8604-3FEC93C5D600}" srcOrd="1" destOrd="0" presId="urn:microsoft.com/office/officeart/2005/8/layout/process1"/>
+    <dgm:cxn modelId="{753B85AB-9810-43FF-97F7-E3AB0BF409E5}" type="presOf" srcId="{1DEDA34E-FE20-4A31-A172-ABDDF4F73DDC}" destId="{DE613460-AD24-4CEF-807C-1F7BE45D3F04}" srcOrd="0" destOrd="0" presId="urn:microsoft.com/office/officeart/2005/8/layout/process1"/>
+    <dgm:cxn modelId="{5A82830D-BBC9-4C25-B067-2894D3D974F0}" srcId="{C2B1C735-BB4C-4CFD-9776-B198351DA055}" destId="{1DEDA34E-FE20-4A31-A172-ABDDF4F73DDC}" srcOrd="1" destOrd="0" parTransId="{34457BDE-3864-4D08-B435-9C91883B3593}" sibTransId="{4F33BF23-EE97-420B-BE01-A7CC702BE9EE}"/>
+    <dgm:cxn modelId="{C89AF9DB-0FBA-424B-B138-1A0F01621689}" srcId="{C2B1C735-BB4C-4CFD-9776-B198351DA055}" destId="{22FDAA34-DFD0-4F5C-8E13-3D19B57E8080}" srcOrd="0" destOrd="0" parTransId="{46376A9E-6704-4CF8-BAF4-AE385856BEB5}" sibTransId="{ECFFB778-A841-4546-87E1-0C3110D396F1}"/>
+    <dgm:cxn modelId="{CCB63938-8904-4E1D-879A-540387D9F182}" type="presOf" srcId="{1CA43A27-FCFA-4FC8-A196-34B1AB77E0BC}" destId="{4A7A626B-F411-4FAB-AF8A-6BD3D43D6558}" srcOrd="0" destOrd="0" presId="urn:microsoft.com/office/officeart/2005/8/layout/process1"/>
+    <dgm:cxn modelId="{E9369FEA-4E27-4554-8C51-EE093AC652AC}" type="presOf" srcId="{C2B1C735-BB4C-4CFD-9776-B198351DA055}" destId="{199CBFD0-7C8C-4802-AB3D-AE3D8F7FE292}" srcOrd="0" destOrd="0" presId="urn:microsoft.com/office/officeart/2005/8/layout/process1"/>
+    <dgm:cxn modelId="{635D01C4-F6D1-464A-ADF1-A39F4748AA4E}" type="presOf" srcId="{4F33BF23-EE97-420B-BE01-A7CC702BE9EE}" destId="{1882497D-1B16-4146-B5FD-2FD7E95AA175}" srcOrd="0" destOrd="0" presId="urn:microsoft.com/office/officeart/2005/8/layout/process1"/>
+    <dgm:cxn modelId="{F501B6A8-2C66-4656-8944-C0612D911165}" type="presOf" srcId="{ECFFB778-A841-4546-87E1-0C3110D396F1}" destId="{34787A42-0DC3-4684-B593-5F6CDD37C011}" srcOrd="0" destOrd="0" presId="urn:microsoft.com/office/officeart/2005/8/layout/process1"/>
+    <dgm:cxn modelId="{75A80D1F-B4D1-40E8-AC2D-49B3317D0FE7}" srcId="{C2B1C735-BB4C-4CFD-9776-B198351DA055}" destId="{1CA43A27-FCFA-4FC8-A196-34B1AB77E0BC}" srcOrd="2" destOrd="0" parTransId="{BCD20997-96DD-44D6-A590-8A60FEA8F0A6}" sibTransId="{41952B66-13C9-430E-9CAB-BFABC8A5A485}"/>
+    <dgm:cxn modelId="{A24384CE-874F-484D-BEAB-697E63E90D12}" type="presParOf" srcId="{199CBFD0-7C8C-4802-AB3D-AE3D8F7FE292}" destId="{CE9F26E2-E72A-42AC-A81C-FAAEF7DD06B7}" srcOrd="0" destOrd="0" presId="urn:microsoft.com/office/officeart/2005/8/layout/process1"/>
+    <dgm:cxn modelId="{701832C3-B205-4802-A55B-93FA49DC311B}" type="presParOf" srcId="{199CBFD0-7C8C-4802-AB3D-AE3D8F7FE292}" destId="{34787A42-0DC3-4684-B593-5F6CDD37C011}" srcOrd="1" destOrd="0" presId="urn:microsoft.com/office/officeart/2005/8/layout/process1"/>
+    <dgm:cxn modelId="{3988DD30-5F84-4EE4-AF32-057C91FC092D}" type="presParOf" srcId="{34787A42-0DC3-4684-B593-5F6CDD37C011}" destId="{EE7AAA8F-9B77-4881-8604-3FEC93C5D600}" srcOrd="0" destOrd="0" presId="urn:microsoft.com/office/officeart/2005/8/layout/process1"/>
+    <dgm:cxn modelId="{83C33161-0DB6-4CF9-8FC0-5AA9FA67ECD7}" type="presParOf" srcId="{199CBFD0-7C8C-4802-AB3D-AE3D8F7FE292}" destId="{DE613460-AD24-4CEF-807C-1F7BE45D3F04}" srcOrd="2" destOrd="0" presId="urn:microsoft.com/office/officeart/2005/8/layout/process1"/>
+    <dgm:cxn modelId="{B858552B-3410-4E9C-BB3F-728DFEA9B770}" type="presParOf" srcId="{199CBFD0-7C8C-4802-AB3D-AE3D8F7FE292}" destId="{1882497D-1B16-4146-B5FD-2FD7E95AA175}" srcOrd="3" destOrd="0" presId="urn:microsoft.com/office/officeart/2005/8/layout/process1"/>
+    <dgm:cxn modelId="{F4579370-0D4F-4345-87CE-F62F4C8CA59E}" type="presParOf" srcId="{1882497D-1B16-4146-B5FD-2FD7E95AA175}" destId="{07DF5306-57F5-497D-9874-70B39B313CBB}" srcOrd="0" destOrd="0" presId="urn:microsoft.com/office/officeart/2005/8/layout/process1"/>
+    <dgm:cxn modelId="{6881D4AA-E80C-4478-B757-F1E7795E2AA4}" type="presParOf" srcId="{199CBFD0-7C8C-4802-AB3D-AE3D8F7FE292}" destId="{4A7A626B-F411-4FAB-AF8A-6BD3D43D6558}" srcOrd="4" destOrd="0" presId="urn:microsoft.com/office/officeart/2005/8/layout/process1"/>
+  </dgm:cxnLst>
+  <dgm:bg/>
+  <dgm:whole/>
+  <dgm:extLst>
+    <a:ext uri="http://schemas.microsoft.com/office/drawing/2008/diagram">
+      <dsp:dataModelExt xmlns:dsp="http://schemas.microsoft.com/office/drawing/2008/diagram" relId="rId6" minVer="http://schemas.openxmlformats.org/drawingml/2006/diagram"/>
+    </a:ext>
+  </dgm:extLst>
+</dgm:dataModel>
+</file>
+
+<file path=ppt/diagrams/drawing1.xml><?xml version="1.0" encoding="utf-8"?>
+<dsp:drawing xmlns:dgm="http://schemas.openxmlformats.org/drawingml/2006/diagram" xmlns:dsp="http://schemas.microsoft.com/office/drawing/2008/diagram" xmlns:a="http://schemas.openxmlformats.org/drawingml/2006/main">
+  <dsp:spTree>
+    <dsp:nvGrpSpPr>
+      <dsp:cNvPr id="0" name=""/>
+      <dsp:cNvGrpSpPr/>
+    </dsp:nvGrpSpPr>
+    <dsp:grpSpPr/>
+    <dsp:sp modelId="{CE9F26E2-E72A-42AC-A81C-FAAEF7DD06B7}">
+      <dsp:nvSpPr>
+        <dsp:cNvPr id="0" name=""/>
+        <dsp:cNvSpPr/>
+      </dsp:nvSpPr>
+      <dsp:spPr>
+        <a:xfrm>
+          <a:off x="5664" y="0"/>
+          <a:ext cx="1693011" cy="761999"/>
+        </a:xfrm>
+        <a:prstGeom prst="roundRect">
+          <a:avLst>
+            <a:gd name="adj" fmla="val 10000"/>
+          </a:avLst>
+        </a:prstGeom>
+        <a:solidFill>
+          <a:schemeClr val="lt1">
+            <a:hueOff val="0"/>
+            <a:satOff val="0"/>
+            <a:lumOff val="0"/>
+            <a:alphaOff val="0"/>
+          </a:schemeClr>
+        </a:solidFill>
+        <a:ln w="19050" cap="rnd" cmpd="sng" algn="ctr">
+          <a:solidFill>
+            <a:schemeClr val="dk1">
+              <a:shade val="80000"/>
+              <a:hueOff val="0"/>
+              <a:satOff val="0"/>
+              <a:lumOff val="0"/>
+              <a:alphaOff val="0"/>
+            </a:schemeClr>
+          </a:solidFill>
+          <a:prstDash val="solid"/>
+        </a:ln>
+        <a:effectLst/>
+      </dsp:spPr>
+      <dsp:style>
+        <a:lnRef idx="2">
+          <a:scrgbClr r="0" g="0" b="0"/>
+        </a:lnRef>
+        <a:fillRef idx="1">
+          <a:scrgbClr r="0" g="0" b="0"/>
+        </a:fillRef>
+        <a:effectRef idx="0">
+          <a:scrgbClr r="0" g="0" b="0"/>
+        </a:effectRef>
+        <a:fontRef idx="minor">
+          <a:schemeClr val="lt1"/>
+        </a:fontRef>
+      </dsp:style>
+      <dsp:txBody>
+        <a:bodyPr spcFirstLastPara="0" vert="horz" wrap="square" lIns="87630" tIns="87630" rIns="87630" bIns="87630" numCol="1" spcCol="1270" anchor="ctr" anchorCtr="0">
+          <a:noAutofit/>
+        </a:bodyPr>
+        <a:lstStyle/>
+        <a:p>
+          <a:pPr lvl="0" algn="ctr" defTabSz="1022350">
+            <a:lnSpc>
+              <a:spcPct val="90000"/>
+            </a:lnSpc>
+            <a:spcBef>
+              <a:spcPct val="0"/>
+            </a:spcBef>
+            <a:spcAft>
+              <a:spcPct val="35000"/>
+            </a:spcAft>
+          </a:pPr>
+          <a:r>
+            <a:rPr lang="en-US" altLang="ja-JP" sz="2300" kern="1200" dirty="0" smtClean="0"/>
+            <a:t>python</a:t>
+          </a:r>
+          <a:endParaRPr lang="ja-JP" altLang="en-US" sz="2300" kern="1200" dirty="0"/>
+        </a:p>
+      </dsp:txBody>
+      <dsp:txXfrm>
+        <a:off x="27982" y="22318"/>
+        <a:ext cx="1648375" cy="717363"/>
+      </dsp:txXfrm>
+    </dsp:sp>
+    <dsp:sp modelId="{34787A42-0DC3-4684-B593-5F6CDD37C011}">
+      <dsp:nvSpPr>
+        <dsp:cNvPr id="0" name=""/>
+        <dsp:cNvSpPr/>
+      </dsp:nvSpPr>
+      <dsp:spPr>
+        <a:xfrm>
+          <a:off x="1867977" y="171066"/>
+          <a:ext cx="358918" cy="419866"/>
+        </a:xfrm>
+        <a:prstGeom prst="rightArrow">
+          <a:avLst>
+            <a:gd name="adj1" fmla="val 60000"/>
+            <a:gd name="adj2" fmla="val 50000"/>
+          </a:avLst>
+        </a:prstGeom>
+        <a:solidFill>
+          <a:schemeClr val="dk1">
+            <a:tint val="60000"/>
+            <a:hueOff val="0"/>
+            <a:satOff val="0"/>
+            <a:lumOff val="0"/>
+            <a:alphaOff val="0"/>
+          </a:schemeClr>
+        </a:solidFill>
+        <a:ln>
+          <a:noFill/>
+        </a:ln>
+        <a:effectLst/>
+      </dsp:spPr>
+      <dsp:style>
+        <a:lnRef idx="0">
+          <a:scrgbClr r="0" g="0" b="0"/>
+        </a:lnRef>
+        <a:fillRef idx="1">
+          <a:scrgbClr r="0" g="0" b="0"/>
+        </a:fillRef>
+        <a:effectRef idx="0">
+          <a:scrgbClr r="0" g="0" b="0"/>
+        </a:effectRef>
+        <a:fontRef idx="minor">
+          <a:schemeClr val="lt1"/>
+        </a:fontRef>
+      </dsp:style>
+      <dsp:txBody>
+        <a:bodyPr spcFirstLastPara="0" vert="horz" wrap="square" lIns="0" tIns="0" rIns="0" bIns="0" numCol="1" spcCol="1270" anchor="ctr" anchorCtr="0">
+          <a:noAutofit/>
+        </a:bodyPr>
+        <a:lstStyle/>
+        <a:p>
+          <a:pPr lvl="0" algn="ctr" defTabSz="755650">
+            <a:lnSpc>
+              <a:spcPct val="90000"/>
+            </a:lnSpc>
+            <a:spcBef>
+              <a:spcPct val="0"/>
+            </a:spcBef>
+            <a:spcAft>
+              <a:spcPct val="35000"/>
+            </a:spcAft>
+          </a:pPr>
+          <a:endParaRPr lang="ja-JP" altLang="en-US" sz="1700" kern="1200"/>
+        </a:p>
+      </dsp:txBody>
+      <dsp:txXfrm>
+        <a:off x="1867977" y="255039"/>
+        <a:ext cx="251243" cy="251920"/>
+      </dsp:txXfrm>
+    </dsp:sp>
+    <dsp:sp modelId="{DE613460-AD24-4CEF-807C-1F7BE45D3F04}">
+      <dsp:nvSpPr>
+        <dsp:cNvPr id="0" name=""/>
+        <dsp:cNvSpPr/>
+      </dsp:nvSpPr>
+      <dsp:spPr>
+        <a:xfrm>
+          <a:off x="2375880" y="0"/>
+          <a:ext cx="1693011" cy="761999"/>
+        </a:xfrm>
+        <a:prstGeom prst="roundRect">
+          <a:avLst>
+            <a:gd name="adj" fmla="val 10000"/>
+          </a:avLst>
+        </a:prstGeom>
+        <a:solidFill>
+          <a:schemeClr val="lt1">
+            <a:hueOff val="0"/>
+            <a:satOff val="0"/>
+            <a:lumOff val="0"/>
+            <a:alphaOff val="0"/>
+          </a:schemeClr>
+        </a:solidFill>
+        <a:ln w="19050" cap="rnd" cmpd="sng" algn="ctr">
+          <a:solidFill>
+            <a:schemeClr val="dk1">
+              <a:shade val="80000"/>
+              <a:hueOff val="0"/>
+              <a:satOff val="0"/>
+              <a:lumOff val="0"/>
+              <a:alphaOff val="0"/>
+            </a:schemeClr>
+          </a:solidFill>
+          <a:prstDash val="solid"/>
+        </a:ln>
+        <a:effectLst/>
+      </dsp:spPr>
+      <dsp:style>
+        <a:lnRef idx="2">
+          <a:scrgbClr r="0" g="0" b="0"/>
+        </a:lnRef>
+        <a:fillRef idx="1">
+          <a:scrgbClr r="0" g="0" b="0"/>
+        </a:fillRef>
+        <a:effectRef idx="0">
+          <a:scrgbClr r="0" g="0" b="0"/>
+        </a:effectRef>
+        <a:fontRef idx="minor">
+          <a:schemeClr val="lt1"/>
+        </a:fontRef>
+      </dsp:style>
+      <dsp:txBody>
+        <a:bodyPr spcFirstLastPara="0" vert="horz" wrap="square" lIns="87630" tIns="87630" rIns="87630" bIns="87630" numCol="1" spcCol="1270" anchor="ctr" anchorCtr="0">
+          <a:noAutofit/>
+        </a:bodyPr>
+        <a:lstStyle/>
+        <a:p>
+          <a:pPr lvl="0" algn="ctr" defTabSz="1022350">
+            <a:lnSpc>
+              <a:spcPct val="90000"/>
+            </a:lnSpc>
+            <a:spcBef>
+              <a:spcPct val="0"/>
+            </a:spcBef>
+            <a:spcAft>
+              <a:spcPct val="35000"/>
+            </a:spcAft>
+          </a:pPr>
+          <a:r>
+            <a:rPr lang="en-US" altLang="ja-JP" sz="2300" kern="1200" dirty="0" err="1" smtClean="0"/>
+            <a:t>Cython</a:t>
+          </a:r>
+          <a:endParaRPr lang="ja-JP" altLang="en-US" sz="2300" kern="1200" dirty="0"/>
+        </a:p>
+      </dsp:txBody>
+      <dsp:txXfrm>
+        <a:off x="2398198" y="22318"/>
+        <a:ext cx="1648375" cy="717363"/>
+      </dsp:txXfrm>
+    </dsp:sp>
+    <dsp:sp modelId="{1882497D-1B16-4146-B5FD-2FD7E95AA175}">
+      <dsp:nvSpPr>
+        <dsp:cNvPr id="0" name=""/>
+        <dsp:cNvSpPr/>
+      </dsp:nvSpPr>
+      <dsp:spPr>
+        <a:xfrm>
+          <a:off x="4238193" y="171066"/>
+          <a:ext cx="358918" cy="419866"/>
+        </a:xfrm>
+        <a:prstGeom prst="rightArrow">
+          <a:avLst>
+            <a:gd name="adj1" fmla="val 60000"/>
+            <a:gd name="adj2" fmla="val 50000"/>
+          </a:avLst>
+        </a:prstGeom>
+        <a:solidFill>
+          <a:schemeClr val="dk1">
+            <a:tint val="60000"/>
+            <a:hueOff val="0"/>
+            <a:satOff val="0"/>
+            <a:lumOff val="0"/>
+            <a:alphaOff val="0"/>
+          </a:schemeClr>
+        </a:solidFill>
+        <a:ln>
+          <a:noFill/>
+        </a:ln>
+        <a:effectLst/>
+      </dsp:spPr>
+      <dsp:style>
+        <a:lnRef idx="0">
+          <a:scrgbClr r="0" g="0" b="0"/>
+        </a:lnRef>
+        <a:fillRef idx="1">
+          <a:scrgbClr r="0" g="0" b="0"/>
+        </a:fillRef>
+        <a:effectRef idx="0">
+          <a:scrgbClr r="0" g="0" b="0"/>
+        </a:effectRef>
+        <a:fontRef idx="minor">
+          <a:schemeClr val="lt1"/>
+        </a:fontRef>
+      </dsp:style>
+      <dsp:txBody>
+        <a:bodyPr spcFirstLastPara="0" vert="horz" wrap="square" lIns="0" tIns="0" rIns="0" bIns="0" numCol="1" spcCol="1270" anchor="ctr" anchorCtr="0">
+          <a:noAutofit/>
+        </a:bodyPr>
+        <a:lstStyle/>
+        <a:p>
+          <a:pPr lvl="0" algn="ctr" defTabSz="755650">
+            <a:lnSpc>
+              <a:spcPct val="90000"/>
+            </a:lnSpc>
+            <a:spcBef>
+              <a:spcPct val="0"/>
+            </a:spcBef>
+            <a:spcAft>
+              <a:spcPct val="35000"/>
+            </a:spcAft>
+          </a:pPr>
+          <a:endParaRPr lang="ja-JP" altLang="en-US" sz="1700" kern="1200"/>
+        </a:p>
+      </dsp:txBody>
+      <dsp:txXfrm>
+        <a:off x="4238193" y="255039"/>
+        <a:ext cx="251243" cy="251920"/>
+      </dsp:txXfrm>
+    </dsp:sp>
+    <dsp:sp modelId="{4A7A626B-F411-4FAB-AF8A-6BD3D43D6558}">
+      <dsp:nvSpPr>
+        <dsp:cNvPr id="0" name=""/>
+        <dsp:cNvSpPr/>
+      </dsp:nvSpPr>
+      <dsp:spPr>
+        <a:xfrm>
+          <a:off x="4746096" y="0"/>
+          <a:ext cx="1693011" cy="761999"/>
+        </a:xfrm>
+        <a:prstGeom prst="roundRect">
+          <a:avLst>
+            <a:gd name="adj" fmla="val 10000"/>
+          </a:avLst>
+        </a:prstGeom>
+        <a:solidFill>
+          <a:schemeClr val="lt1">
+            <a:hueOff val="0"/>
+            <a:satOff val="0"/>
+            <a:lumOff val="0"/>
+            <a:alphaOff val="0"/>
+          </a:schemeClr>
+        </a:solidFill>
+        <a:ln w="19050" cap="rnd" cmpd="sng" algn="ctr">
+          <a:solidFill>
+            <a:schemeClr val="dk1">
+              <a:shade val="80000"/>
+              <a:hueOff val="0"/>
+              <a:satOff val="0"/>
+              <a:lumOff val="0"/>
+              <a:alphaOff val="0"/>
+            </a:schemeClr>
+          </a:solidFill>
+          <a:prstDash val="solid"/>
+        </a:ln>
+        <a:effectLst/>
+      </dsp:spPr>
+      <dsp:style>
+        <a:lnRef idx="2">
+          <a:scrgbClr r="0" g="0" b="0"/>
+        </a:lnRef>
+        <a:fillRef idx="1">
+          <a:scrgbClr r="0" g="0" b="0"/>
+        </a:fillRef>
+        <a:effectRef idx="0">
+          <a:scrgbClr r="0" g="0" b="0"/>
+        </a:effectRef>
+        <a:fontRef idx="minor">
+          <a:schemeClr val="lt1"/>
+        </a:fontRef>
+      </dsp:style>
+      <dsp:txBody>
+        <a:bodyPr spcFirstLastPara="0" vert="horz" wrap="square" lIns="87630" tIns="87630" rIns="87630" bIns="87630" numCol="1" spcCol="1270" anchor="ctr" anchorCtr="0">
+          <a:noAutofit/>
+        </a:bodyPr>
+        <a:lstStyle/>
+        <a:p>
+          <a:pPr lvl="0" algn="ctr" defTabSz="1022350">
+            <a:lnSpc>
+              <a:spcPct val="90000"/>
+            </a:lnSpc>
+            <a:spcBef>
+              <a:spcPct val="0"/>
+            </a:spcBef>
+            <a:spcAft>
+              <a:spcPct val="35000"/>
+            </a:spcAft>
+          </a:pPr>
+          <a:r>
+            <a:rPr lang="en-US" altLang="ja-JP" sz="2300" kern="1200" dirty="0" smtClean="0"/>
+            <a:t>C</a:t>
+          </a:r>
+          <a:r>
+            <a:rPr lang="ja-JP" altLang="en-US" sz="2300" kern="1200" dirty="0" smtClean="0"/>
+            <a:t>言語</a:t>
+          </a:r>
+          <a:endParaRPr lang="ja-JP" altLang="en-US" sz="2300" kern="1200" dirty="0"/>
+        </a:p>
+      </dsp:txBody>
+      <dsp:txXfrm>
+        <a:off x="4768414" y="22318"/>
+        <a:ext cx="1648375" cy="717363"/>
+      </dsp:txXfrm>
+    </dsp:sp>
+  </dsp:spTree>
+</dsp:drawing>
+</file>
+
+<file path=ppt/diagrams/layout1.xml><?xml version="1.0" encoding="utf-8"?>
+<dgm:layoutDef xmlns:dgm="http://schemas.openxmlformats.org/drawingml/2006/diagram" xmlns:a="http://schemas.openxmlformats.org/drawingml/2006/main" uniqueId="urn:microsoft.com/office/officeart/2005/8/layout/process1">
+  <dgm:title val=""/>
+  <dgm:desc val=""/>
+  <dgm:catLst>
+    <dgm:cat type="process" pri="1000"/>
+    <dgm:cat type="convert" pri="15000"/>
+  </dgm:catLst>
+  <dgm:sampData useDef="1">
+    <dgm:dataModel>
+      <dgm:ptLst/>
+      <dgm:bg/>
+      <dgm:whole/>
+    </dgm:dataModel>
+  </dgm:sampData>
+  <dgm:styleData>
+    <dgm:dataModel>
+      <dgm:ptLst>
+        <dgm:pt modelId="0" type="doc"/>
+        <dgm:pt modelId="1"/>
+        <dgm:pt modelId="2"/>
+      </dgm:ptLst>
+      <dgm:cxnLst>
+        <dgm:cxn modelId="3" srcId="0" destId="1" srcOrd="0" destOrd="0"/>
+        <dgm:cxn modelId="4" srcId="0" destId="2" srcOrd="1" destOrd="0"/>
+      </dgm:cxnLst>
+      <dgm:bg/>
+      <dgm:whole/>
+    </dgm:dataModel>
+  </dgm:styleData>
+  <dgm:clrData>
+    <dgm:dataModel>
+      <dgm:ptLst>
+        <dgm:pt modelId="0" type="doc"/>
+        <dgm:pt modelId="1"/>
+        <dgm:pt modelId="2"/>
+        <dgm:pt modelId="3"/>
+        <dgm:pt modelId="4"/>
+      </dgm:ptLst>
+      <dgm:cxnLst>
+        <dgm:cxn modelId="5" srcId="0" destId="1" srcOrd="0" destOrd="0"/>
+        <dgm:cxn modelId="6" srcId="0" destId="2" srcOrd="1" destOrd="0"/>
+        <dgm:cxn modelId="7" srcId="0" destId="3" srcOrd="2" destOrd="0"/>
+        <dgm:cxn modelId="8" srcId="0" destId="4" srcOrd="3" destOrd="0"/>
+      </dgm:cxnLst>
+      <dgm:bg/>
+      <dgm:whole/>
+    </dgm:dataModel>
+  </dgm:clrData>
+  <dgm:layoutNode name="Name0">
+    <dgm:varLst>
+      <dgm:dir/>
+      <dgm:resizeHandles val="exact"/>
+    </dgm:varLst>
+    <dgm:choose name="Name1">
+      <dgm:if name="Name2" func="var" arg="dir" op="equ" val="norm">
+        <dgm:alg type="lin"/>
+      </dgm:if>
+      <dgm:else name="Name3">
+        <dgm:alg type="lin">
+          <dgm:param type="linDir" val="fromR"/>
+        </dgm:alg>
+      </dgm:else>
+    </dgm:choose>
+    <dgm:shape xmlns:r="http://schemas.openxmlformats.org/officeDocument/2006/relationships" r:blip="">
+      <dgm:adjLst/>
+    </dgm:shape>
+    <dgm:presOf/>
+    <dgm:constrLst>
+      <dgm:constr type="w" for="ch" ptType="node" refType="w"/>
+      <dgm:constr type="h" for="ch" ptType="node" op="equ"/>
+      <dgm:constr type="primFontSz" for="ch" ptType="node" op="equ" val="65"/>
+      <dgm:constr type="w" for="ch" ptType="sibTrans" refType="w" refFor="ch" refPtType="node" op="equ" fact="0.4"/>
+      <dgm:constr type="h" for="ch" ptType="sibTrans" op="equ"/>
+      <dgm:constr type="primFontSz" for="des" forName="connectorText" op="equ" val="55"/>
+      <dgm:constr type="primFontSz" for="des" forName="connectorText" refType="primFontSz" refFor="ch" refPtType="node" op="lte" fact="0.8"/>
+    </dgm:constrLst>
+    <dgm:ruleLst/>
+    <dgm:forEach name="nodesForEach" axis="ch" ptType="node">
+      <dgm:layoutNode name="node">
+        <dgm:varLst>
+          <dgm:bulletEnabled val="1"/>
+        </dgm:varLst>
+        <dgm:alg type="tx"/>
+        <dgm:shape xmlns:r="http://schemas.openxmlformats.org/officeDocument/2006/relationships" type="roundRect" r:blip="">
+          <dgm:adjLst>
+            <dgm:adj idx="1" val="0.1"/>
+          </dgm:adjLst>
+        </dgm:shape>
+        <dgm:presOf axis="desOrSelf" ptType="node"/>
+        <dgm:constrLst>
+          <dgm:constr type="h" refType="w" fact="0.6"/>
+          <dgm:constr type="tMarg" refType="primFontSz" fact="0.3"/>
+          <dgm:constr type="bMarg" refType="primFontSz" fact="0.3"/>
+          <dgm:constr type="lMarg" refType="primFontSz" fact="0.3"/>
+          <dgm:constr type="rMarg" refType="primFontSz" fact="0.3"/>
+        </dgm:constrLst>
+        <dgm:ruleLst>
+          <dgm:rule type="primFontSz" val="18" fact="NaN" max="NaN"/>
+          <dgm:rule type="h" val="NaN" fact="1.5" max="NaN"/>
+          <dgm:rule type="primFontSz" val="5" fact="NaN" max="NaN"/>
+          <dgm:rule type="h" val="INF" fact="NaN" max="NaN"/>
+        </dgm:ruleLst>
+      </dgm:layoutNode>
+      <dgm:forEach name="sibTransForEach" axis="followSib" ptType="sibTrans" cnt="1">
+        <dgm:layoutNode name="sibTrans">
+          <dgm:alg type="conn">
+            <dgm:param type="begPts" val="auto"/>
+            <dgm:param type="endPts" val="auto"/>
+          </dgm:alg>
+          <dgm:shape xmlns:r="http://schemas.openxmlformats.org/officeDocument/2006/relationships" type="conn" r:blip="">
+            <dgm:adjLst/>
+          </dgm:shape>
+          <dgm:presOf axis="self"/>
+          <dgm:constrLst>
+            <dgm:constr type="h" refType="w" fact="0.62"/>
+            <dgm:constr type="connDist"/>
+            <dgm:constr type="begPad" refType="connDist" fact="0.25"/>
+            <dgm:constr type="endPad" refType="connDist" fact="0.22"/>
+          </dgm:constrLst>
+          <dgm:ruleLst/>
+          <dgm:layoutNode name="connectorText">
+            <dgm:alg type="tx">
+              <dgm:param type="autoTxRot" val="grav"/>
+            </dgm:alg>
+            <dgm:shape xmlns:r="http://schemas.openxmlformats.org/officeDocument/2006/relationships" type="conn" r:blip="" hideGeom="1">
+              <dgm:adjLst/>
+            </dgm:shape>
+            <dgm:presOf axis="self"/>
+            <dgm:constrLst>
+              <dgm:constr type="lMarg"/>
+              <dgm:constr type="rMarg"/>
+              <dgm:constr type="tMarg"/>
+              <dgm:constr type="bMarg"/>
+            </dgm:constrLst>
+            <dgm:ruleLst>
+              <dgm:rule type="primFontSz" val="5" fact="NaN" max="NaN"/>
+            </dgm:ruleLst>
+          </dgm:layoutNode>
+        </dgm:layoutNode>
+      </dgm:forEach>
+    </dgm:forEach>
+  </dgm:layoutNode>
+</dgm:layoutDef>
+</file>
+
+<file path=ppt/diagrams/quickStyle1.xml><?xml version="1.0" encoding="utf-8"?>
+<dgm:styleDef xmlns:dgm="http://schemas.openxmlformats.org/drawingml/2006/diagram" xmlns:a="http://schemas.openxmlformats.org/drawingml/2006/main" uniqueId="urn:microsoft.com/office/officeart/2005/8/quickstyle/simple1">
+  <dgm:title val=""/>
+  <dgm:desc val=""/>
+  <dgm:catLst>
+    <dgm:cat type="simple" pri="10100"/>
+  </dgm:catLst>
+  <dgm:scene3d>
+    <a:camera prst="orthographicFront"/>
+    <a:lightRig rig="threePt" dir="t"/>
+  </dgm:scene3d>
+  <dgm:styleLbl name="node0">
+    <dgm:scene3d>
+      <a:camera prst="orthographicFront"/>
+      <a:lightRig rig="threePt" dir="t"/>
+    </dgm:scene3d>
+    <dgm:sp3d/>
+    <dgm:txPr/>
+    <dgm:style>
+      <a:lnRef idx="2">
+        <a:scrgbClr r="0" g="0" b="0"/>
+      </a:lnRef>
+      <a:fillRef idx="1">
+        <a:scrgbClr r="0" g="0" b="0"/>
+      </a:fillRef>
+      <a:effectRef idx="0">
+        <a:scrgbClr r="0" g="0" b="0"/>
+      </a:effectRef>
+      <a:fontRef idx="minor">
+        <a:schemeClr val="lt1"/>
+      </a:fontRef>
+    </dgm:style>
+  </dgm:styleLbl>
+  <dgm:styleLbl name="lnNode1">
+    <dgm:scene3d>
+      <a:camera prst="orthographicFront"/>
+      <a:lightRig rig="threePt" dir="t"/>
+    </dgm:scene3d>
+    <dgm:sp3d/>
+    <dgm:txPr/>
+    <dgm:style>
+      <a:lnRef idx="2">
+        <a:scrgbClr r="0" g="0" b="0"/>
+      </a:lnRef>
+      <a:fillRef idx="1">
+        <a:scrgbClr r="0" g="0" b="0"/>
+      </a:fillRef>
+      <a:effectRef idx="0">
+        <a:scrgbClr r="0" g="0" b="0"/>
+      </a:effectRef>
+      <a:fontRef idx="minor">
+        <a:schemeClr val="lt1"/>
+      </a:fontRef>
+    </dgm:style>
+  </dgm:styleLbl>
+  <dgm:styleLbl name="vennNode1">
+    <dgm:scene3d>
+      <a:camera prst="orthographicFront"/>
+      <a:lightRig rig="threePt" dir="t"/>
+    </dgm:scene3d>
+    <dgm:sp3d/>
+    <dgm:txPr/>
+    <dgm:style>
+      <a:lnRef idx="2">
+        <a:scrgbClr r="0" g="0" b="0"/>
+      </a:lnRef>
+      <a:fillRef idx="1">
+        <a:scrgbClr r="0" g="0" b="0"/>
+      </a:fillRef>
+      <a:effectRef idx="0">
+        <a:scrgbClr r="0" g="0" b="0"/>
+      </a:effectRef>
+      <a:fontRef idx="minor">
+        <a:schemeClr val="tx1"/>
+      </a:fontRef>
+    </dgm:style>
+  </dgm:styleLbl>
+  <dgm:styleLbl name="alignNode1">
+    <dgm:scene3d>
+      <a:camera prst="orthographicFront"/>
+      <a:lightRig rig="threePt" dir="t"/>
+    </dgm:scene3d>
+    <dgm:sp3d/>
+    <dgm:txPr/>
+    <dgm:style>
+      <a:lnRef idx="2">
+        <a:scrgbClr r="0" g="0" b="0"/>
+      </a:lnRef>
+      <a:fillRef idx="1">
+        <a:scrgbClr r="0" g="0" b="0"/>
+      </a:fillRef>
+      <a:effectRef idx="0">
+        <a:scrgbClr r="0" g="0" b="0"/>
+      </a:effectRef>
+      <a:fontRef idx="minor">
+        <a:schemeClr val="lt1"/>
+      </a:fontRef>
+    </dgm:style>
+  </dgm:styleLbl>
+  <dgm:styleLbl name="node1">
+    <dgm:scene3d>
+      <a:camera prst="orthographicFront"/>
+      <a:lightRig rig="threePt" dir="t"/>
+    </dgm:scene3d>
+    <dgm:sp3d/>
+    <dgm:txPr/>
+    <dgm:style>
+      <a:lnRef idx="2">
+        <a:scrgbClr r="0" g="0" b="0"/>
+      </a:lnRef>
+      <a:fillRef idx="1">
+        <a:scrgbClr r="0" g="0" b="0"/>
+      </a:fillRef>
+      <a:effectRef idx="0">
+        <a:scrgbClr r="0" g="0" b="0"/>
+      </a:effectRef>
+      <a:fontRef idx="minor">
+        <a:schemeClr val="lt1"/>
+      </a:fontRef>
+    </dgm:style>
+  </dgm:styleLbl>
+  <dgm:styleLbl name="node2">
+    <dgm:scene3d>
+      <a:camera prst="orthographicFront"/>
+      <a:lightRig rig="threePt" dir="t"/>
+    </dgm:scene3d>
+    <dgm:sp3d/>
+    <dgm:txPr/>
+    <dgm:style>
+      <a:lnRef idx="2">
+        <a:scrgbClr r="0" g="0" b="0"/>
+      </a:lnRef>
+      <a:fillRef idx="1">
+        <a:scrgbClr r="0" g="0" b="0"/>
+      </a:fillRef>
+      <a:effectRef idx="0">
+        <a:scrgbClr r="0" g="0" b="0"/>
+      </a:effectRef>
+      <a:fontRef idx="minor">
+        <a:schemeClr val="lt1"/>
+      </a:fontRef>
+    </dgm:style>
+  </dgm:styleLbl>
+  <dgm:styleLbl name="node3">
+    <dgm:scene3d>
+      <a:camera prst="orthographicFront"/>
+      <a:lightRig rig="threePt" dir="t"/>
+    </dgm:scene3d>
+    <dgm:sp3d/>
+    <dgm:txPr/>
+    <dgm:style>
+      <a:lnRef idx="2">
+        <a:scrgbClr r="0" g="0" b="0"/>
+      </a:lnRef>
+      <a:fillRef idx="1">
+        <a:scrgbClr r="0" g="0" b="0"/>
+      </a:fillRef>
+      <a:effectRef idx="0">
+        <a:scrgbClr r="0" g="0" b="0"/>
+      </a:effectRef>
+      <a:fontRef idx="minor">
+        <a:schemeClr val="lt1"/>
+      </a:fontRef>
+    </dgm:style>
+  </dgm:styleLbl>
+  <dgm:styleLbl name="node4">
+    <dgm:scene3d>
+      <a:camera prst="orthographicFront"/>
+      <a:lightRig rig="threePt" dir="t"/>
+    </dgm:scene3d>
+    <dgm:sp3d/>
+    <dgm:txPr/>
+    <dgm:style>
+      <a:lnRef idx="2">
+        <a:scrgbClr r="0" g="0" b="0"/>
+      </a:lnRef>
+      <a:fillRef idx="1">
+        <a:scrgbClr r="0" g="0" b="0"/>
+      </a:fillRef>
+      <a:effectRef idx="0">
+        <a:scrgbClr r="0" g="0" b="0"/>
+      </a:effectRef>
+      <a:fontRef idx="minor">
+        <a:schemeClr val="lt1"/>
+      </a:fontRef>
+    </dgm:style>
+  </dgm:styleLbl>
+  <dgm:styleLbl name="fgImgPlace1">
+    <dgm:scene3d>
+      <a:camera prst="orthographicFront"/>
+      <a:lightRig rig="threePt" dir="t"/>
+    </dgm:scene3d>
+    <dgm:sp3d/>
+    <dgm:txPr/>
+    <dgm:style>
+      <a:lnRef idx="2">
+        <a:scrgbClr r="0" g="0" b="0"/>
+      </a:lnRef>
+      <a:fillRef idx="1">
+        <a:scrgbClr r="0" g="0" b="0"/>
+      </a:fillRef>
+      <a:effectRef idx="0">
+        <a:scrgbClr r="0" g="0" b="0"/>
+      </a:effectRef>
+      <a:fontRef idx="minor"/>
+    </dgm:style>
+  </dgm:styleLbl>
+  <dgm:styleLbl name="alignImgPlace1">
+    <dgm:scene3d>
+      <a:camera prst="orthographicFront"/>
+      <a:lightRig rig="threePt" dir="t"/>
+    </dgm:scene3d>
+    <dgm:sp3d/>
+    <dgm:txPr/>
+    <dgm:style>
+      <a:lnRef idx="2">
+        <a:scrgbClr r="0" g="0" b="0"/>
+      </a:lnRef>
+      <a:fillRef idx="1">
+        <a:scrgbClr r="0" g="0" b="0"/>
+      </a:fillRef>
+      <a:effectRef idx="0">
+        <a:scrgbClr r="0" g="0" b="0"/>
+      </a:effectRef>
+      <a:fontRef idx="minor"/>
+    </dgm:style>
+  </dgm:styleLbl>
+  <dgm:styleLbl name="bgImgPlace1">
+    <dgm:scene3d>
+      <a:camera prst="orthographicFront"/>
+      <a:lightRig rig="threePt" dir="t"/>
+    </dgm:scene3d>
+    <dgm:sp3d/>
+    <dgm:txPr/>
+    <dgm:style>
+      <a:lnRef idx="2">
+        <a:scrgbClr r="0" g="0" b="0"/>
+      </a:lnRef>
+      <a:fillRef idx="1">
+        <a:scrgbClr r="0" g="0" b="0"/>
+      </a:fillRef>
+      <a:effectRef idx="0">
+        <a:scrgbClr r="0" g="0" b="0"/>
+      </a:effectRef>
+      <a:fontRef idx="minor"/>
+    </dgm:style>
+  </dgm:styleLbl>
+  <dgm:styleLbl name="sibTrans2D1">
+    <dgm:scene3d>
+      <a:camera prst="orthographicFront"/>
+      <a:lightRig rig="threePt" dir="t"/>
+    </dgm:scene3d>
+    <dgm:sp3d/>
+    <dgm:txPr/>
+    <dgm:style>
+      <a:lnRef idx="0">
+        <a:scrgbClr r="0" g="0" b="0"/>
+      </a:lnRef>
+      <a:fillRef idx="1">
+        <a:scrgbClr r="0" g="0" b="0"/>
+      </a:fillRef>
+      <a:effectRef idx="0">
+        <a:scrgbClr r="0" g="0" b="0"/>
+      </a:effectRef>
+      <a:fontRef idx="minor">
+        <a:schemeClr val="lt1"/>
+      </a:fontRef>
+    </dgm:style>
+  </dgm:styleLbl>
+  <dgm:styleLbl name="fgSibTrans2D1">
+    <dgm:scene3d>
+      <a:camera prst="orthographicFront"/>
+      <a:lightRig rig="threePt" dir="t"/>
+    </dgm:scene3d>
+    <dgm:sp3d/>
+    <dgm:txPr/>
+    <dgm:style>
+      <a:lnRef idx="0">
+        <a:scrgbClr r="0" g="0" b="0"/>
+      </a:lnRef>
+      <a:fillRef idx="1">
+        <a:scrgbClr r="0" g="0" b="0"/>
+      </a:fillRef>
+      <a:effectRef idx="0">
+        <a:scrgbClr r="0" g="0" b="0"/>
+      </a:effectRef>
+      <a:fontRef idx="minor">
+        <a:schemeClr val="lt1"/>
+      </a:fontRef>
+    </dgm:style>
+  </dgm:styleLbl>
+  <dgm:styleLbl name="bgSibTrans2D1">
+    <dgm:scene3d>
+      <a:camera prst="orthographicFront"/>
+      <a:lightRig rig="threePt" dir="t"/>
+    </dgm:scene3d>
+    <dgm:sp3d/>
+    <dgm:txPr/>
+    <dgm:style>
+      <a:lnRef idx="0">
+        <a:scrgbClr r="0" g="0" b="0"/>
+      </a:lnRef>
+      <a:fillRef idx="1">
+        <a:scrgbClr r="0" g="0" b="0"/>
+      </a:fillRef>
+      <a:effectRef idx="0">
+        <a:scrgbClr r="0" g="0" b="0"/>
+      </a:effectRef>
+      <a:fontRef idx="minor">
+        <a:schemeClr val="lt1"/>
+      </a:fontRef>
+    </dgm:style>
+  </dgm:styleLbl>
+  <dgm:styleLbl name="sibTrans1D1">
+    <dgm:scene3d>
+      <a:camera prst="orthographicFront"/>
+      <a:lightRig rig="threePt" dir="t"/>
+    </dgm:scene3d>
+    <dgm:sp3d/>
+    <dgm:txPr/>
+    <dgm:style>
+      <a:lnRef idx="1">
+        <a:scrgbClr r="0" g="0" b="0"/>
+      </a:lnRef>
+      <a:fillRef idx="0">
+        <a:scrgbClr r="0" g="0" b="0"/>
+      </a:fillRef>
+      <a:effectRef idx="0">
+        <a:scrgbClr r="0" g="0" b="0"/>
+      </a:effectRef>
+      <a:fontRef idx="minor"/>
+    </dgm:style>
+  </dgm:styleLbl>
+  <dgm:styleLbl name="callout">
+    <dgm:scene3d>
+      <a:camera prst="orthographicFront"/>
+      <a:lightRig rig="threePt" dir="t"/>
+    </dgm:scene3d>
+    <dgm:sp3d/>
+    <dgm:txPr/>
+    <dgm:style>
+      <a:lnRef idx="2">
+        <a:scrgbClr r="0" g="0" b="0"/>
+      </a:lnRef>
+      <a:fillRef idx="1">
+        <a:scrgbClr r="0" g="0" b="0"/>
+      </a:fillRef>
+      <a:effectRef idx="0">
+        <a:scrgbClr r="0" g="0" b="0"/>
+      </a:effectRef>
+      <a:fontRef idx="minor"/>
+    </dgm:style>
+  </dgm:styleLbl>
+  <dgm:styleLbl name="asst0">
+    <dgm:scene3d>
+      <a:camera prst="orthographicFront"/>
+      <a:lightRig rig="threePt" dir="t"/>
+    </dgm:scene3d>
+    <dgm:sp3d/>
+    <dgm:txPr/>
+    <dgm:style>
+      <a:lnRef idx="2">
+        <a:scrgbClr r="0" g="0" b="0"/>
+      </a:lnRef>
+      <a:fillRef idx="1">
+        <a:scrgbClr r="0" g="0" b="0"/>
+      </a:fillRef>
+      <a:effectRef idx="0">
+        <a:scrgbClr r="0" g="0" b="0"/>
+      </a:effectRef>
+      <a:fontRef idx="minor">
+        <a:schemeClr val="lt1"/>
+      </a:fontRef>
+    </dgm:style>
+  </dgm:styleLbl>
+  <dgm:styleLbl name="asst1">
+    <dgm:scene3d>
+      <a:camera prst="orthographicFront"/>
+      <a:lightRig rig="threePt" dir="t"/>
+    </dgm:scene3d>
+    <dgm:sp3d/>
+    <dgm:txPr/>
+    <dgm:style>
+      <a:lnRef idx="2">
+        <a:scrgbClr r="0" g="0" b="0"/>
+      </a:lnRef>
+      <a:fillRef idx="1">
+        <a:scrgbClr r="0" g="0" b="0"/>
+      </a:fillRef>
+      <a:effectRef idx="0">
+        <a:scrgbClr r="0" g="0" b="0"/>
+      </a:effectRef>
+      <a:fontRef idx="minor">
+        <a:schemeClr val="lt1"/>
+      </a:fontRef>
+    </dgm:style>
+  </dgm:styleLbl>
+  <dgm:styleLbl name="asst2">
+    <dgm:scene3d>
+      <a:camera prst="orthographicFront"/>
+      <a:lightRig rig="threePt" dir="t"/>
+    </dgm:scene3d>
+    <dgm:sp3d/>
+    <dgm:txPr/>
+    <dgm:style>
+      <a:lnRef idx="2">
+        <a:scrgbClr r="0" g="0" b="0"/>
+      </a:lnRef>
+      <a:fillRef idx="1">
+        <a:scrgbClr r="0" g="0" b="0"/>
+      </a:fillRef>
+      <a:effectRef idx="0">
+        <a:scrgbClr r="0" g="0" b="0"/>
+      </a:effectRef>
+      <a:fontRef idx="minor">
+        <a:schemeClr val="lt1"/>
+      </a:fontRef>
+    </dgm:style>
+  </dgm:styleLbl>
+  <dgm:styleLbl name="asst3">
+    <dgm:scene3d>
+      <a:camera prst="orthographicFront"/>
+      <a:lightRig rig="threePt" dir="t"/>
+    </dgm:scene3d>
+    <dgm:sp3d/>
+    <dgm:txPr/>
+    <dgm:style>
+      <a:lnRef idx="2">
+        <a:scrgbClr r="0" g="0" b="0"/>
+      </a:lnRef>
+      <a:fillRef idx="1">
+        <a:scrgbClr r="0" g="0" b="0"/>
+      </a:fillRef>
+      <a:effectRef idx="0">
+        <a:scrgbClr r="0" g="0" b="0"/>
+      </a:effectRef>
+      <a:fontRef idx="minor">
+        <a:schemeClr val="lt1"/>
+      </a:fontRef>
+    </dgm:style>
+  </dgm:styleLbl>
+  <dgm:styleLbl name="asst4">
+    <dgm:scene3d>
+      <a:camera prst="orthographicFront"/>
+      <a:lightRig rig="threePt" dir="t"/>
+    </dgm:scene3d>
+    <dgm:sp3d/>
+    <dgm:txPr/>
+    <dgm:style>
+      <a:lnRef idx="2">
+        <a:scrgbClr r="0" g="0" b="0"/>
+      </a:lnRef>
+      <a:fillRef idx="1">
+        <a:scrgbClr r="0" g="0" b="0"/>
+      </a:fillRef>
+      <a:effectRef idx="0">
+        <a:scrgbClr r="0" g="0" b="0"/>
+      </a:effectRef>
+      <a:fontRef idx="minor">
+        <a:schemeClr val="lt1"/>
+      </a:fontRef>
+    </dgm:style>
+  </dgm:styleLbl>
+  <dgm:styleLbl name="parChTrans2D1">
+    <dgm:scene3d>
+      <a:camera prst="orthographicFront"/>
+      <a:lightRig rig="threePt" dir="t"/>
+    </dgm:scene3d>
+    <dgm:sp3d/>
+    <dgm:txPr/>
+    <dgm:style>
+      <a:lnRef idx="2">
+        <a:scrgbClr r="0" g="0" b="0"/>
+      </a:lnRef>
+      <a:fillRef idx="1">
+        <a:scrgbClr r="0" g="0" b="0"/>
+      </a:fillRef>
+      <a:effectRef idx="0">
+        <a:scrgbClr r="0" g="0" b="0"/>
+      </a:effectRef>
+      <a:fontRef idx="minor">
+        <a:schemeClr val="lt1"/>
+      </a:fontRef>
+    </dgm:style>
+  </dgm:styleLbl>
+  <dgm:styleLbl name="parChTrans2D2">
+    <dgm:scene3d>
+      <a:camera prst="orthographicFront"/>
+      <a:lightRig rig="threePt" dir="t"/>
+    </dgm:scene3d>
+    <dgm:sp3d/>
+    <dgm:txPr/>
+    <dgm:style>
+      <a:lnRef idx="2">
+        <a:scrgbClr r="0" g="0" b="0"/>
+      </a:lnRef>
+      <a:fillRef idx="1">
+        <a:scrgbClr r="0" g="0" b="0"/>
+      </a:fillRef>
+      <a:effectRef idx="0">
+        <a:scrgbClr r="0" g="0" b="0"/>
+      </a:effectRef>
+      <a:fontRef idx="minor">
+        <a:schemeClr val="lt1"/>
+      </a:fontRef>
+    </dgm:style>
+  </dgm:styleLbl>
+  <dgm:styleLbl name="parChTrans2D3">
+    <dgm:scene3d>
+      <a:camera prst="orthographicFront"/>
+      <a:lightRig rig="threePt" dir="t"/>
+    </dgm:scene3d>
+    <dgm:sp3d/>
+    <dgm:txPr/>
+    <dgm:style>
+      <a:lnRef idx="2">
+        <a:scrgbClr r="0" g="0" b="0"/>
+      </a:lnRef>
+      <a:fillRef idx="1">
+        <a:scrgbClr r="0" g="0" b="0"/>
+      </a:fillRef>
+      <a:effectRef idx="0">
+        <a:scrgbClr r="0" g="0" b="0"/>
+      </a:effectRef>
+      <a:fontRef idx="minor">
+        <a:schemeClr val="lt1"/>
+      </a:fontRef>
+    </dgm:style>
+  </dgm:styleLbl>
+  <dgm:styleLbl name="parChTrans2D4">
+    <dgm:scene3d>
+      <a:camera prst="orthographicFront"/>
+      <a:lightRig rig="threePt" dir="t"/>
+    </dgm:scene3d>
+    <dgm:sp3d/>
+    <dgm:txPr/>
+    <dgm:style>
+      <a:lnRef idx="2">
+        <a:scrgbClr r="0" g="0" b="0"/>
+      </a:lnRef>
+      <a:fillRef idx="1">
+        <a:scrgbClr r="0" g="0" b="0"/>
+      </a:fillRef>
+      <a:effectRef idx="0">
+        <a:scrgbClr r="0" g="0" b="0"/>
+      </a:effectRef>
+      <a:fontRef idx="minor">
+        <a:schemeClr val="lt1"/>
+      </a:fontRef>
+    </dgm:style>
+  </dgm:styleLbl>
+  <dgm:styleLbl name="parChTrans1D1">
+    <dgm:scene3d>
+      <a:camera prst="orthographicFront"/>
+      <a:lightRig rig="threePt" dir="t"/>
+    </dgm:scene3d>
+    <dgm:sp3d/>
+    <dgm:txPr/>
+    <dgm:style>
+      <a:lnRef idx="2">
+        <a:scrgbClr r="0" g="0" b="0"/>
+      </a:lnRef>
+      <a:fillRef idx="0">
+        <a:scrgbClr r="0" g="0" b="0"/>
+      </a:fillRef>
+      <a:effectRef idx="0">
+        <a:scrgbClr r="0" g="0" b="0"/>
+      </a:effectRef>
+      <a:fontRef idx="minor"/>
+    </dgm:style>
+  </dgm:styleLbl>
+  <dgm:styleLbl name="parChTrans1D2">
+    <dgm:scene3d>
+      <a:camera prst="orthographicFront"/>
+      <a:lightRig rig="threePt" dir="t"/>
+    </dgm:scene3d>
+    <dgm:sp3d/>
+    <dgm:txPr/>
+    <dgm:style>
+      <a:lnRef idx="2">
+        <a:scrgbClr r="0" g="0" b="0"/>
+      </a:lnRef>
+      <a:fillRef idx="0">
+        <a:scrgbClr r="0" g="0" b="0"/>
+      </a:fillRef>
+      <a:effectRef idx="0">
+        <a:scrgbClr r="0" g="0" b="0"/>
+      </a:effectRef>
+      <a:fontRef idx="minor"/>
+    </dgm:style>
+  </dgm:styleLbl>
+  <dgm:styleLbl name="parChTrans1D3">
+    <dgm:scene3d>
+      <a:camera prst="orthographicFront"/>
+      <a:lightRig rig="threePt" dir="t"/>
+    </dgm:scene3d>
+    <dgm:sp3d/>
+    <dgm:txPr/>
+    <dgm:style>
+      <a:lnRef idx="2">
+        <a:scrgbClr r="0" g="0" b="0"/>
+      </a:lnRef>
+      <a:fillRef idx="0">
+        <a:scrgbClr r="0" g="0" b="0"/>
+      </a:fillRef>
+      <a:effectRef idx="0">
+        <a:scrgbClr r="0" g="0" b="0"/>
+      </a:effectRef>
+      <a:fontRef idx="minor"/>
+    </dgm:style>
+  </dgm:styleLbl>
+  <dgm:styleLbl name="parChTrans1D4">
+    <dgm:scene3d>
+      <a:camera prst="orthographicFront"/>
+      <a:lightRig rig="threePt" dir="t"/>
+    </dgm:scene3d>
+    <dgm:sp3d/>
+    <dgm:txPr/>
+    <dgm:style>
+      <a:lnRef idx="2">
+        <a:scrgbClr r="0" g="0" b="0"/>
+      </a:lnRef>
+      <a:fillRef idx="0">
+        <a:scrgbClr r="0" g="0" b="0"/>
+      </a:fillRef>
+      <a:effectRef idx="0">
+        <a:scrgbClr r="0" g="0" b="0"/>
+      </a:effectRef>
+      <a:fontRef idx="minor"/>
+    </dgm:style>
+  </dgm:styleLbl>
+  <dgm:styleLbl name="fgAcc1">
+    <dgm:scene3d>
+      <a:camera prst="orthographicFront"/>
+      <a:lightRig rig="threePt" dir="t"/>
+    </dgm:scene3d>
+    <dgm:sp3d/>
+    <dgm:txPr/>
+    <dgm:style>
+      <a:lnRef idx="2">
+        <a:scrgbClr r="0" g="0" b="0"/>
+      </a:lnRef>
+      <a:fillRef idx="1">
+        <a:scrgbClr r="0" g="0" b="0"/>
+      </a:fillRef>
+      <a:effectRef idx="0">
+        <a:scrgbClr r="0" g="0" b="0"/>
+      </a:effectRef>
+      <a:fontRef idx="minor"/>
+    </dgm:style>
+  </dgm:styleLbl>
+  <dgm:styleLbl name="conFgAcc1">
+    <dgm:scene3d>
+      <a:camera prst="orthographicFront"/>
+      <a:lightRig rig="threePt" dir="t"/>
+    </dgm:scene3d>
+    <dgm:sp3d/>
+    <dgm:txPr/>
+    <dgm:style>
+      <a:lnRef idx="2">
+        <a:scrgbClr r="0" g="0" b="0"/>
+      </a:lnRef>
+      <a:fillRef idx="1">
+        <a:scrgbClr r="0" g="0" b="0"/>
+      </a:fillRef>
+      <a:effectRef idx="0">
+        <a:scrgbClr r="0" g="0" b="0"/>
+      </a:effectRef>
+      <a:fontRef idx="minor"/>
+    </dgm:style>
+  </dgm:styleLbl>
+  <dgm:styleLbl name="alignAcc1">
+    <dgm:scene3d>
+      <a:camera prst="orthographicFront"/>
+      <a:lightRig rig="threePt" dir="t"/>
+    </dgm:scene3d>
+    <dgm:sp3d/>
+    <dgm:txPr/>
+    <dgm:style>
+      <a:lnRef idx="2">
+        <a:scrgbClr r="0" g="0" b="0"/>
+      </a:lnRef>
+      <a:fillRef idx="1">
+        <a:scrgbClr r="0" g="0" b="0"/>
+      </a:fillRef>
+      <a:effectRef idx="0">
+        <a:scrgbClr r="0" g="0" b="0"/>
+      </a:effectRef>
+      <a:fontRef idx="minor"/>
+    </dgm:style>
+  </dgm:styleLbl>
+  <dgm:styleLbl name="trAlignAcc1">
+    <dgm:scene3d>
+      <a:camera prst="orthographicFront"/>
+      <a:lightRig rig="threePt" dir="t"/>
+    </dgm:scene3d>
+    <dgm:sp3d/>
+    <dgm:txPr/>
+    <dgm:style>
+      <a:lnRef idx="1">
+        <a:scrgbClr r="0" g="0" b="0"/>
+      </a:lnRef>
+      <a:fillRef idx="1">
+        <a:scrgbClr r="0" g="0" b="0"/>
+      </a:fillRef>
+      <a:effectRef idx="0">
+        <a:scrgbClr r="0" g="0" b="0"/>
+      </a:effectRef>
+      <a:fontRef idx="minor"/>
+    </dgm:style>
+  </dgm:styleLbl>
+  <dgm:styleLbl name="bgAcc1">
+    <dgm:scene3d>
+      <a:camera prst="orthographicFront"/>
+      <a:lightRig rig="threePt" dir="t"/>
+    </dgm:scene3d>
+    <dgm:sp3d/>
+    <dgm:txPr/>
+    <dgm:style>
+      <a:lnRef idx="2">
+        <a:scrgbClr r="0" g="0" b="0"/>
+      </a:lnRef>
+      <a:fillRef idx="1">
+        <a:scrgbClr r="0" g="0" b="0"/>
+      </a:fillRef>
+      <a:effectRef idx="0">
+        <a:scrgbClr r="0" g="0" b="0"/>
+      </a:effectRef>
+      <a:fontRef idx="minor"/>
+    </dgm:style>
+  </dgm:styleLbl>
+  <dgm:styleLbl name="solidFgAcc1">
+    <dgm:scene3d>
+      <a:camera prst="orthographicFront"/>
+      <a:lightRig rig="threePt" dir="t"/>
+    </dgm:scene3d>
+    <dgm:sp3d/>
+    <dgm:txPr/>
+    <dgm:style>
+      <a:lnRef idx="2">
+        <a:scrgbClr r="0" g="0" b="0"/>
+      </a:lnRef>
+      <a:fillRef idx="1">
+        <a:scrgbClr r="0" g="0" b="0"/>
+      </a:fillRef>
+      <a:effectRef idx="0">
+        <a:scrgbClr r="0" g="0" b="0"/>
+      </a:effectRef>
+      <a:fontRef idx="minor"/>
+    </dgm:style>
+  </dgm:styleLbl>
+  <dgm:styleLbl name="solidAlignAcc1">
+    <dgm:scene3d>
+      <a:camera prst="orthographicFront"/>
+      <a:lightRig rig="threePt" dir="t"/>
+    </dgm:scene3d>
+    <dgm:sp3d/>
+    <dgm:txPr/>
+    <dgm:style>
+      <a:lnRef idx="2">
+        <a:scrgbClr r="0" g="0" b="0"/>
+      </a:lnRef>
+      <a:fillRef idx="1">
+        <a:scrgbClr r="0" g="0" b="0"/>
+      </a:fillRef>
+      <a:effectRef idx="0">
+        <a:scrgbClr r="0" g="0" b="0"/>
+      </a:effectRef>
+      <a:fontRef idx="minor"/>
+    </dgm:style>
+  </dgm:styleLbl>
+  <dgm:styleLbl name="solidBgAcc1">
+    <dgm:scene3d>
+      <a:camera prst="orthographicFront"/>
+      <a:lightRig rig="threePt" dir="t"/>
+    </dgm:scene3d>
+    <dgm:sp3d/>
+    <dgm:txPr/>
+    <dgm:style>
+      <a:lnRef idx="2">
+        <a:scrgbClr r="0" g="0" b="0"/>
+      </a:lnRef>
+      <a:fillRef idx="1">
+        <a:scrgbClr r="0" g="0" b="0"/>
+      </a:fillRef>
+      <a:effectRef idx="0">
+        <a:scrgbClr r="0" g="0" b="0"/>
+      </a:effectRef>
+      <a:fontRef idx="minor"/>
+    </dgm:style>
+  </dgm:styleLbl>
+  <dgm:styleLbl name="fgAccFollowNode1">
+    <dgm:scene3d>
+      <a:camera prst="orthographicFront"/>
+      <a:lightRig rig="threePt" dir="t"/>
+    </dgm:scene3d>
+    <dgm:sp3d/>
+    <dgm:txPr/>
+    <dgm:style>
+      <a:lnRef idx="2">
+        <a:scrgbClr r="0" g="0" b="0"/>
+      </a:lnRef>
+      <a:fillRef idx="1">
+        <a:scrgbClr r="0" g="0" b="0"/>
+      </a:fillRef>
+      <a:effectRef idx="0">
+        <a:scrgbClr r="0" g="0" b="0"/>
+      </a:effectRef>
+      <a:fontRef idx="minor"/>
+    </dgm:style>
+  </dgm:styleLbl>
+  <dgm:styleLbl name="alignAccFollowNode1">
+    <dgm:scene3d>
+      <a:camera prst="orthographicFront"/>
+      <a:lightRig rig="threePt" dir="t"/>
+    </dgm:scene3d>
+    <dgm:sp3d/>
+    <dgm:txPr/>
+    <dgm:style>
+      <a:lnRef idx="2">
+        <a:scrgbClr r="0" g="0" b="0"/>
+      </a:lnRef>
+      <a:fillRef idx="1">
+        <a:scrgbClr r="0" g="0" b="0"/>
+      </a:fillRef>
+      <a:effectRef idx="0">
+        <a:scrgbClr r="0" g="0" b="0"/>
+      </a:effectRef>
+      <a:fontRef idx="minor"/>
+    </dgm:style>
+  </dgm:styleLbl>
+  <dgm:styleLbl name="bgAccFollowNode1">
+    <dgm:scene3d>
+      <a:camera prst="orthographicFront"/>
+      <a:lightRig rig="threePt" dir="t"/>
+    </dgm:scene3d>
+    <dgm:sp3d/>
+    <dgm:txPr/>
+    <dgm:style>
+      <a:lnRef idx="2">
+        <a:scrgbClr r="0" g="0" b="0"/>
+      </a:lnRef>
+      <a:fillRef idx="1">
+        <a:scrgbClr r="0" g="0" b="0"/>
+      </a:fillRef>
+      <a:effectRef idx="0">
+        <a:scrgbClr r="0" g="0" b="0"/>
+      </a:effectRef>
+      <a:fontRef idx="minor"/>
+    </dgm:style>
+  </dgm:styleLbl>
+  <dgm:styleLbl name="fgAcc0">
+    <dgm:scene3d>
+      <a:camera prst="orthographicFront"/>
+      <a:lightRig rig="threePt" dir="t"/>
+    </dgm:scene3d>
+    <dgm:sp3d/>
+    <dgm:txPr/>
+    <dgm:style>
+      <a:lnRef idx="2">
+        <a:scrgbClr r="0" g="0" b="0"/>
+      </a:lnRef>
+      <a:fillRef idx="1">
+        <a:scrgbClr r="0" g="0" b="0"/>
+      </a:fillRef>
+      <a:effectRef idx="0">
+        <a:scrgbClr r="0" g="0" b="0"/>
+      </a:effectRef>
+      <a:fontRef idx="minor"/>
+    </dgm:style>
+  </dgm:styleLbl>
+  <dgm:styleLbl name="fgAcc2">
+    <dgm:scene3d>
+      <a:camera prst="orthographicFront"/>
+      <a:lightRig rig="threePt" dir="t"/>
+    </dgm:scene3d>
+    <dgm:sp3d/>
+    <dgm:txPr/>
+    <dgm:style>
+      <a:lnRef idx="2">
+        <a:scrgbClr r="0" g="0" b="0"/>
+      </a:lnRef>
+      <a:fillRef idx="1">
+        <a:scrgbClr r="0" g="0" b="0"/>
+      </a:fillRef>
+      <a:effectRef idx="0">
+        <a:scrgbClr r="0" g="0" b="0"/>
+      </a:effectRef>
+      <a:fontRef idx="minor"/>
+    </dgm:style>
+  </dgm:styleLbl>
+  <dgm:styleLbl name="fgAcc3">
+    <dgm:scene3d>
+      <a:camera prst="orthographicFront"/>
+      <a:lightRig rig="threePt" dir="t"/>
+    </dgm:scene3d>
+    <dgm:sp3d/>
+    <dgm:txPr/>
+    <dgm:style>
+      <a:lnRef idx="2">
+        <a:scrgbClr r="0" g="0" b="0"/>
+      </a:lnRef>
+      <a:fillRef idx="1">
+        <a:scrgbClr r="0" g="0" b="0"/>
+      </a:fillRef>
+      <a:effectRef idx="0">
+        <a:scrgbClr r="0" g="0" b="0"/>
+      </a:effectRef>
+      <a:fontRef idx="minor"/>
+    </dgm:style>
+  </dgm:styleLbl>
+  <dgm:styleLbl name="fgAcc4">
+    <dgm:scene3d>
+      <a:camera prst="orthographicFront"/>
+      <a:lightRig rig="threePt" dir="t"/>
+    </dgm:scene3d>
+    <dgm:sp3d/>
+    <dgm:txPr/>
+    <dgm:style>
+      <a:lnRef idx="2">
+        <a:scrgbClr r="0" g="0" b="0"/>
+      </a:lnRef>
+      <a:fillRef idx="1">
+        <a:scrgbClr r="0" g="0" b="0"/>
+      </a:fillRef>
+      <a:effectRef idx="0">
+        <a:scrgbClr r="0" g="0" b="0"/>
+      </a:effectRef>
+      <a:fontRef idx="minor"/>
+    </dgm:style>
+  </dgm:styleLbl>
+  <dgm:styleLbl name="bgShp">
+    <dgm:scene3d>
+      <a:camera prst="orthographicFront"/>
+      <a:lightRig rig="threePt" dir="t"/>
+    </dgm:scene3d>
+    <dgm:sp3d/>
+    <dgm:txPr/>
+    <dgm:style>
+      <a:lnRef idx="0">
+        <a:scrgbClr r="0" g="0" b="0"/>
+      </a:lnRef>
+      <a:fillRef idx="1">
+        <a:scrgbClr r="0" g="0" b="0"/>
+      </a:fillRef>
+      <a:effectRef idx="0">
+        <a:scrgbClr r="0" g="0" b="0"/>
+      </a:effectRef>
+      <a:fontRef idx="minor"/>
+    </dgm:style>
+  </dgm:styleLbl>
+  <dgm:styleLbl name="dkBgShp">
+    <dgm:scene3d>
+      <a:camera prst="orthographicFront"/>
+      <a:lightRig rig="threePt" dir="t"/>
+    </dgm:scene3d>
+    <dgm:sp3d/>
+    <dgm:txPr/>
+    <dgm:style>
+      <a:lnRef idx="0">
+        <a:scrgbClr r="0" g="0" b="0"/>
+      </a:lnRef>
+      <a:fillRef idx="1">
+        <a:scrgbClr r="0" g="0" b="0"/>
+      </a:fillRef>
+      <a:effectRef idx="0">
+        <a:scrgbClr r="0" g="0" b="0"/>
+      </a:effectRef>
+      <a:fontRef idx="minor"/>
+    </dgm:style>
+  </dgm:styleLbl>
+  <dgm:styleLbl name="trBgShp">
+    <dgm:scene3d>
+      <a:camera prst="orthographicFront"/>
+      <a:lightRig rig="threePt" dir="t"/>
+    </dgm:scene3d>
+    <dgm:sp3d/>
+    <dgm:txPr/>
+    <dgm:style>
+      <a:lnRef idx="0">
+        <a:scrgbClr r="0" g="0" b="0"/>
+      </a:lnRef>
+      <a:fillRef idx="1">
+        <a:scrgbClr r="0" g="0" b="0"/>
+      </a:fillRef>
+      <a:effectRef idx="0">
+        <a:scrgbClr r="0" g="0" b="0"/>
+      </a:effectRef>
+      <a:fontRef idx="minor"/>
+    </dgm:style>
+  </dgm:styleLbl>
+  <dgm:styleLbl name="fgShp">
+    <dgm:scene3d>
+      <a:camera prst="orthographicFront"/>
+      <a:lightRig rig="threePt" dir="t"/>
+    </dgm:scene3d>
+    <dgm:sp3d/>
+    <dgm:txPr/>
+    <dgm:style>
+      <a:lnRef idx="2">
+        <a:scrgbClr r="0" g="0" b="0"/>
+      </a:lnRef>
+      <a:fillRef idx="1">
+        <a:scrgbClr r="0" g="0" b="0"/>
+      </a:fillRef>
+      <a:effectRef idx="0">
+        <a:scrgbClr r="0" g="0" b="0"/>
+      </a:effectRef>
+      <a:fontRef idx="minor"/>
+    </dgm:style>
+  </dgm:styleLbl>
+  <dgm:styleLbl name="revTx">
+    <dgm:scene3d>
+      <a:camera prst="orthographicFront"/>
+      <a:lightRig rig="threePt" dir="t"/>
+    </dgm:scene3d>
+    <dgm:sp3d/>
+    <dgm:txPr/>
+    <dgm:style>
+      <a:lnRef idx="0">
+        <a:scrgbClr r="0" g="0" b="0"/>
+      </a:lnRef>
+      <a:fillRef idx="0">
+        <a:scrgbClr r="0" g="0" b="0"/>
+      </a:fillRef>
+      <a:effectRef idx="0">
+        <a:scrgbClr r="0" g="0" b="0"/>
+      </a:effectRef>
+      <a:fontRef idx="minor"/>
+    </dgm:style>
+  </dgm:styleLbl>
+</dgm:styleDef>
 </file>
 
 <file path=ppt/notesMasters/notesMaster1.xml><?xml version="1.0" encoding="utf-8"?>
@@ -198,7 +2837,7 @@
           <a:p>
             <a:fld id="{C44129A7-2366-4519-9D07-63B97E589F9B}" type="datetimeFigureOut">
               <a:rPr kumimoji="1" lang="ja-JP" altLang="en-US" smtClean="0"/>
-              <a:t>2023/9/8</a:t>
+              <a:t>2023/9/11</a:t>
             </a:fld>
             <a:endParaRPr kumimoji="1" lang="ja-JP" altLang="en-US"/>
           </a:p>
@@ -563,7 +3202,7 @@
           <a:p>
             <a:fld id="{644B152D-E612-4CCD-9964-E5B80E5D68AD}" type="slidenum">
               <a:rPr kumimoji="1" lang="ja-JP" altLang="en-US" smtClean="0"/>
-              <a:t>7</a:t>
+              <a:t>8</a:t>
             </a:fld>
             <a:endParaRPr kumimoji="1" lang="ja-JP" altLang="en-US"/>
           </a:p>
@@ -1271,7 +3910,7 @@
           <a:p>
             <a:fld id="{76B2F3C0-B323-4575-9139-126FBEC5052E}" type="datetimeFigureOut">
               <a:rPr kumimoji="1" lang="ja-JP" altLang="en-US" smtClean="0"/>
-              <a:t>2023/9/8</a:t>
+              <a:t>2023/9/11</a:t>
             </a:fld>
             <a:endParaRPr kumimoji="1" lang="ja-JP" altLang="en-US"/>
           </a:p>
@@ -2432,7 +5071,7 @@
           <a:p>
             <a:fld id="{76B2F3C0-B323-4575-9139-126FBEC5052E}" type="datetimeFigureOut">
               <a:rPr kumimoji="1" lang="ja-JP" altLang="en-US" smtClean="0"/>
-              <a:t>2023/9/8</a:t>
+              <a:t>2023/9/11</a:t>
             </a:fld>
             <a:endParaRPr kumimoji="1" lang="ja-JP" altLang="en-US"/>
           </a:p>
@@ -3486,7 +6125,7 @@
           <a:p>
             <a:fld id="{76B2F3C0-B323-4575-9139-126FBEC5052E}" type="datetimeFigureOut">
               <a:rPr kumimoji="1" lang="ja-JP" altLang="en-US" smtClean="0"/>
-              <a:t>2023/9/8</a:t>
+              <a:t>2023/9/11</a:t>
             </a:fld>
             <a:endParaRPr kumimoji="1" lang="ja-JP" altLang="en-US"/>
           </a:p>
@@ -4699,7 +7338,7 @@
           <a:p>
             <a:fld id="{76B2F3C0-B323-4575-9139-126FBEC5052E}" type="datetimeFigureOut">
               <a:rPr kumimoji="1" lang="ja-JP" altLang="en-US" smtClean="0"/>
-              <a:t>2023/9/8</a:t>
+              <a:t>2023/9/11</a:t>
             </a:fld>
             <a:endParaRPr kumimoji="1" lang="ja-JP" altLang="en-US"/>
           </a:p>
@@ -5803,7 +8442,7 @@
           <a:p>
             <a:fld id="{76B2F3C0-B323-4575-9139-126FBEC5052E}" type="datetimeFigureOut">
               <a:rPr kumimoji="1" lang="ja-JP" altLang="en-US" smtClean="0"/>
-              <a:t>2023/9/8</a:t>
+              <a:t>2023/9/11</a:t>
             </a:fld>
             <a:endParaRPr kumimoji="1" lang="ja-JP" altLang="en-US"/>
           </a:p>
@@ -6455,7 +9094,7 @@
           <a:p>
             <a:fld id="{76B2F3C0-B323-4575-9139-126FBEC5052E}" type="datetimeFigureOut">
               <a:rPr kumimoji="1" lang="ja-JP" altLang="en-US" smtClean="0"/>
-              <a:t>2023/9/8</a:t>
+              <a:t>2023/9/11</a:t>
             </a:fld>
             <a:endParaRPr kumimoji="1" lang="ja-JP" altLang="en-US"/>
           </a:p>
@@ -7302,7 +9941,7 @@
           <a:p>
             <a:fld id="{76B2F3C0-B323-4575-9139-126FBEC5052E}" type="datetimeFigureOut">
               <a:rPr kumimoji="1" lang="ja-JP" altLang="en-US" smtClean="0"/>
-              <a:t>2023/9/8</a:t>
+              <a:t>2023/9/11</a:t>
             </a:fld>
             <a:endParaRPr kumimoji="1" lang="ja-JP" altLang="en-US"/>
           </a:p>
@@ -7519,7 +10158,7 @@
           <a:p>
             <a:fld id="{76B2F3C0-B323-4575-9139-126FBEC5052E}" type="datetimeFigureOut">
               <a:rPr kumimoji="1" lang="ja-JP" altLang="en-US" smtClean="0"/>
-              <a:t>2023/9/8</a:t>
+              <a:t>2023/9/11</a:t>
             </a:fld>
             <a:endParaRPr kumimoji="1" lang="ja-JP" altLang="en-US"/>
           </a:p>
@@ -8592,7 +11231,7 @@
           <a:p>
             <a:fld id="{76B2F3C0-B323-4575-9139-126FBEC5052E}" type="datetimeFigureOut">
               <a:rPr kumimoji="1" lang="ja-JP" altLang="en-US" smtClean="0"/>
-              <a:t>2023/9/8</a:t>
+              <a:t>2023/9/11</a:t>
             </a:fld>
             <a:endParaRPr kumimoji="1" lang="ja-JP" altLang="en-US"/>
           </a:p>
@@ -8840,7 +11479,7 @@
           <a:p>
             <a:fld id="{76B2F3C0-B323-4575-9139-126FBEC5052E}" type="datetimeFigureOut">
               <a:rPr kumimoji="1" lang="ja-JP" altLang="en-US" smtClean="0"/>
-              <a:t>2023/9/8</a:t>
+              <a:t>2023/9/11</a:t>
             </a:fld>
             <a:endParaRPr kumimoji="1" lang="ja-JP" altLang="en-US"/>
           </a:p>
@@ -9945,7 +12584,7 @@
           <a:p>
             <a:fld id="{76B2F3C0-B323-4575-9139-126FBEC5052E}" type="datetimeFigureOut">
               <a:rPr kumimoji="1" lang="ja-JP" altLang="en-US" smtClean="0"/>
-              <a:t>2023/9/8</a:t>
+              <a:t>2023/9/11</a:t>
             </a:fld>
             <a:endParaRPr kumimoji="1" lang="ja-JP" altLang="en-US"/>
           </a:p>
@@ -10281,7 +12920,7 @@
           <a:p>
             <a:fld id="{76B2F3C0-B323-4575-9139-126FBEC5052E}" type="datetimeFigureOut">
               <a:rPr kumimoji="1" lang="ja-JP" altLang="en-US" smtClean="0"/>
-              <a:t>2023/9/8</a:t>
+              <a:t>2023/9/11</a:t>
             </a:fld>
             <a:endParaRPr kumimoji="1" lang="ja-JP" altLang="en-US"/>
           </a:p>
@@ -10727,7 +13366,7 @@
           <a:p>
             <a:fld id="{76B2F3C0-B323-4575-9139-126FBEC5052E}" type="datetimeFigureOut">
               <a:rPr kumimoji="1" lang="ja-JP" altLang="en-US" smtClean="0"/>
-              <a:t>2023/9/8</a:t>
+              <a:t>2023/9/11</a:t>
             </a:fld>
             <a:endParaRPr kumimoji="1" lang="ja-JP" altLang="en-US"/>
           </a:p>
@@ -10845,7 +13484,7 @@
           <a:p>
             <a:fld id="{76B2F3C0-B323-4575-9139-126FBEC5052E}" type="datetimeFigureOut">
               <a:rPr kumimoji="1" lang="ja-JP" altLang="en-US" smtClean="0"/>
-              <a:t>2023/9/8</a:t>
+              <a:t>2023/9/11</a:t>
             </a:fld>
             <a:endParaRPr kumimoji="1" lang="ja-JP" altLang="en-US"/>
           </a:p>
@@ -10940,7 +13579,7 @@
           <a:p>
             <a:fld id="{76B2F3C0-B323-4575-9139-126FBEC5052E}" type="datetimeFigureOut">
               <a:rPr kumimoji="1" lang="ja-JP" altLang="en-US" smtClean="0"/>
-              <a:t>2023/9/8</a:t>
+              <a:t>2023/9/11</a:t>
             </a:fld>
             <a:endParaRPr kumimoji="1" lang="ja-JP" altLang="en-US"/>
           </a:p>
@@ -12124,7 +14763,7 @@
           <a:p>
             <a:fld id="{76B2F3C0-B323-4575-9139-126FBEC5052E}" type="datetimeFigureOut">
               <a:rPr kumimoji="1" lang="ja-JP" altLang="en-US" smtClean="0"/>
-              <a:t>2023/9/8</a:t>
+              <a:t>2023/9/11</a:t>
             </a:fld>
             <a:endParaRPr kumimoji="1" lang="ja-JP" altLang="en-US"/>
           </a:p>
@@ -13300,7 +15939,7 @@
           <a:p>
             <a:fld id="{76B2F3C0-B323-4575-9139-126FBEC5052E}" type="datetimeFigureOut">
               <a:rPr kumimoji="1" lang="ja-JP" altLang="en-US" smtClean="0"/>
-              <a:t>2023/9/8</a:t>
+              <a:t>2023/9/11</a:t>
             </a:fld>
             <a:endParaRPr kumimoji="1" lang="ja-JP" altLang="en-US"/>
           </a:p>
@@ -14438,7 +17077,7 @@
           <a:p>
             <a:fld id="{76B2F3C0-B323-4575-9139-126FBEC5052E}" type="datetimeFigureOut">
               <a:rPr kumimoji="1" lang="ja-JP" altLang="en-US" smtClean="0"/>
-              <a:t>2023/9/8</a:t>
+              <a:t>2023/9/11</a:t>
             </a:fld>
             <a:endParaRPr kumimoji="1" lang="ja-JP" altLang="en-US"/>
           </a:p>
@@ -15303,7 +17942,7 @@
           <p:nvPr/>
         </p:nvPicPr>
         <p:blipFill>
-          <a:blip r:embed="rId2">
+          <a:blip r:embed="rId4">
             <a:extLst>
               <a:ext uri="{28A0092B-C50C-407E-A947-70E740481C1C}">
                 <a14:useLocalDpi xmlns:a14="http://schemas.microsoft.com/office/drawing/2010/main" val="0"/>
@@ -15408,7 +18047,7 @@
         </p:nvSpPr>
         <p:spPr>
           <a:xfrm>
-            <a:off x="1843453" y="4721470"/>
+            <a:off x="1090909" y="4536804"/>
             <a:ext cx="6096000" cy="369332"/>
           </a:xfrm>
           <a:prstGeom prst="rect">
@@ -15465,7 +18104,7 @@
           <p:nvPr/>
         </p:nvPicPr>
         <p:blipFill>
-          <a:blip r:embed="rId3">
+          <a:blip r:embed="rId5">
             <a:extLst>
               <a:ext uri="{28A0092B-C50C-407E-A947-70E740481C1C}">
                 <a14:useLocalDpi xmlns:a14="http://schemas.microsoft.com/office/drawing/2010/main" val="0"/>
@@ -15495,7 +18134,7 @@
           <p:nvPr/>
         </p:nvPicPr>
         <p:blipFill>
-          <a:blip r:embed="rId4">
+          <a:blip r:embed="rId6">
             <a:extLst>
               <a:ext uri="{28A0092B-C50C-407E-A947-70E740481C1C}">
                 <a14:useLocalDpi xmlns:a14="http://schemas.microsoft.com/office/drawing/2010/main" val="0"/>
@@ -15525,7 +18164,7 @@
           <p:nvPr/>
         </p:nvPicPr>
         <p:blipFill>
-          <a:blip r:embed="rId3">
+          <a:blip r:embed="rId5">
             <a:extLst>
               <a:ext uri="{28A0092B-C50C-407E-A947-70E740481C1C}">
                 <a14:useLocalDpi xmlns:a14="http://schemas.microsoft.com/office/drawing/2010/main" val="0"/>
@@ -15546,6 +18185,39 @@
           </a:prstGeom>
         </p:spPr>
       </p:pic>
+      <p:pic>
+        <p:nvPicPr>
+          <p:cNvPr id="4" name="mm">
+            <a:hlinkClick r:id="" action="ppaction://media"/>
+          </p:cNvPr>
+          <p:cNvPicPr>
+            <a:picLocks noChangeAspect="1"/>
+          </p:cNvPicPr>
+          <p:nvPr>
+            <a:videoFile r:link="rId2"/>
+            <p:extLst>
+              <p:ext uri="{DAA4B4D4-6D71-4841-9C94-3DE7FCFB9230}">
+                <p14:media xmlns:p14="http://schemas.microsoft.com/office/powerpoint/2010/main" r:embed="rId1"/>
+              </p:ext>
+            </p:extLst>
+          </p:nvPr>
+        </p:nvPicPr>
+        <p:blipFill>
+          <a:blip r:embed="rId7"/>
+          <a:stretch>
+            <a:fillRect/>
+          </a:stretch>
+        </p:blipFill>
+        <p:spPr>
+          <a:xfrm>
+            <a:off x="6369167" y="4533900"/>
+            <a:ext cx="11884270" cy="2324100"/>
+          </a:xfrm>
+          <a:prstGeom prst="rect">
+            <a:avLst/>
+          </a:prstGeom>
+        </p:spPr>
+      </p:pic>
     </p:spTree>
     <p:extLst>
       <p:ext uri="{BB962C8B-B14F-4D97-AF65-F5344CB8AC3E}">
@@ -15559,7 +18231,470 @@
   <p:timing>
     <p:tnLst>
       <p:par>
-        <p:cTn id="1" dur="indefinite" restart="never" nodeType="tmRoot"/>
+        <p:cTn id="1" dur="indefinite" restart="never" nodeType="tmRoot">
+          <p:childTnLst>
+            <p:seq concurrent="1" nextAc="seek">
+              <p:cTn id="2" dur="indefinite" nodeType="mainSeq">
+                <p:childTnLst>
+                  <p:par>
+                    <p:cTn id="3" fill="hold">
+                      <p:stCondLst>
+                        <p:cond delay="indefinite"/>
+                      </p:stCondLst>
+                      <p:childTnLst>
+                        <p:par>
+                          <p:cTn id="4" fill="hold">
+                            <p:stCondLst>
+                              <p:cond delay="0"/>
+                            </p:stCondLst>
+                            <p:childTnLst>
+                              <p:par>
+                                <p:cTn id="5" presetID="10" presetClass="entr" presetSubtype="0" fill="hold" nodeType="clickEffect">
+                                  <p:stCondLst>
+                                    <p:cond delay="0"/>
+                                  </p:stCondLst>
+                                  <p:childTnLst>
+                                    <p:set>
+                                      <p:cBhvr>
+                                        <p:cTn id="6" dur="1" fill="hold">
+                                          <p:stCondLst>
+                                            <p:cond delay="0"/>
+                                          </p:stCondLst>
+                                        </p:cTn>
+                                        <p:tgtEl>
+                                          <p:spTgt spid="11"/>
+                                        </p:tgtEl>
+                                        <p:attrNameLst>
+                                          <p:attrName>style.visibility</p:attrName>
+                                        </p:attrNameLst>
+                                      </p:cBhvr>
+                                      <p:to>
+                                        <p:strVal val="visible"/>
+                                      </p:to>
+                                    </p:set>
+                                    <p:animEffect transition="in" filter="fade">
+                                      <p:cBhvr>
+                                        <p:cTn id="7" dur="100"/>
+                                        <p:tgtEl>
+                                          <p:spTgt spid="11"/>
+                                        </p:tgtEl>
+                                      </p:cBhvr>
+                                    </p:animEffect>
+                                  </p:childTnLst>
+                                </p:cTn>
+                              </p:par>
+                            </p:childTnLst>
+                          </p:cTn>
+                        </p:par>
+                      </p:childTnLst>
+                    </p:cTn>
+                  </p:par>
+                  <p:par>
+                    <p:cTn id="8" fill="hold">
+                      <p:stCondLst>
+                        <p:cond delay="indefinite"/>
+                      </p:stCondLst>
+                      <p:childTnLst>
+                        <p:par>
+                          <p:cTn id="9" fill="hold">
+                            <p:stCondLst>
+                              <p:cond delay="0"/>
+                            </p:stCondLst>
+                            <p:childTnLst>
+                              <p:par>
+                                <p:cTn id="10" presetID="10" presetClass="entr" presetSubtype="0" fill="hold" nodeType="clickEffect">
+                                  <p:stCondLst>
+                                    <p:cond delay="0"/>
+                                  </p:stCondLst>
+                                  <p:childTnLst>
+                                    <p:set>
+                                      <p:cBhvr>
+                                        <p:cTn id="11" dur="1" fill="hold">
+                                          <p:stCondLst>
+                                            <p:cond delay="0"/>
+                                          </p:stCondLst>
+                                        </p:cTn>
+                                        <p:tgtEl>
+                                          <p:spTgt spid="8"/>
+                                        </p:tgtEl>
+                                        <p:attrNameLst>
+                                          <p:attrName>style.visibility</p:attrName>
+                                        </p:attrNameLst>
+                                      </p:cBhvr>
+                                      <p:to>
+                                        <p:strVal val="visible"/>
+                                      </p:to>
+                                    </p:set>
+                                    <p:animEffect transition="in" filter="fade">
+                                      <p:cBhvr>
+                                        <p:cTn id="12" dur="100"/>
+                                        <p:tgtEl>
+                                          <p:spTgt spid="8"/>
+                                        </p:tgtEl>
+                                      </p:cBhvr>
+                                    </p:animEffect>
+                                  </p:childTnLst>
+                                </p:cTn>
+                              </p:par>
+                            </p:childTnLst>
+                          </p:cTn>
+                        </p:par>
+                      </p:childTnLst>
+                    </p:cTn>
+                  </p:par>
+                  <p:par>
+                    <p:cTn id="13" fill="hold">
+                      <p:stCondLst>
+                        <p:cond delay="indefinite"/>
+                      </p:stCondLst>
+                      <p:childTnLst>
+                        <p:par>
+                          <p:cTn id="14" fill="hold">
+                            <p:stCondLst>
+                              <p:cond delay="0"/>
+                            </p:stCondLst>
+                            <p:childTnLst>
+                              <p:par>
+                                <p:cTn id="15" presetID="10" presetClass="exit" presetSubtype="0" fill="hold" nodeType="clickEffect">
+                                  <p:stCondLst>
+                                    <p:cond delay="0"/>
+                                  </p:stCondLst>
+                                  <p:childTnLst>
+                                    <p:animEffect transition="out" filter="fade">
+                                      <p:cBhvr>
+                                        <p:cTn id="16" dur="100"/>
+                                        <p:tgtEl>
+                                          <p:spTgt spid="11"/>
+                                        </p:tgtEl>
+                                      </p:cBhvr>
+                                    </p:animEffect>
+                                    <p:set>
+                                      <p:cBhvr>
+                                        <p:cTn id="17" dur="1" fill="hold">
+                                          <p:stCondLst>
+                                            <p:cond delay="99"/>
+                                          </p:stCondLst>
+                                        </p:cTn>
+                                        <p:tgtEl>
+                                          <p:spTgt spid="11"/>
+                                        </p:tgtEl>
+                                        <p:attrNameLst>
+                                          <p:attrName>style.visibility</p:attrName>
+                                        </p:attrNameLst>
+                                      </p:cBhvr>
+                                      <p:to>
+                                        <p:strVal val="hidden"/>
+                                      </p:to>
+                                    </p:set>
+                                  </p:childTnLst>
+                                </p:cTn>
+                              </p:par>
+                            </p:childTnLst>
+                          </p:cTn>
+                        </p:par>
+                      </p:childTnLst>
+                    </p:cTn>
+                  </p:par>
+                  <p:par>
+                    <p:cTn id="18" fill="hold">
+                      <p:stCondLst>
+                        <p:cond delay="indefinite"/>
+                      </p:stCondLst>
+                      <p:childTnLst>
+                        <p:par>
+                          <p:cTn id="19" fill="hold">
+                            <p:stCondLst>
+                              <p:cond delay="0"/>
+                            </p:stCondLst>
+                            <p:childTnLst>
+                              <p:par>
+                                <p:cTn id="20" presetID="42" presetClass="path" presetSubtype="0" fill="hold" nodeType="clickEffect">
+                                  <p:stCondLst>
+                                    <p:cond delay="0"/>
+                                  </p:stCondLst>
+                                  <p:childTnLst>
+                                    <p:animMotion origin="layout" path="M 0 0 L 0 0.25 E" pathEditMode="relative" ptsTypes="">
+                                      <p:cBhvr>
+                                        <p:cTn id="21" dur="1000" fill="hold"/>
+                                        <p:tgtEl>
+                                          <p:spTgt spid="5"/>
+                                        </p:tgtEl>
+                                        <p:attrNameLst>
+                                          <p:attrName>ppt_x</p:attrName>
+                                          <p:attrName>ppt_y</p:attrName>
+                                        </p:attrNameLst>
+                                      </p:cBhvr>
+                                    </p:animMotion>
+                                  </p:childTnLst>
+                                </p:cTn>
+                              </p:par>
+                              <p:par>
+                                <p:cTn id="22" presetID="10" presetClass="exit" presetSubtype="0" fill="hold" nodeType="withEffect">
+                                  <p:stCondLst>
+                                    <p:cond delay="0"/>
+                                  </p:stCondLst>
+                                  <p:childTnLst>
+                                    <p:animEffect transition="out" filter="fade">
+                                      <p:cBhvr>
+                                        <p:cTn id="23" dur="100"/>
+                                        <p:tgtEl>
+                                          <p:spTgt spid="8"/>
+                                        </p:tgtEl>
+                                      </p:cBhvr>
+                                    </p:animEffect>
+                                    <p:set>
+                                      <p:cBhvr>
+                                        <p:cTn id="24" dur="1" fill="hold">
+                                          <p:stCondLst>
+                                            <p:cond delay="99"/>
+                                          </p:stCondLst>
+                                        </p:cTn>
+                                        <p:tgtEl>
+                                          <p:spTgt spid="8"/>
+                                        </p:tgtEl>
+                                        <p:attrNameLst>
+                                          <p:attrName>style.visibility</p:attrName>
+                                        </p:attrNameLst>
+                                      </p:cBhvr>
+                                      <p:to>
+                                        <p:strVal val="hidden"/>
+                                      </p:to>
+                                    </p:set>
+                                  </p:childTnLst>
+                                </p:cTn>
+                              </p:par>
+                            </p:childTnLst>
+                          </p:cTn>
+                        </p:par>
+                        <p:par>
+                          <p:cTn id="25" fill="hold">
+                            <p:stCondLst>
+                              <p:cond delay="1000"/>
+                            </p:stCondLst>
+                            <p:childTnLst>
+                              <p:par>
+                                <p:cTn id="26" presetID="42" presetClass="path" presetSubtype="0" fill="hold" nodeType="afterEffect">
+                                  <p:stCondLst>
+                                    <p:cond delay="0"/>
+                                  </p:stCondLst>
+                                  <p:childTnLst>
+                                    <p:animMotion origin="layout" path="M 3.75E-6 0.25 L 0.23359 0.34167 " pathEditMode="relative" rAng="0" ptsTypes="AA">
+                                      <p:cBhvr>
+                                        <p:cTn id="27" dur="1000" fill="hold"/>
+                                        <p:tgtEl>
+                                          <p:spTgt spid="5"/>
+                                        </p:tgtEl>
+                                        <p:attrNameLst>
+                                          <p:attrName>ppt_x</p:attrName>
+                                          <p:attrName>ppt_y</p:attrName>
+                                        </p:attrNameLst>
+                                      </p:cBhvr>
+                                      <p:rCtr x="11680" y="4583"/>
+                                    </p:animMotion>
+                                  </p:childTnLst>
+                                </p:cTn>
+                              </p:par>
+                            </p:childTnLst>
+                          </p:cTn>
+                        </p:par>
+                      </p:childTnLst>
+                    </p:cTn>
+                  </p:par>
+                  <p:par>
+                    <p:cTn id="28" fill="hold">
+                      <p:stCondLst>
+                        <p:cond delay="indefinite"/>
+                      </p:stCondLst>
+                      <p:childTnLst>
+                        <p:par>
+                          <p:cTn id="29" fill="hold">
+                            <p:stCondLst>
+                              <p:cond delay="0"/>
+                            </p:stCondLst>
+                            <p:childTnLst>
+                              <p:par>
+                                <p:cTn id="30" presetID="10" presetClass="entr" presetSubtype="0" fill="hold" nodeType="clickEffect">
+                                  <p:stCondLst>
+                                    <p:cond delay="0"/>
+                                  </p:stCondLst>
+                                  <p:childTnLst>
+                                    <p:set>
+                                      <p:cBhvr>
+                                        <p:cTn id="31" dur="1" fill="hold">
+                                          <p:stCondLst>
+                                            <p:cond delay="0"/>
+                                          </p:stCondLst>
+                                        </p:cTn>
+                                        <p:tgtEl>
+                                          <p:spTgt spid="11"/>
+                                        </p:tgtEl>
+                                        <p:attrNameLst>
+                                          <p:attrName>style.visibility</p:attrName>
+                                        </p:attrNameLst>
+                                      </p:cBhvr>
+                                      <p:to>
+                                        <p:strVal val="visible"/>
+                                      </p:to>
+                                    </p:set>
+                                    <p:animEffect transition="in" filter="fade">
+                                      <p:cBhvr>
+                                        <p:cTn id="32" dur="100"/>
+                                        <p:tgtEl>
+                                          <p:spTgt spid="11"/>
+                                        </p:tgtEl>
+                                      </p:cBhvr>
+                                    </p:animEffect>
+                                  </p:childTnLst>
+                                </p:cTn>
+                              </p:par>
+                            </p:childTnLst>
+                          </p:cTn>
+                        </p:par>
+                      </p:childTnLst>
+                    </p:cTn>
+                  </p:par>
+                  <p:par>
+                    <p:cTn id="33" fill="hold">
+                      <p:stCondLst>
+                        <p:cond delay="indefinite"/>
+                      </p:stCondLst>
+                      <p:childTnLst>
+                        <p:par>
+                          <p:cTn id="34" fill="hold">
+                            <p:stCondLst>
+                              <p:cond delay="0"/>
+                            </p:stCondLst>
+                            <p:childTnLst>
+                              <p:par>
+                                <p:cTn id="35" presetID="10" presetClass="exit" presetSubtype="0" fill="hold" nodeType="clickEffect">
+                                  <p:stCondLst>
+                                    <p:cond delay="0"/>
+                                  </p:stCondLst>
+                                  <p:childTnLst>
+                                    <p:animEffect transition="out" filter="fade">
+                                      <p:cBhvr>
+                                        <p:cTn id="36" dur="100"/>
+                                        <p:tgtEl>
+                                          <p:spTgt spid="11"/>
+                                        </p:tgtEl>
+                                      </p:cBhvr>
+                                    </p:animEffect>
+                                    <p:set>
+                                      <p:cBhvr>
+                                        <p:cTn id="37" dur="1" fill="hold">
+                                          <p:stCondLst>
+                                            <p:cond delay="99"/>
+                                          </p:stCondLst>
+                                        </p:cTn>
+                                        <p:tgtEl>
+                                          <p:spTgt spid="11"/>
+                                        </p:tgtEl>
+                                        <p:attrNameLst>
+                                          <p:attrName>style.visibility</p:attrName>
+                                        </p:attrNameLst>
+                                      </p:cBhvr>
+                                      <p:to>
+                                        <p:strVal val="hidden"/>
+                                      </p:to>
+                                    </p:set>
+                                  </p:childTnLst>
+                                </p:cTn>
+                              </p:par>
+                            </p:childTnLst>
+                          </p:cTn>
+                        </p:par>
+                      </p:childTnLst>
+                    </p:cTn>
+                  </p:par>
+                </p:childTnLst>
+              </p:cTn>
+              <p:prevCondLst>
+                <p:cond evt="onPrev" delay="0">
+                  <p:tgtEl>
+                    <p:sldTgt/>
+                  </p:tgtEl>
+                </p:cond>
+              </p:prevCondLst>
+              <p:nextCondLst>
+                <p:cond evt="onNext" delay="0">
+                  <p:tgtEl>
+                    <p:sldTgt/>
+                  </p:tgtEl>
+                </p:cond>
+              </p:nextCondLst>
+            </p:seq>
+            <p:seq concurrent="1" nextAc="seek">
+              <p:cTn id="38" restart="whenNotActive" fill="hold" evtFilter="cancelBubble" nodeType="interactiveSeq">
+                <p:stCondLst>
+                  <p:cond evt="onClick" delay="0">
+                    <p:tgtEl>
+                      <p:spTgt spid="4"/>
+                    </p:tgtEl>
+                  </p:cond>
+                </p:stCondLst>
+                <p:endSync evt="end" delay="0">
+                  <p:rtn val="all"/>
+                </p:endSync>
+                <p:childTnLst>
+                  <p:par>
+                    <p:cTn id="39" fill="hold">
+                      <p:stCondLst>
+                        <p:cond delay="0"/>
+                      </p:stCondLst>
+                      <p:childTnLst>
+                        <p:par>
+                          <p:cTn id="40" fill="hold">
+                            <p:stCondLst>
+                              <p:cond delay="0"/>
+                            </p:stCondLst>
+                            <p:childTnLst>
+                              <p:par>
+                                <p:cTn id="41" presetID="2" presetClass="mediacall" presetSubtype="0" fill="hold" nodeType="clickEffect">
+                                  <p:stCondLst>
+                                    <p:cond delay="0"/>
+                                  </p:stCondLst>
+                                  <p:childTnLst>
+                                    <p:cmd type="call" cmd="togglePause">
+                                      <p:cBhvr>
+                                        <p:cTn id="42" dur="1" fill="hold"/>
+                                        <p:tgtEl>
+                                          <p:spTgt spid="4"/>
+                                        </p:tgtEl>
+                                      </p:cBhvr>
+                                    </p:cmd>
+                                  </p:childTnLst>
+                                </p:cTn>
+                              </p:par>
+                            </p:childTnLst>
+                          </p:cTn>
+                        </p:par>
+                      </p:childTnLst>
+                    </p:cTn>
+                  </p:par>
+                </p:childTnLst>
+              </p:cTn>
+              <p:nextCondLst>
+                <p:cond evt="onClick" delay="0">
+                  <p:tgtEl>
+                    <p:spTgt spid="4"/>
+                  </p:tgtEl>
+                </p:cond>
+              </p:nextCondLst>
+            </p:seq>
+            <p:video>
+              <p:cMediaNode vol="80000">
+                <p:cTn id="43" fill="hold" display="0">
+                  <p:stCondLst>
+                    <p:cond delay="indefinite"/>
+                  </p:stCondLst>
+                </p:cTn>
+                <p:tgtEl>
+                  <p:spTgt spid="4"/>
+                </p:tgtEl>
+              </p:cMediaNode>
+            </p:video>
+          </p:childTnLst>
+        </p:cTn>
       </p:par>
     </p:tnLst>
   </p:timing>
@@ -15620,12 +18755,268 @@
             <p:ph idx="1"/>
           </p:nvPr>
         </p:nvSpPr>
-        <p:spPr/>
+        <p:spPr>
+          <a:xfrm>
+            <a:off x="587829" y="2461985"/>
+            <a:ext cx="8761413" cy="3416300"/>
+          </a:xfrm>
+        </p:spPr>
         <p:txBody>
-          <a:bodyPr/>
+          <a:bodyPr>
+            <a:normAutofit/>
+          </a:bodyPr>
           <a:lstStyle/>
           <a:p>
-            <a:endParaRPr kumimoji="1" lang="ja-JP" altLang="en-US"/>
+            <a:r>
+              <a:rPr kumimoji="1" lang="ja-JP" altLang="en-US" sz="4000" dirty="0" smtClean="0">
+                <a:latin typeface="AR P丸ゴシック体E" panose="020F0900000000000000" pitchFamily="50" charset="-128"/>
+                <a:ea typeface="AR P丸ゴシック体E" panose="020F0900000000000000" pitchFamily="50" charset="-128"/>
+              </a:rPr>
+              <a:t>弾が</a:t>
+            </a:r>
+            <a:r>
+              <a:rPr lang="ja-JP" altLang="en-US" sz="4000" dirty="0">
+                <a:latin typeface="AR P丸ゴシック体E" panose="020F0900000000000000" pitchFamily="50" charset="-128"/>
+                <a:ea typeface="AR P丸ゴシック体E" panose="020F0900000000000000" pitchFamily="50" charset="-128"/>
+              </a:rPr>
+              <a:t>当</a:t>
+            </a:r>
+            <a:r>
+              <a:rPr lang="ja-JP" altLang="en-US" sz="4000" dirty="0" smtClean="0">
+                <a:latin typeface="AR P丸ゴシック体E" panose="020F0900000000000000" pitchFamily="50" charset="-128"/>
+                <a:ea typeface="AR P丸ゴシック体E" panose="020F0900000000000000" pitchFamily="50" charset="-128"/>
+              </a:rPr>
+              <a:t>たると兵数が減る</a:t>
+            </a:r>
+            <a:r>
+              <a:rPr lang="en-US" altLang="ja-JP" sz="4000" dirty="0" smtClean="0">
+                <a:latin typeface="AR P丸ゴシック体E" panose="020F0900000000000000" pitchFamily="50" charset="-128"/>
+                <a:ea typeface="AR P丸ゴシック体E" panose="020F0900000000000000" pitchFamily="50" charset="-128"/>
+              </a:rPr>
+              <a:t>!!</a:t>
+            </a:r>
+          </a:p>
+          <a:p>
+            <a:endParaRPr kumimoji="1" lang="en-US" altLang="ja-JP" sz="4000" dirty="0">
+              <a:latin typeface="AR P丸ゴシック体E" panose="020F0900000000000000" pitchFamily="50" charset="-128"/>
+              <a:ea typeface="AR P丸ゴシック体E" panose="020F0900000000000000" pitchFamily="50" charset="-128"/>
+            </a:endParaRPr>
+          </a:p>
+          <a:p>
+            <a:r>
+              <a:rPr lang="ja-JP" altLang="en-US" sz="4000" dirty="0">
+                <a:latin typeface="AR P丸ゴシック体E" panose="020F0900000000000000" pitchFamily="50" charset="-128"/>
+                <a:ea typeface="AR P丸ゴシック体E" panose="020F0900000000000000" pitchFamily="50" charset="-128"/>
+              </a:rPr>
+              <a:t>士気</a:t>
+            </a:r>
+            <a:r>
+              <a:rPr lang="ja-JP" altLang="en-US" sz="4000" dirty="0" smtClean="0">
+                <a:latin typeface="AR P丸ゴシック体E" panose="020F0900000000000000" pitchFamily="50" charset="-128"/>
+                <a:ea typeface="AR P丸ゴシック体E" panose="020F0900000000000000" pitchFamily="50" charset="-128"/>
+              </a:rPr>
+              <a:t>も</a:t>
+            </a:r>
+            <a:r>
+              <a:rPr lang="ja-JP" altLang="en-US" sz="4000" dirty="0">
+                <a:latin typeface="AR P丸ゴシック体E" panose="020F0900000000000000" pitchFamily="50" charset="-128"/>
+                <a:ea typeface="AR P丸ゴシック体E" panose="020F0900000000000000" pitchFamily="50" charset="-128"/>
+              </a:rPr>
+              <a:t>減</a:t>
+            </a:r>
+            <a:r>
+              <a:rPr lang="ja-JP" altLang="en-US" sz="4000" dirty="0" smtClean="0">
+                <a:latin typeface="AR P丸ゴシック体E" panose="020F0900000000000000" pitchFamily="50" charset="-128"/>
+                <a:ea typeface="AR P丸ゴシック体E" panose="020F0900000000000000" pitchFamily="50" charset="-128"/>
+              </a:rPr>
+              <a:t>る</a:t>
+            </a:r>
+            <a:endParaRPr kumimoji="1" lang="ja-JP" altLang="en-US" sz="4000" dirty="0">
+              <a:latin typeface="AR P丸ゴシック体E" panose="020F0900000000000000" pitchFamily="50" charset="-128"/>
+              <a:ea typeface="AR P丸ゴシック体E" panose="020F0900000000000000" pitchFamily="50" charset="-128"/>
+            </a:endParaRPr>
+          </a:p>
+        </p:txBody>
+      </p:sp>
+      <p:pic>
+        <p:nvPicPr>
+          <p:cNvPr id="5" name="図 4"/>
+          <p:cNvPicPr>
+            <a:picLocks noChangeAspect="1"/>
+          </p:cNvPicPr>
+          <p:nvPr/>
+        </p:nvPicPr>
+        <p:blipFill>
+          <a:blip r:embed="rId2">
+            <a:extLst>
+              <a:ext uri="{28A0092B-C50C-407E-A947-70E740481C1C}">
+                <a14:useLocalDpi xmlns:a14="http://schemas.microsoft.com/office/drawing/2010/main" val="0"/>
+              </a:ext>
+            </a:extLst>
+          </a:blip>
+          <a:stretch>
+            <a:fillRect/>
+          </a:stretch>
+        </p:blipFill>
+        <p:spPr>
+          <a:xfrm>
+            <a:off x="6004513" y="4674280"/>
+            <a:ext cx="6187487" cy="2174256"/>
+          </a:xfrm>
+          <a:prstGeom prst="rect">
+            <a:avLst/>
+          </a:prstGeom>
+        </p:spPr>
+      </p:pic>
+      <p:sp>
+        <p:nvSpPr>
+          <p:cNvPr id="6" name="正方形/長方形 5"/>
+          <p:cNvSpPr/>
+          <p:nvPr/>
+        </p:nvSpPr>
+        <p:spPr>
+          <a:xfrm>
+            <a:off x="1014338" y="3184377"/>
+            <a:ext cx="4864845" cy="707886"/>
+          </a:xfrm>
+          <a:prstGeom prst="rect">
+            <a:avLst/>
+          </a:prstGeom>
+        </p:spPr>
+        <p:txBody>
+          <a:bodyPr wrap="square">
+            <a:spAutoFit/>
+          </a:bodyPr>
+          <a:lstStyle/>
+          <a:p>
+            <a:r>
+              <a:rPr lang="ja-JP" altLang="en-US" sz="2000" dirty="0" smtClean="0">
+                <a:latin typeface="AR P丸ゴシック体E" panose="020F0900000000000000" pitchFamily="50" charset="-128"/>
+                <a:ea typeface="AR P丸ゴシック体E" panose="020F0900000000000000" pitchFamily="50" charset="-128"/>
+              </a:rPr>
+              <a:t>うまい感じに当たらないと減りません</a:t>
+            </a:r>
+            <a:r>
+              <a:rPr lang="en-US" altLang="ja-JP" sz="2000" dirty="0" smtClean="0">
+                <a:latin typeface="AR P丸ゴシック体E" panose="020F0900000000000000" pitchFamily="50" charset="-128"/>
+                <a:ea typeface="AR P丸ゴシック体E" panose="020F0900000000000000" pitchFamily="50" charset="-128"/>
+              </a:rPr>
+              <a:t/>
+            </a:r>
+            <a:br>
+              <a:rPr lang="en-US" altLang="ja-JP" sz="2000" dirty="0" smtClean="0">
+                <a:latin typeface="AR P丸ゴシック体E" panose="020F0900000000000000" pitchFamily="50" charset="-128"/>
+                <a:ea typeface="AR P丸ゴシック体E" panose="020F0900000000000000" pitchFamily="50" charset="-128"/>
+              </a:rPr>
+            </a:br>
+            <a:r>
+              <a:rPr lang="en-US" altLang="ja-JP" sz="2000" dirty="0" smtClean="0">
+                <a:latin typeface="AR P丸ゴシック体E" panose="020F0900000000000000" pitchFamily="50" charset="-128"/>
+                <a:ea typeface="AR P丸ゴシック体E" panose="020F0900000000000000" pitchFamily="50" charset="-128"/>
+              </a:rPr>
+              <a:t>0</a:t>
+            </a:r>
+            <a:r>
+              <a:rPr lang="ja-JP" altLang="en-US" sz="2000" dirty="0" smtClean="0">
+                <a:latin typeface="AR P丸ゴシック体E" panose="020F0900000000000000" pitchFamily="50" charset="-128"/>
+                <a:ea typeface="AR P丸ゴシック体E" panose="020F0900000000000000" pitchFamily="50" charset="-128"/>
+              </a:rPr>
+              <a:t>になると部隊が壊滅します</a:t>
+            </a:r>
+            <a:endParaRPr lang="ja-JP" altLang="en-US" sz="2000" dirty="0">
+              <a:latin typeface="AR P丸ゴシック体E" panose="020F0900000000000000" pitchFamily="50" charset="-128"/>
+              <a:ea typeface="AR P丸ゴシック体E" panose="020F0900000000000000" pitchFamily="50" charset="-128"/>
+            </a:endParaRPr>
+          </a:p>
+        </p:txBody>
+      </p:sp>
+      <p:sp>
+        <p:nvSpPr>
+          <p:cNvPr id="7" name="正方形/長方形 6"/>
+          <p:cNvSpPr/>
+          <p:nvPr/>
+        </p:nvSpPr>
+        <p:spPr>
+          <a:xfrm>
+            <a:off x="889010" y="4685219"/>
+            <a:ext cx="5115503" cy="400110"/>
+          </a:xfrm>
+          <a:prstGeom prst="rect">
+            <a:avLst/>
+          </a:prstGeom>
+        </p:spPr>
+        <p:txBody>
+          <a:bodyPr wrap="none">
+            <a:spAutoFit/>
+          </a:bodyPr>
+          <a:lstStyle/>
+          <a:p>
+            <a:r>
+              <a:rPr lang="ja-JP" altLang="en-US" sz="2000" dirty="0" smtClean="0">
+                <a:latin typeface="AR P丸ゴシック体E" panose="020F0900000000000000" pitchFamily="50" charset="-128"/>
+                <a:ea typeface="AR P丸ゴシック体E" panose="020F0900000000000000" pitchFamily="50" charset="-128"/>
+              </a:rPr>
+              <a:t>士気が</a:t>
+            </a:r>
+            <a:r>
+              <a:rPr lang="en-US" altLang="ja-JP" sz="2000" dirty="0" smtClean="0">
+                <a:latin typeface="AR P丸ゴシック体E" panose="020F0900000000000000" pitchFamily="50" charset="-128"/>
+                <a:ea typeface="AR P丸ゴシック体E" panose="020F0900000000000000" pitchFamily="50" charset="-128"/>
+              </a:rPr>
+              <a:t>0</a:t>
+            </a:r>
+            <a:r>
+              <a:rPr lang="ja-JP" altLang="en-US" sz="2000" dirty="0" smtClean="0">
+                <a:latin typeface="AR P丸ゴシック体E" panose="020F0900000000000000" pitchFamily="50" charset="-128"/>
+                <a:ea typeface="AR P丸ゴシック体E" panose="020F0900000000000000" pitchFamily="50" charset="-128"/>
+              </a:rPr>
+              <a:t>になると撤退したり勝手に行動します</a:t>
+            </a:r>
+            <a:endParaRPr lang="ja-JP" altLang="en-US" sz="2000" dirty="0">
+              <a:latin typeface="AR P丸ゴシック体E" panose="020F0900000000000000" pitchFamily="50" charset="-128"/>
+              <a:ea typeface="AR P丸ゴシック体E" panose="020F0900000000000000" pitchFamily="50" charset="-128"/>
+            </a:endParaRPr>
+          </a:p>
+        </p:txBody>
+      </p:sp>
+      <p:sp>
+        <p:nvSpPr>
+          <p:cNvPr id="11" name="正方形/長方形 10"/>
+          <p:cNvSpPr/>
+          <p:nvPr/>
+        </p:nvSpPr>
+        <p:spPr>
+          <a:xfrm>
+            <a:off x="7354301" y="4387334"/>
+            <a:ext cx="3416320" cy="369332"/>
+          </a:xfrm>
+          <a:prstGeom prst="rect">
+            <a:avLst/>
+          </a:prstGeom>
+        </p:spPr>
+        <p:txBody>
+          <a:bodyPr wrap="none">
+            <a:spAutoFit/>
+          </a:bodyPr>
+          <a:lstStyle/>
+          <a:p>
+            <a:r>
+              <a:rPr lang="ja-JP" altLang="en-US" dirty="0"/>
+              <a:t>部隊</a:t>
+            </a:r>
+            <a:r>
+              <a:rPr lang="ja-JP" altLang="en-US" dirty="0" smtClean="0"/>
+              <a:t>を</a:t>
+            </a:r>
+            <a:r>
+              <a:rPr lang="ja-JP" altLang="en-US" dirty="0"/>
+              <a:t>クリック</a:t>
+            </a:r>
+            <a:r>
+              <a:rPr lang="ja-JP" altLang="en-US" dirty="0" smtClean="0"/>
+              <a:t>すると出てくる</a:t>
+            </a:r>
+            <a:endParaRPr lang="ja-JP" altLang="en-US" dirty="0"/>
           </a:p>
         </p:txBody>
       </p:sp>
@@ -15711,7 +19102,7 @@
         </p:blipFill>
         <p:spPr>
           <a:xfrm>
-            <a:off x="8100755" y="2857500"/>
+            <a:off x="8191500" y="2857500"/>
             <a:ext cx="4000500" cy="4000500"/>
           </a:xfrm>
           <a:prstGeom prst="rect">
@@ -16170,26 +19561,16 @@
           <a:lstStyle/>
           <a:p>
             <a:r>
-              <a:rPr lang="ja-JP" altLang="en-US" dirty="0"/>
-              <a:t>ゲーム</a:t>
-            </a:r>
-            <a:r>
-              <a:rPr lang="ja-JP" altLang="en-US" dirty="0" smtClean="0"/>
-              <a:t>を</a:t>
-            </a:r>
-            <a:r>
-              <a:rPr lang="ja-JP" altLang="en-US" dirty="0"/>
-              <a:t>作</a:t>
-            </a:r>
-            <a:r>
-              <a:rPr lang="ja-JP" altLang="en-US" dirty="0" smtClean="0"/>
-              <a:t>るにあた</a:t>
-            </a:r>
-            <a:r>
-              <a:rPr lang="ja-JP" altLang="en-US" dirty="0"/>
-              <a:t>って</a:t>
-            </a:r>
-            <a:endParaRPr kumimoji="1" lang="ja-JP" altLang="en-US" dirty="0"/>
+              <a:rPr lang="ja-JP" altLang="en-US" dirty="0">
+                <a:latin typeface="AR P丸ゴシック体E" panose="020F0900000000000000" pitchFamily="50" charset="-128"/>
+                <a:ea typeface="AR P丸ゴシック体E" panose="020F0900000000000000" pitchFamily="50" charset="-128"/>
+              </a:rPr>
+              <a:t>移動という機能を作るにあたって</a:t>
+            </a:r>
+            <a:endParaRPr lang="en-US" altLang="ja-JP" dirty="0">
+              <a:latin typeface="AR P丸ゴシック体E" panose="020F0900000000000000" pitchFamily="50" charset="-128"/>
+              <a:ea typeface="AR P丸ゴシック体E" panose="020F0900000000000000" pitchFamily="50" charset="-128"/>
+            </a:endParaRPr>
           </a:p>
         </p:txBody>
       </p:sp>
@@ -16203,26 +19584,252 @@
             <p:ph idx="1"/>
           </p:nvPr>
         </p:nvSpPr>
-        <p:spPr/>
+        <p:spPr>
+          <a:xfrm>
+            <a:off x="945404" y="2225982"/>
+            <a:ext cx="8761413" cy="3416300"/>
+          </a:xfrm>
+        </p:spPr>
         <p:txBody>
-          <a:bodyPr/>
+          <a:bodyPr>
+            <a:normAutofit/>
+          </a:bodyPr>
           <a:lstStyle/>
           <a:p>
             <a:r>
-              <a:rPr kumimoji="1" lang="ja-JP" altLang="en-US" dirty="0" smtClean="0"/>
-              <a:t>移動という機能を作るにあたって</a:t>
-            </a:r>
-            <a:endParaRPr kumimoji="1" lang="en-US" altLang="ja-JP" dirty="0" smtClean="0"/>
-          </a:p>
-          <a:p>
-            <a:r>
-              <a:rPr lang="ja-JP" altLang="en-US" dirty="0"/>
-              <a:t>クラス</a:t>
-            </a:r>
-            <a:endParaRPr kumimoji="1" lang="ja-JP" altLang="en-US" dirty="0"/>
+              <a:rPr lang="ja-JP" altLang="en-US" sz="4000" dirty="0">
+                <a:latin typeface="AR P丸ゴシック体E" panose="020F0900000000000000" pitchFamily="50" charset="-128"/>
+                <a:ea typeface="AR P丸ゴシック体E" panose="020F0900000000000000" pitchFamily="50" charset="-128"/>
+              </a:rPr>
+              <a:t>何</a:t>
+            </a:r>
+            <a:r>
+              <a:rPr lang="ja-JP" altLang="en-US" sz="4000" dirty="0" smtClean="0">
+                <a:latin typeface="AR P丸ゴシック体E" panose="020F0900000000000000" pitchFamily="50" charset="-128"/>
+                <a:ea typeface="AR P丸ゴシック体E" panose="020F0900000000000000" pitchFamily="50" charset="-128"/>
+              </a:rPr>
+              <a:t>が問題か</a:t>
+            </a:r>
+            <a:endParaRPr lang="en-US" altLang="ja-JP" sz="4000" dirty="0" smtClean="0">
+              <a:latin typeface="AR P丸ゴシック体E" panose="020F0900000000000000" pitchFamily="50" charset="-128"/>
+              <a:ea typeface="AR P丸ゴシック体E" panose="020F0900000000000000" pitchFamily="50" charset="-128"/>
+            </a:endParaRPr>
+          </a:p>
+          <a:p>
+            <a:endParaRPr lang="en-US" altLang="ja-JP" sz="4000" dirty="0">
+              <a:latin typeface="AR P丸ゴシック体E" panose="020F0900000000000000" pitchFamily="50" charset="-128"/>
+              <a:ea typeface="AR P丸ゴシック体E" panose="020F0900000000000000" pitchFamily="50" charset="-128"/>
+            </a:endParaRPr>
+          </a:p>
+          <a:p>
+            <a:endParaRPr kumimoji="1" lang="en-US" altLang="ja-JP" sz="4000" dirty="0" smtClean="0">
+              <a:latin typeface="AR P丸ゴシック体E" panose="020F0900000000000000" pitchFamily="50" charset="-128"/>
+              <a:ea typeface="AR P丸ゴシック体E" panose="020F0900000000000000" pitchFamily="50" charset="-128"/>
+            </a:endParaRPr>
+          </a:p>
+          <a:p>
+            <a:r>
+              <a:rPr lang="ja-JP" altLang="en-US" sz="4000" dirty="0" smtClean="0">
+                <a:latin typeface="AR P丸ゴシック体E" panose="020F0900000000000000" pitchFamily="50" charset="-128"/>
+                <a:ea typeface="AR P丸ゴシック体E" panose="020F0900000000000000" pitchFamily="50" charset="-128"/>
+              </a:rPr>
+              <a:t>解決策等々</a:t>
+            </a:r>
+            <a:endParaRPr kumimoji="1" lang="en-US" altLang="ja-JP" sz="4000" dirty="0" smtClean="0">
+              <a:latin typeface="AR P丸ゴシック体E" panose="020F0900000000000000" pitchFamily="50" charset="-128"/>
+              <a:ea typeface="AR P丸ゴシック体E" panose="020F0900000000000000" pitchFamily="50" charset="-128"/>
+            </a:endParaRPr>
           </a:p>
         </p:txBody>
       </p:sp>
+      <p:sp>
+        <p:nvSpPr>
+          <p:cNvPr id="5" name="正方形/長方形 4"/>
+          <p:cNvSpPr/>
+          <p:nvPr/>
+        </p:nvSpPr>
+        <p:spPr>
+          <a:xfrm>
+            <a:off x="1329159" y="2903071"/>
+            <a:ext cx="7176666" cy="707886"/>
+          </a:xfrm>
+          <a:prstGeom prst="rect">
+            <a:avLst/>
+          </a:prstGeom>
+        </p:spPr>
+        <p:txBody>
+          <a:bodyPr wrap="square">
+            <a:spAutoFit/>
+          </a:bodyPr>
+          <a:lstStyle/>
+          <a:p>
+            <a:r>
+              <a:rPr lang="ja-JP" altLang="en-US" sz="2000" dirty="0" smtClean="0">
+                <a:latin typeface="AR P丸ゴシック体E" panose="020F0900000000000000" pitchFamily="50" charset="-128"/>
+                <a:ea typeface="AR P丸ゴシック体E" panose="020F0900000000000000" pitchFamily="50" charset="-128"/>
+              </a:rPr>
+              <a:t>このゲームを作るにあたっての一番の課題は移動だった</a:t>
+            </a:r>
+            <a:r>
+              <a:rPr lang="en-US" altLang="ja-JP" sz="2000" dirty="0" smtClean="0">
+                <a:latin typeface="AR P丸ゴシック体E" panose="020F0900000000000000" pitchFamily="50" charset="-128"/>
+                <a:ea typeface="AR P丸ゴシック体E" panose="020F0900000000000000" pitchFamily="50" charset="-128"/>
+              </a:rPr>
+              <a:t>...</a:t>
+            </a:r>
+          </a:p>
+          <a:p>
+            <a:r>
+              <a:rPr lang="ja-JP" altLang="en-US" sz="2000" dirty="0" smtClean="0">
+                <a:latin typeface="AR P丸ゴシック体E" panose="020F0900000000000000" pitchFamily="50" charset="-128"/>
+                <a:ea typeface="AR P丸ゴシック体E" panose="020F0900000000000000" pitchFamily="50" charset="-128"/>
+              </a:rPr>
+              <a:t>移動経路を決めるためには</a:t>
+            </a:r>
+            <a:r>
+              <a:rPr lang="ja-JP" altLang="en-US" sz="2000" dirty="0">
+                <a:latin typeface="AR P丸ゴシック体E" panose="020F0900000000000000" pitchFamily="50" charset="-128"/>
+                <a:ea typeface="AR P丸ゴシック体E" panose="020F0900000000000000" pitchFamily="50" charset="-128"/>
+              </a:rPr>
+              <a:t>数多くのマスを</a:t>
+            </a:r>
+            <a:r>
+              <a:rPr lang="ja-JP" altLang="en-US" sz="2000" dirty="0" smtClean="0">
+                <a:latin typeface="AR P丸ゴシック体E" panose="020F0900000000000000" pitchFamily="50" charset="-128"/>
+                <a:ea typeface="AR P丸ゴシック体E" panose="020F0900000000000000" pitchFamily="50" charset="-128"/>
+              </a:rPr>
+              <a:t>調べる必要がある</a:t>
+            </a:r>
+            <a:endParaRPr lang="ja-JP" altLang="en-US" sz="2000" dirty="0">
+              <a:latin typeface="AR P丸ゴシック体E" panose="020F0900000000000000" pitchFamily="50" charset="-128"/>
+              <a:ea typeface="AR P丸ゴシック体E" panose="020F0900000000000000" pitchFamily="50" charset="-128"/>
+            </a:endParaRPr>
+          </a:p>
+        </p:txBody>
+      </p:sp>
+      <p:sp>
+        <p:nvSpPr>
+          <p:cNvPr id="15" name="正方形/長方形 14"/>
+          <p:cNvSpPr/>
+          <p:nvPr/>
+        </p:nvSpPr>
+        <p:spPr>
+          <a:xfrm>
+            <a:off x="1329159" y="5099759"/>
+            <a:ext cx="9466053" cy="1477328"/>
+          </a:xfrm>
+          <a:prstGeom prst="rect">
+            <a:avLst/>
+          </a:prstGeom>
+        </p:spPr>
+        <p:txBody>
+          <a:bodyPr wrap="none">
+            <a:spAutoFit/>
+          </a:bodyPr>
+          <a:lstStyle/>
+          <a:p>
+            <a:r>
+              <a:rPr lang="en-US" altLang="ja-JP" dirty="0" smtClean="0">
+                <a:latin typeface="AR P丸ゴシック体E" panose="020F0900000000000000" pitchFamily="50" charset="-128"/>
+                <a:ea typeface="AR P丸ゴシック体E" panose="020F0900000000000000" pitchFamily="50" charset="-128"/>
+              </a:rPr>
+              <a:t>Python</a:t>
+            </a:r>
+            <a:r>
+              <a:rPr lang="ja-JP" altLang="en-US" dirty="0" smtClean="0">
+                <a:latin typeface="AR P丸ゴシック体E" panose="020F0900000000000000" pitchFamily="50" charset="-128"/>
+                <a:ea typeface="AR P丸ゴシック体E" panose="020F0900000000000000" pitchFamily="50" charset="-128"/>
+              </a:rPr>
+              <a:t>だと遅いので</a:t>
+            </a:r>
+            <a:r>
+              <a:rPr lang="en-US" altLang="ja-JP" dirty="0" smtClean="0">
+                <a:latin typeface="AR P丸ゴシック体E" panose="020F0900000000000000" pitchFamily="50" charset="-128"/>
+                <a:ea typeface="AR P丸ゴシック体E" panose="020F0900000000000000" pitchFamily="50" charset="-128"/>
+              </a:rPr>
+              <a:t>C</a:t>
+            </a:r>
+            <a:r>
+              <a:rPr lang="ja-JP" altLang="en-US" dirty="0" smtClean="0">
+                <a:latin typeface="AR P丸ゴシック体E" panose="020F0900000000000000" pitchFamily="50" charset="-128"/>
+                <a:ea typeface="AR P丸ゴシック体E" panose="020F0900000000000000" pitchFamily="50" charset="-128"/>
+              </a:rPr>
+              <a:t>言語を使いたかったので</a:t>
+            </a:r>
+            <a:r>
+              <a:rPr lang="en-US" altLang="ja-JP" dirty="0" err="1" smtClean="0">
+                <a:latin typeface="AR P丸ゴシック体E" panose="020F0900000000000000" pitchFamily="50" charset="-128"/>
+                <a:ea typeface="AR P丸ゴシック体E" panose="020F0900000000000000" pitchFamily="50" charset="-128"/>
+              </a:rPr>
+              <a:t>Cython</a:t>
+            </a:r>
+            <a:r>
+              <a:rPr lang="ja-JP" altLang="en-US" dirty="0" smtClean="0">
+                <a:latin typeface="AR P丸ゴシック体E" panose="020F0900000000000000" pitchFamily="50" charset="-128"/>
+                <a:ea typeface="AR P丸ゴシック体E" panose="020F0900000000000000" pitchFamily="50" charset="-128"/>
+              </a:rPr>
+              <a:t>を挟んだ</a:t>
+            </a:r>
+            <a:endParaRPr lang="en-US" altLang="ja-JP" dirty="0" smtClean="0">
+              <a:latin typeface="AR P丸ゴシック体E" panose="020F0900000000000000" pitchFamily="50" charset="-128"/>
+              <a:ea typeface="AR P丸ゴシック体E" panose="020F0900000000000000" pitchFamily="50" charset="-128"/>
+            </a:endParaRPr>
+          </a:p>
+          <a:p>
+            <a:endParaRPr lang="en-US" altLang="ja-JP" dirty="0">
+              <a:latin typeface="AR P丸ゴシック体E" panose="020F0900000000000000" pitchFamily="50" charset="-128"/>
+              <a:ea typeface="AR P丸ゴシック体E" panose="020F0900000000000000" pitchFamily="50" charset="-128"/>
+            </a:endParaRPr>
+          </a:p>
+          <a:p>
+            <a:endParaRPr lang="en-US" altLang="ja-JP" dirty="0" smtClean="0">
+              <a:latin typeface="AR P丸ゴシック体E" panose="020F0900000000000000" pitchFamily="50" charset="-128"/>
+              <a:ea typeface="AR P丸ゴシック体E" panose="020F0900000000000000" pitchFamily="50" charset="-128"/>
+            </a:endParaRPr>
+          </a:p>
+          <a:p>
+            <a:endParaRPr lang="en-US" altLang="ja-JP" dirty="0">
+              <a:latin typeface="AR P丸ゴシック体E" panose="020F0900000000000000" pitchFamily="50" charset="-128"/>
+              <a:ea typeface="AR P丸ゴシック体E" panose="020F0900000000000000" pitchFamily="50" charset="-128"/>
+            </a:endParaRPr>
+          </a:p>
+          <a:p>
+            <a:r>
+              <a:rPr lang="ja-JP" altLang="en-US" dirty="0" smtClean="0">
+                <a:latin typeface="AR P丸ゴシック体E" panose="020F0900000000000000" pitchFamily="50" charset="-128"/>
+                <a:ea typeface="AR P丸ゴシック体E" panose="020F0900000000000000" pitchFamily="50" charset="-128"/>
+              </a:rPr>
+              <a:t>それでも遅いのでアルゴリズムを変え、データ型を変え、実行時間を違和感ないぐらい減らした</a:t>
+            </a:r>
+            <a:endParaRPr lang="en-US" altLang="ja-JP" dirty="0" smtClean="0">
+              <a:latin typeface="AR P丸ゴシック体E" panose="020F0900000000000000" pitchFamily="50" charset="-128"/>
+              <a:ea typeface="AR P丸ゴシック体E" panose="020F0900000000000000" pitchFamily="50" charset="-128"/>
+            </a:endParaRPr>
+          </a:p>
+        </p:txBody>
+      </p:sp>
+      <p:graphicFrame>
+        <p:nvGraphicFramePr>
+          <p:cNvPr id="16" name="図表 15"/>
+          <p:cNvGraphicFramePr/>
+          <p:nvPr>
+            <p:extLst>
+              <p:ext uri="{D42A27DB-BD31-4B8C-83A1-F6EECF244321}">
+                <p14:modId xmlns:p14="http://schemas.microsoft.com/office/powerpoint/2010/main" val="3171486154"/>
+              </p:ext>
+            </p:extLst>
+          </p:nvPr>
+        </p:nvGraphicFramePr>
+        <p:xfrm>
+          <a:off x="1523655" y="5469091"/>
+          <a:ext cx="6444773" cy="761999"/>
+        </p:xfrm>
+        <a:graphic>
+          <a:graphicData uri="http://schemas.openxmlformats.org/drawingml/2006/diagram">
+            <dgm:relIds xmlns:dgm="http://schemas.openxmlformats.org/drawingml/2006/diagram" xmlns:r="http://schemas.openxmlformats.org/officeDocument/2006/relationships" r:dm="rId2" r:lo="rId3" r:qs="rId4" r:cs="rId5"/>
+          </a:graphicData>
+        </a:graphic>
+      </p:graphicFrame>
     </p:spTree>
     <p:extLst>
       <p:ext uri="{BB962C8B-B14F-4D97-AF65-F5344CB8AC3E}">
@@ -16275,6 +19882,179 @@
           <a:bodyPr/>
           <a:lstStyle/>
           <a:p>
+            <a:pPr algn="ctr"/>
+            <a:r>
+              <a:rPr lang="ja-JP" altLang="en-US" sz="7200" dirty="0" smtClean="0">
+                <a:latin typeface="AR Pゴシック体S" panose="020B0A00000000000000" pitchFamily="50" charset="-128"/>
+                <a:ea typeface="AR Pゴシック体S" panose="020B0A00000000000000" pitchFamily="50" charset="-128"/>
+              </a:rPr>
+              <a:t>クラス</a:t>
+            </a:r>
+            <a:endParaRPr kumimoji="1" lang="ja-JP" altLang="en-US" sz="7200" dirty="0">
+              <a:latin typeface="AR Pゴシック体S" panose="020B0A00000000000000" pitchFamily="50" charset="-128"/>
+              <a:ea typeface="AR Pゴシック体S" panose="020B0A00000000000000" pitchFamily="50" charset="-128"/>
+            </a:endParaRPr>
+          </a:p>
+        </p:txBody>
+      </p:sp>
+      <p:sp>
+        <p:nvSpPr>
+          <p:cNvPr id="3" name="コンテンツ プレースホルダー 2"/>
+          <p:cNvSpPr>
+            <a:spLocks noGrp="1"/>
+          </p:cNvSpPr>
+          <p:nvPr>
+            <p:ph idx="1"/>
+          </p:nvPr>
+        </p:nvSpPr>
+        <p:spPr>
+          <a:xfrm>
+            <a:off x="945404" y="2225982"/>
+            <a:ext cx="8761413" cy="3416300"/>
+          </a:xfrm>
+        </p:spPr>
+        <p:txBody>
+          <a:bodyPr>
+            <a:normAutofit/>
+          </a:bodyPr>
+          <a:lstStyle/>
+          <a:p>
+            <a:r>
+              <a:rPr lang="ja-JP" altLang="en-US" sz="4000" dirty="0">
+                <a:latin typeface="AR P丸ゴシック体E" panose="020F0900000000000000" pitchFamily="50" charset="-128"/>
+                <a:ea typeface="AR P丸ゴシック体E" panose="020F0900000000000000" pitchFamily="50" charset="-128"/>
+              </a:rPr>
+              <a:t>クラス</a:t>
+            </a:r>
+            <a:r>
+              <a:rPr lang="ja-JP" altLang="en-US" sz="4000" dirty="0" smtClean="0">
+                <a:latin typeface="AR P丸ゴシック体E" panose="020F0900000000000000" pitchFamily="50" charset="-128"/>
+                <a:ea typeface="AR P丸ゴシック体E" panose="020F0900000000000000" pitchFamily="50" charset="-128"/>
+              </a:rPr>
+              <a:t>を使って構造化できた</a:t>
+            </a:r>
+            <a:endParaRPr kumimoji="1" lang="en-US" altLang="ja-JP" sz="4000" dirty="0" smtClean="0">
+              <a:latin typeface="AR P丸ゴシック体E" panose="020F0900000000000000" pitchFamily="50" charset="-128"/>
+              <a:ea typeface="AR P丸ゴシック体E" panose="020F0900000000000000" pitchFamily="50" charset="-128"/>
+            </a:endParaRPr>
+          </a:p>
+        </p:txBody>
+      </p:sp>
+      <p:sp>
+        <p:nvSpPr>
+          <p:cNvPr id="6" name="正方形/長方形 5"/>
+          <p:cNvSpPr/>
+          <p:nvPr/>
+        </p:nvSpPr>
+        <p:spPr>
+          <a:xfrm>
+            <a:off x="473307" y="4241880"/>
+            <a:ext cx="11245386" cy="707886"/>
+          </a:xfrm>
+          <a:prstGeom prst="rect">
+            <a:avLst/>
+          </a:prstGeom>
+        </p:spPr>
+        <p:txBody>
+          <a:bodyPr wrap="none">
+            <a:spAutoFit/>
+          </a:bodyPr>
+          <a:lstStyle/>
+          <a:p>
+            <a:r>
+              <a:rPr lang="ja-JP" altLang="en-US" sz="4000" dirty="0" smtClean="0">
+                <a:latin typeface="AR PなごみＰＯＰ体B" panose="040B0800000000000000" pitchFamily="50" charset="-128"/>
+                <a:ea typeface="AR PなごみＰＯＰ体B" panose="040B0800000000000000" pitchFamily="50" charset="-128"/>
+              </a:rPr>
+              <a:t>何よりプログラムを眺めて</a:t>
+            </a:r>
+            <a:r>
+              <a:rPr lang="ja-JP" altLang="en-US" sz="4000" dirty="0" smtClean="0">
+                <a:latin typeface="AR PなごみＰＯＰ体B" panose="040B0800000000000000" pitchFamily="50" charset="-128"/>
+                <a:ea typeface="AR PなごみＰＯＰ体B" panose="040B0800000000000000" pitchFamily="50" charset="-128"/>
+              </a:rPr>
+              <a:t>いて脳内</a:t>
+            </a:r>
+            <a:r>
+              <a:rPr lang="ja-JP" altLang="en-US" sz="4000" dirty="0">
+                <a:latin typeface="AR PなごみＰＯＰ体B" panose="040B0800000000000000" pitchFamily="50" charset="-128"/>
+                <a:ea typeface="AR PなごみＰＯＰ体B" panose="040B0800000000000000" pitchFamily="50" charset="-128"/>
+              </a:rPr>
+              <a:t>麻薬</a:t>
+            </a:r>
+            <a:r>
+              <a:rPr lang="ja-JP" altLang="en-US" sz="4000" dirty="0" smtClean="0">
+                <a:latin typeface="AR PなごみＰＯＰ体B" panose="040B0800000000000000" pitchFamily="50" charset="-128"/>
+                <a:ea typeface="AR PなごみＰＯＰ体B" panose="040B0800000000000000" pitchFamily="50" charset="-128"/>
+              </a:rPr>
+              <a:t>が</a:t>
+            </a:r>
+            <a:r>
+              <a:rPr lang="ja-JP" altLang="en-US" sz="4000" dirty="0" smtClean="0">
+                <a:latin typeface="AR PなごみＰＯＰ体B" panose="040B0800000000000000" pitchFamily="50" charset="-128"/>
+                <a:ea typeface="AR PなごみＰＯＰ体B" panose="040B0800000000000000" pitchFamily="50" charset="-128"/>
+              </a:rPr>
+              <a:t>出てくる</a:t>
+            </a:r>
+            <a:endParaRPr lang="ja-JP" altLang="en-US" sz="4000" dirty="0">
+              <a:latin typeface="AR PなごみＰＯＰ体B" panose="040B0800000000000000" pitchFamily="50" charset="-128"/>
+              <a:ea typeface="AR PなごみＰＯＰ体B" panose="040B0800000000000000" pitchFamily="50" charset="-128"/>
+            </a:endParaRPr>
+          </a:p>
+        </p:txBody>
+      </p:sp>
+    </p:spTree>
+    <p:extLst>
+      <p:ext uri="{BB962C8B-B14F-4D97-AF65-F5344CB8AC3E}">
+        <p14:creationId xmlns:p14="http://schemas.microsoft.com/office/powerpoint/2010/main" val="1466257020"/>
+      </p:ext>
+    </p:extLst>
+  </p:cSld>
+  <p:clrMapOvr>
+    <a:masterClrMapping/>
+  </p:clrMapOvr>
+  <p:timing>
+    <p:tnLst>
+      <p:par>
+        <p:cTn id="1" dur="indefinite" restart="never" nodeType="tmRoot"/>
+      </p:par>
+    </p:tnLst>
+  </p:timing>
+</p:sld>
+</file>
+
+<file path=ppt/slides/slide8.xml><?xml version="1.0" encoding="utf-8"?>
+<p:sld xmlns:a="http://schemas.openxmlformats.org/drawingml/2006/main" xmlns:r="http://schemas.openxmlformats.org/officeDocument/2006/relationships" xmlns:p="http://schemas.openxmlformats.org/presentationml/2006/main">
+  <p:cSld>
+    <p:spTree>
+      <p:nvGrpSpPr>
+        <p:cNvPr id="1" name=""/>
+        <p:cNvGrpSpPr/>
+        <p:nvPr/>
+      </p:nvGrpSpPr>
+      <p:grpSpPr>
+        <a:xfrm>
+          <a:off x="0" y="0"/>
+          <a:ext cx="0" cy="0"/>
+          <a:chOff x="0" y="0"/>
+          <a:chExt cx="0" cy="0"/>
+        </a:xfrm>
+      </p:grpSpPr>
+      <p:sp>
+        <p:nvSpPr>
+          <p:cNvPr id="2" name="タイトル 1"/>
+          <p:cNvSpPr>
+            <a:spLocks noGrp="1"/>
+          </p:cNvSpPr>
+          <p:nvPr>
+            <p:ph type="title"/>
+          </p:nvPr>
+        </p:nvSpPr>
+        <p:spPr/>
+        <p:txBody>
+          <a:bodyPr/>
+          <a:lstStyle/>
+          <a:p>
             <a:r>
               <a:rPr kumimoji="1" lang="ja-JP" altLang="en-US" dirty="0" smtClean="0"/>
               <a:t>感想</a:t>
@@ -16299,21 +20079,175 @@
           <a:lstStyle/>
           <a:p>
             <a:r>
-              <a:rPr kumimoji="1" lang="ja-JP" altLang="en-US" dirty="0" smtClean="0"/>
-              <a:t>去年のゲーム</a:t>
-            </a:r>
-            <a:r>
-              <a:rPr kumimoji="1" lang="en-US" altLang="ja-JP" dirty="0" smtClean="0"/>
+              <a:rPr lang="en-US" altLang="ja-JP" sz="4000" dirty="0" err="1" smtClean="0">
+                <a:latin typeface="AR P丸ゴシック体E" panose="020F0900000000000000" pitchFamily="50" charset="-128"/>
+                <a:ea typeface="AR P丸ゴシック体E" panose="020F0900000000000000" pitchFamily="50" charset="-128"/>
+              </a:rPr>
+              <a:t>ChatGPT</a:t>
+            </a:r>
+            <a:r>
+              <a:rPr lang="en-US" altLang="ja-JP" sz="4000" dirty="0" smtClean="0">
+                <a:latin typeface="AR P丸ゴシック体E" panose="020F0900000000000000" pitchFamily="50" charset="-128"/>
+                <a:ea typeface="AR P丸ゴシック体E" panose="020F0900000000000000" pitchFamily="50" charset="-128"/>
+              </a:rPr>
+              <a:t> is GOT</a:t>
+            </a:r>
+          </a:p>
+          <a:p>
+            <a:endParaRPr lang="en-US" altLang="ja-JP" sz="4000" dirty="0">
+              <a:latin typeface="AR P丸ゴシック体E" panose="020F0900000000000000" pitchFamily="50" charset="-128"/>
+              <a:ea typeface="AR P丸ゴシック体E" panose="020F0900000000000000" pitchFamily="50" charset="-128"/>
+            </a:endParaRPr>
+          </a:p>
+          <a:p>
+            <a:r>
+              <a:rPr lang="ja-JP" altLang="en-US" sz="4000" dirty="0" smtClean="0">
+                <a:latin typeface="AR P丸ゴシック体E" panose="020F0900000000000000" pitchFamily="50" charset="-128"/>
+                <a:ea typeface="AR P丸ゴシック体E" panose="020F0900000000000000" pitchFamily="50" charset="-128"/>
+              </a:rPr>
+              <a:t>去年</a:t>
+            </a:r>
+            <a:r>
+              <a:rPr lang="ja-JP" altLang="en-US" sz="4000" dirty="0">
+                <a:latin typeface="AR P丸ゴシック体E" panose="020F0900000000000000" pitchFamily="50" charset="-128"/>
+                <a:ea typeface="AR P丸ゴシック体E" panose="020F0900000000000000" pitchFamily="50" charset="-128"/>
+              </a:rPr>
+              <a:t>作</a:t>
+            </a:r>
+            <a:r>
+              <a:rPr lang="ja-JP" altLang="en-US" sz="4000" dirty="0" smtClean="0">
+                <a:latin typeface="AR P丸ゴシック体E" panose="020F0900000000000000" pitchFamily="50" charset="-128"/>
+                <a:ea typeface="AR P丸ゴシック体E" panose="020F0900000000000000" pitchFamily="50" charset="-128"/>
+              </a:rPr>
+              <a:t>りたかった</a:t>
+            </a:r>
+            <a:endParaRPr lang="en-US" altLang="ja-JP" sz="4000" dirty="0" smtClean="0">
+              <a:latin typeface="AR P丸ゴシック体E" panose="020F0900000000000000" pitchFamily="50" charset="-128"/>
+              <a:ea typeface="AR P丸ゴシック体E" panose="020F0900000000000000" pitchFamily="50" charset="-128"/>
+            </a:endParaRPr>
+          </a:p>
+        </p:txBody>
+      </p:sp>
+      <p:sp>
+        <p:nvSpPr>
+          <p:cNvPr id="4" name="正方形/長方形 3"/>
+          <p:cNvSpPr/>
+          <p:nvPr/>
+        </p:nvSpPr>
+        <p:spPr>
+          <a:xfrm>
+            <a:off x="1652452" y="3162300"/>
+            <a:ext cx="5314275" cy="677108"/>
+          </a:xfrm>
+          <a:prstGeom prst="rect">
+            <a:avLst/>
+          </a:prstGeom>
+        </p:spPr>
+        <p:txBody>
+          <a:bodyPr wrap="none">
+            <a:spAutoFit/>
+          </a:bodyPr>
+          <a:lstStyle/>
+          <a:p>
+            <a:r>
+              <a:rPr lang="ja-JP" altLang="en-US" sz="2000" dirty="0">
+                <a:latin typeface="AR P丸ゴシック体E" panose="020F0900000000000000" pitchFamily="50" charset="-128"/>
+                <a:ea typeface="AR P丸ゴシック体E" panose="020F0900000000000000" pitchFamily="50" charset="-128"/>
+              </a:rPr>
+              <a:t>エラー文の解読</a:t>
+            </a:r>
+            <a:r>
+              <a:rPr lang="ja-JP" altLang="en-US" sz="2000" dirty="0" smtClean="0">
+                <a:latin typeface="AR P丸ゴシック体E" panose="020F0900000000000000" pitchFamily="50" charset="-128"/>
+                <a:ea typeface="AR P丸ゴシック体E" panose="020F0900000000000000" pitchFamily="50" charset="-128"/>
+              </a:rPr>
+              <a:t>時間、検索</a:t>
+            </a:r>
+            <a:r>
+              <a:rPr lang="ja-JP" altLang="en-US" sz="2000" dirty="0">
+                <a:latin typeface="AR P丸ゴシック体E" panose="020F0900000000000000" pitchFamily="50" charset="-128"/>
+                <a:ea typeface="AR P丸ゴシック体E" panose="020F0900000000000000" pitchFamily="50" charset="-128"/>
+              </a:rPr>
+              <a:t>時間</a:t>
+            </a:r>
+            <a:r>
+              <a:rPr lang="ja-JP" altLang="en-US" sz="2000" dirty="0" smtClean="0">
+                <a:latin typeface="AR P丸ゴシック体E" panose="020F0900000000000000" pitchFamily="50" charset="-128"/>
+                <a:ea typeface="AR P丸ゴシック体E" panose="020F0900000000000000" pitchFamily="50" charset="-128"/>
+              </a:rPr>
+              <a:t>が大幅に短縮</a:t>
+            </a:r>
+            <a:r>
+              <a:rPr lang="en-US" altLang="ja-JP" dirty="0" smtClean="0">
+                <a:latin typeface="AR P丸ゴシック体E" panose="020F0900000000000000" pitchFamily="50" charset="-128"/>
+                <a:ea typeface="AR P丸ゴシック体E" panose="020F0900000000000000" pitchFamily="50" charset="-128"/>
+              </a:rPr>
               <a:t/>
             </a:r>
             <a:br>
-              <a:rPr kumimoji="1" lang="en-US" altLang="ja-JP" dirty="0" smtClean="0"/>
+              <a:rPr lang="en-US" altLang="ja-JP" dirty="0" smtClean="0">
+                <a:latin typeface="AR P丸ゴシック体E" panose="020F0900000000000000" pitchFamily="50" charset="-128"/>
+                <a:ea typeface="AR P丸ゴシック体E" panose="020F0900000000000000" pitchFamily="50" charset="-128"/>
+              </a:rPr>
             </a:br>
-            <a:r>
-              <a:rPr kumimoji="1" lang="en-US" altLang="ja-JP" dirty="0" err="1" smtClean="0"/>
-              <a:t>chatGPT</a:t>
-            </a:r>
-            <a:endParaRPr kumimoji="1" lang="ja-JP" altLang="en-US" dirty="0"/>
+            <a:endParaRPr lang="ja-JP" altLang="en-US" dirty="0">
+              <a:latin typeface="AR P丸ゴシック体E" panose="020F0900000000000000" pitchFamily="50" charset="-128"/>
+              <a:ea typeface="AR P丸ゴシック体E" panose="020F0900000000000000" pitchFamily="50" charset="-128"/>
+            </a:endParaRPr>
+          </a:p>
+        </p:txBody>
+      </p:sp>
+      <p:sp>
+        <p:nvSpPr>
+          <p:cNvPr id="5" name="正方形/長方形 4"/>
+          <p:cNvSpPr/>
+          <p:nvPr/>
+        </p:nvSpPr>
+        <p:spPr>
+          <a:xfrm>
+            <a:off x="1362552" y="4739027"/>
+            <a:ext cx="8356775" cy="1015663"/>
+          </a:xfrm>
+          <a:prstGeom prst="rect">
+            <a:avLst/>
+          </a:prstGeom>
+        </p:spPr>
+        <p:txBody>
+          <a:bodyPr wrap="none">
+            <a:spAutoFit/>
+          </a:bodyPr>
+          <a:lstStyle/>
+          <a:p>
+            <a:r>
+              <a:rPr lang="ja-JP" altLang="en-US" sz="2000" dirty="0" smtClean="0">
+                <a:latin typeface="AR P丸ゴシック体E" panose="020F0900000000000000" pitchFamily="50" charset="-128"/>
+                <a:ea typeface="AR P丸ゴシック体E" panose="020F0900000000000000" pitchFamily="50" charset="-128"/>
+              </a:rPr>
+              <a:t>去年作ったゲームは今年作ったゲームを作ろうとしてできなかった残りかす</a:t>
+            </a:r>
+            <a:endParaRPr lang="en-US" altLang="ja-JP" sz="2000" dirty="0" smtClean="0">
+              <a:latin typeface="AR P丸ゴシック体E" panose="020F0900000000000000" pitchFamily="50" charset="-128"/>
+              <a:ea typeface="AR P丸ゴシック体E" panose="020F0900000000000000" pitchFamily="50" charset="-128"/>
+            </a:endParaRPr>
+          </a:p>
+          <a:p>
+            <a:r>
+              <a:rPr lang="ja-JP" altLang="en-US" sz="2000" dirty="0" smtClean="0">
+                <a:latin typeface="AR P丸ゴシック体E" panose="020F0900000000000000" pitchFamily="50" charset="-128"/>
+                <a:ea typeface="AR P丸ゴシック体E" panose="020F0900000000000000" pitchFamily="50" charset="-128"/>
+              </a:rPr>
+              <a:t>去年作れなかったものが今年作れるようになってすごく楽しい</a:t>
+            </a:r>
+            <a:endParaRPr lang="en-US" altLang="ja-JP" sz="2000" dirty="0" smtClean="0">
+              <a:latin typeface="AR P丸ゴシック体E" panose="020F0900000000000000" pitchFamily="50" charset="-128"/>
+              <a:ea typeface="AR P丸ゴシック体E" panose="020F0900000000000000" pitchFamily="50" charset="-128"/>
+            </a:endParaRPr>
+          </a:p>
+          <a:p>
+            <a:endParaRPr lang="en-US" altLang="ja-JP" sz="2000" dirty="0" smtClean="0">
+              <a:latin typeface="AR P丸ゴシック体E" panose="020F0900000000000000" pitchFamily="50" charset="-128"/>
+              <a:ea typeface="AR P丸ゴシック体E" panose="020F0900000000000000" pitchFamily="50" charset="-128"/>
+            </a:endParaRPr>
           </a:p>
         </p:txBody>
       </p:sp>
@@ -16334,6 +20268,74 @@
       </p:par>
     </p:tnLst>
   </p:timing>
+</p:sld>
+</file>
+
+<file path=ppt/slides/slide9.xml><?xml version="1.0" encoding="utf-8"?>
+<p:sld xmlns:a="http://schemas.openxmlformats.org/drawingml/2006/main" xmlns:r="http://schemas.openxmlformats.org/officeDocument/2006/relationships" xmlns:p="http://schemas.openxmlformats.org/presentationml/2006/main">
+  <p:cSld>
+    <p:spTree>
+      <p:nvGrpSpPr>
+        <p:cNvPr id="1" name=""/>
+        <p:cNvGrpSpPr/>
+        <p:nvPr/>
+      </p:nvGrpSpPr>
+      <p:grpSpPr>
+        <a:xfrm>
+          <a:off x="0" y="0"/>
+          <a:ext cx="0" cy="0"/>
+          <a:chOff x="0" y="0"/>
+          <a:chExt cx="0" cy="0"/>
+        </a:xfrm>
+      </p:grpSpPr>
+      <p:sp>
+        <p:nvSpPr>
+          <p:cNvPr id="4" name="タイトル 3"/>
+          <p:cNvSpPr>
+            <a:spLocks noGrp="1"/>
+          </p:cNvSpPr>
+          <p:nvPr>
+            <p:ph type="title"/>
+          </p:nvPr>
+        </p:nvSpPr>
+        <p:spPr/>
+        <p:txBody>
+          <a:bodyPr/>
+          <a:lstStyle/>
+          <a:p>
+            <a:endParaRPr kumimoji="1" lang="ja-JP" altLang="en-US" dirty="0"/>
+          </a:p>
+        </p:txBody>
+      </p:sp>
+      <p:sp>
+        <p:nvSpPr>
+          <p:cNvPr id="5" name="テキスト プレースホルダー 4"/>
+          <p:cNvSpPr>
+            <a:spLocks noGrp="1"/>
+          </p:cNvSpPr>
+          <p:nvPr>
+            <p:ph type="body" idx="1"/>
+          </p:nvPr>
+        </p:nvSpPr>
+        <p:spPr/>
+        <p:txBody>
+          <a:bodyPr/>
+          <a:lstStyle/>
+          <a:p>
+            <a:endParaRPr kumimoji="1" lang="ja-JP" altLang="en-US"/>
+          </a:p>
+        </p:txBody>
+      </p:sp>
+    </p:spTree>
+    <p:extLst>
+      <p:ext uri="{BB962C8B-B14F-4D97-AF65-F5344CB8AC3E}">
+        <p14:creationId xmlns:p14="http://schemas.microsoft.com/office/powerpoint/2010/main" val="2292793902"/>
+      </p:ext>
+    </p:extLst>
+  </p:cSld>
+  <p:clrMapOvr>
+    <a:masterClrMapping/>
+  </p:clrMapOvr>
 </p:sld>
 </file>
 

--- a/その他/夏休みの課題のゲーム/RUZYEF_by對馬/PPPT/main.pptx
+++ b/その他/夏休みの課題のゲーム/RUZYEF_by對馬/PPPT/main.pptx
@@ -2837,7 +2837,7 @@
           <a:p>
             <a:fld id="{C44129A7-2366-4519-9D07-63B97E589F9B}" type="datetimeFigureOut">
               <a:rPr kumimoji="1" lang="ja-JP" altLang="en-US" smtClean="0"/>
-              <a:t>2023/9/11</a:t>
+              <a:t>2023/9/13</a:t>
             </a:fld>
             <a:endParaRPr kumimoji="1" lang="ja-JP" altLang="en-US"/>
           </a:p>
@@ -3910,7 +3910,7 @@
           <a:p>
             <a:fld id="{76B2F3C0-B323-4575-9139-126FBEC5052E}" type="datetimeFigureOut">
               <a:rPr kumimoji="1" lang="ja-JP" altLang="en-US" smtClean="0"/>
-              <a:t>2023/9/11</a:t>
+              <a:t>2023/9/13</a:t>
             </a:fld>
             <a:endParaRPr kumimoji="1" lang="ja-JP" altLang="en-US"/>
           </a:p>
@@ -5071,7 +5071,7 @@
           <a:p>
             <a:fld id="{76B2F3C0-B323-4575-9139-126FBEC5052E}" type="datetimeFigureOut">
               <a:rPr kumimoji="1" lang="ja-JP" altLang="en-US" smtClean="0"/>
-              <a:t>2023/9/11</a:t>
+              <a:t>2023/9/13</a:t>
             </a:fld>
             <a:endParaRPr kumimoji="1" lang="ja-JP" altLang="en-US"/>
           </a:p>
@@ -6125,7 +6125,7 @@
           <a:p>
             <a:fld id="{76B2F3C0-B323-4575-9139-126FBEC5052E}" type="datetimeFigureOut">
               <a:rPr kumimoji="1" lang="ja-JP" altLang="en-US" smtClean="0"/>
-              <a:t>2023/9/11</a:t>
+              <a:t>2023/9/13</a:t>
             </a:fld>
             <a:endParaRPr kumimoji="1" lang="ja-JP" altLang="en-US"/>
           </a:p>
@@ -7338,7 +7338,7 @@
           <a:p>
             <a:fld id="{76B2F3C0-B323-4575-9139-126FBEC5052E}" type="datetimeFigureOut">
               <a:rPr kumimoji="1" lang="ja-JP" altLang="en-US" smtClean="0"/>
-              <a:t>2023/9/11</a:t>
+              <a:t>2023/9/13</a:t>
             </a:fld>
             <a:endParaRPr kumimoji="1" lang="ja-JP" altLang="en-US"/>
           </a:p>
@@ -8442,7 +8442,7 @@
           <a:p>
             <a:fld id="{76B2F3C0-B323-4575-9139-126FBEC5052E}" type="datetimeFigureOut">
               <a:rPr kumimoji="1" lang="ja-JP" altLang="en-US" smtClean="0"/>
-              <a:t>2023/9/11</a:t>
+              <a:t>2023/9/13</a:t>
             </a:fld>
             <a:endParaRPr kumimoji="1" lang="ja-JP" altLang="en-US"/>
           </a:p>
@@ -9094,7 +9094,7 @@
           <a:p>
             <a:fld id="{76B2F3C0-B323-4575-9139-126FBEC5052E}" type="datetimeFigureOut">
               <a:rPr kumimoji="1" lang="ja-JP" altLang="en-US" smtClean="0"/>
-              <a:t>2023/9/11</a:t>
+              <a:t>2023/9/13</a:t>
             </a:fld>
             <a:endParaRPr kumimoji="1" lang="ja-JP" altLang="en-US"/>
           </a:p>
@@ -9941,7 +9941,7 @@
           <a:p>
             <a:fld id="{76B2F3C0-B323-4575-9139-126FBEC5052E}" type="datetimeFigureOut">
               <a:rPr kumimoji="1" lang="ja-JP" altLang="en-US" smtClean="0"/>
-              <a:t>2023/9/11</a:t>
+              <a:t>2023/9/13</a:t>
             </a:fld>
             <a:endParaRPr kumimoji="1" lang="ja-JP" altLang="en-US"/>
           </a:p>
@@ -10158,7 +10158,7 @@
           <a:p>
             <a:fld id="{76B2F3C0-B323-4575-9139-126FBEC5052E}" type="datetimeFigureOut">
               <a:rPr kumimoji="1" lang="ja-JP" altLang="en-US" smtClean="0"/>
-              <a:t>2023/9/11</a:t>
+              <a:t>2023/9/13</a:t>
             </a:fld>
             <a:endParaRPr kumimoji="1" lang="ja-JP" altLang="en-US"/>
           </a:p>
@@ -11231,7 +11231,7 @@
           <a:p>
             <a:fld id="{76B2F3C0-B323-4575-9139-126FBEC5052E}" type="datetimeFigureOut">
               <a:rPr kumimoji="1" lang="ja-JP" altLang="en-US" smtClean="0"/>
-              <a:t>2023/9/11</a:t>
+              <a:t>2023/9/13</a:t>
             </a:fld>
             <a:endParaRPr kumimoji="1" lang="ja-JP" altLang="en-US"/>
           </a:p>
@@ -11479,7 +11479,7 @@
           <a:p>
             <a:fld id="{76B2F3C0-B323-4575-9139-126FBEC5052E}" type="datetimeFigureOut">
               <a:rPr kumimoji="1" lang="ja-JP" altLang="en-US" smtClean="0"/>
-              <a:t>2023/9/11</a:t>
+              <a:t>2023/9/13</a:t>
             </a:fld>
             <a:endParaRPr kumimoji="1" lang="ja-JP" altLang="en-US"/>
           </a:p>
@@ -12584,7 +12584,7 @@
           <a:p>
             <a:fld id="{76B2F3C0-B323-4575-9139-126FBEC5052E}" type="datetimeFigureOut">
               <a:rPr kumimoji="1" lang="ja-JP" altLang="en-US" smtClean="0"/>
-              <a:t>2023/9/11</a:t>
+              <a:t>2023/9/13</a:t>
             </a:fld>
             <a:endParaRPr kumimoji="1" lang="ja-JP" altLang="en-US"/>
           </a:p>
@@ -12920,7 +12920,7 @@
           <a:p>
             <a:fld id="{76B2F3C0-B323-4575-9139-126FBEC5052E}" type="datetimeFigureOut">
               <a:rPr kumimoji="1" lang="ja-JP" altLang="en-US" smtClean="0"/>
-              <a:t>2023/9/11</a:t>
+              <a:t>2023/9/13</a:t>
             </a:fld>
             <a:endParaRPr kumimoji="1" lang="ja-JP" altLang="en-US"/>
           </a:p>
@@ -13366,7 +13366,7 @@
           <a:p>
             <a:fld id="{76B2F3C0-B323-4575-9139-126FBEC5052E}" type="datetimeFigureOut">
               <a:rPr kumimoji="1" lang="ja-JP" altLang="en-US" smtClean="0"/>
-              <a:t>2023/9/11</a:t>
+              <a:t>2023/9/13</a:t>
             </a:fld>
             <a:endParaRPr kumimoji="1" lang="ja-JP" altLang="en-US"/>
           </a:p>
@@ -13484,7 +13484,7 @@
           <a:p>
             <a:fld id="{76B2F3C0-B323-4575-9139-126FBEC5052E}" type="datetimeFigureOut">
               <a:rPr kumimoji="1" lang="ja-JP" altLang="en-US" smtClean="0"/>
-              <a:t>2023/9/11</a:t>
+              <a:t>2023/9/13</a:t>
             </a:fld>
             <a:endParaRPr kumimoji="1" lang="ja-JP" altLang="en-US"/>
           </a:p>
@@ -13579,7 +13579,7 @@
           <a:p>
             <a:fld id="{76B2F3C0-B323-4575-9139-126FBEC5052E}" type="datetimeFigureOut">
               <a:rPr kumimoji="1" lang="ja-JP" altLang="en-US" smtClean="0"/>
-              <a:t>2023/9/11</a:t>
+              <a:t>2023/9/13</a:t>
             </a:fld>
             <a:endParaRPr kumimoji="1" lang="ja-JP" altLang="en-US"/>
           </a:p>
@@ -14763,7 +14763,7 @@
           <a:p>
             <a:fld id="{76B2F3C0-B323-4575-9139-126FBEC5052E}" type="datetimeFigureOut">
               <a:rPr kumimoji="1" lang="ja-JP" altLang="en-US" smtClean="0"/>
-              <a:t>2023/9/11</a:t>
+              <a:t>2023/9/13</a:t>
             </a:fld>
             <a:endParaRPr kumimoji="1" lang="ja-JP" altLang="en-US"/>
           </a:p>
@@ -15939,7 +15939,7 @@
           <a:p>
             <a:fld id="{76B2F3C0-B323-4575-9139-126FBEC5052E}" type="datetimeFigureOut">
               <a:rPr kumimoji="1" lang="ja-JP" altLang="en-US" smtClean="0"/>
-              <a:t>2023/9/11</a:t>
+              <a:t>2023/9/13</a:t>
             </a:fld>
             <a:endParaRPr kumimoji="1" lang="ja-JP" altLang="en-US"/>
           </a:p>
@@ -17077,7 +17077,7 @@
           <a:p>
             <a:fld id="{76B2F3C0-B323-4575-9139-126FBEC5052E}" type="datetimeFigureOut">
               <a:rPr kumimoji="1" lang="ja-JP" altLang="en-US" smtClean="0"/>
-              <a:t>2023/9/11</a:t>
+              <a:t>2023/9/13</a:t>
             </a:fld>
             <a:endParaRPr kumimoji="1" lang="ja-JP" altLang="en-US"/>
           </a:p>
@@ -17725,121 +17725,6 @@
           <a:chExt cx="0" cy="0"/>
         </a:xfrm>
       </p:grpSpPr>
-      <p:sp>
-        <p:nvSpPr>
-          <p:cNvPr id="2" name="タイトル 1"/>
-          <p:cNvSpPr>
-            <a:spLocks noGrp="1"/>
-          </p:cNvSpPr>
-          <p:nvPr>
-            <p:ph type="title"/>
-          </p:nvPr>
-        </p:nvSpPr>
-        <p:spPr/>
-        <p:txBody>
-          <a:bodyPr/>
-          <a:lstStyle/>
-          <a:p>
-            <a:pPr algn="ctr"/>
-            <a:r>
-              <a:rPr kumimoji="1" lang="ja-JP" altLang="en-US" sz="7200" dirty="0" smtClean="0">
-                <a:latin typeface="AR Pゴシック体S" panose="020B0A00000000000000" pitchFamily="50" charset="-128"/>
-                <a:ea typeface="AR Pゴシック体S" panose="020B0A00000000000000" pitchFamily="50" charset="-128"/>
-              </a:rPr>
-              <a:t>ゲーム概要</a:t>
-            </a:r>
-            <a:endParaRPr kumimoji="1" lang="ja-JP" altLang="en-US" sz="7200" dirty="0">
-              <a:latin typeface="AR Pゴシック体S" panose="020B0A00000000000000" pitchFamily="50" charset="-128"/>
-              <a:ea typeface="AR Pゴシック体S" panose="020B0A00000000000000" pitchFamily="50" charset="-128"/>
-            </a:endParaRPr>
-          </a:p>
-        </p:txBody>
-      </p:sp>
-      <p:sp>
-        <p:nvSpPr>
-          <p:cNvPr id="9" name="コンテンツ プレースホルダー 8"/>
-          <p:cNvSpPr>
-            <a:spLocks noGrp="1"/>
-          </p:cNvSpPr>
-          <p:nvPr>
-            <p:ph idx="1"/>
-          </p:nvPr>
-        </p:nvSpPr>
-        <p:spPr>
-          <a:xfrm>
-            <a:off x="270648" y="2345127"/>
-            <a:ext cx="10530023" cy="1317869"/>
-          </a:xfrm>
-        </p:spPr>
-        <p:txBody>
-          <a:bodyPr/>
-          <a:lstStyle/>
-          <a:p>
-            <a:r>
-              <a:rPr kumimoji="1" lang="ja-JP" altLang="en-US" sz="3200" dirty="0" smtClean="0">
-                <a:latin typeface="AR P丸ゴシック体E" panose="020F0900000000000000" pitchFamily="50" charset="-128"/>
-                <a:ea typeface="AR P丸ゴシック体E" panose="020F0900000000000000" pitchFamily="50" charset="-128"/>
-              </a:rPr>
-              <a:t>敵と味方で撃ち合って殲滅しあうゲーム</a:t>
-            </a:r>
-            <a:endParaRPr kumimoji="1" lang="en-US" altLang="ja-JP" sz="3200" dirty="0" smtClean="0">
-              <a:latin typeface="AR P丸ゴシック体E" panose="020F0900000000000000" pitchFamily="50" charset="-128"/>
-              <a:ea typeface="AR P丸ゴシック体E" panose="020F0900000000000000" pitchFamily="50" charset="-128"/>
-            </a:endParaRPr>
-          </a:p>
-          <a:p>
-            <a:endParaRPr lang="en-US" altLang="ja-JP" sz="3200" dirty="0">
-              <a:latin typeface="AR P丸ゴシック体E" panose="020F0900000000000000" pitchFamily="50" charset="-128"/>
-              <a:ea typeface="AR P丸ゴシック体E" panose="020F0900000000000000" pitchFamily="50" charset="-128"/>
-            </a:endParaRPr>
-          </a:p>
-        </p:txBody>
-      </p:sp>
-      <p:sp>
-        <p:nvSpPr>
-          <p:cNvPr id="10" name="正方形/長方形 9"/>
-          <p:cNvSpPr/>
-          <p:nvPr/>
-        </p:nvSpPr>
-        <p:spPr>
-          <a:xfrm>
-            <a:off x="751364" y="5033363"/>
-            <a:ext cx="8964135" cy="1569660"/>
-          </a:xfrm>
-          <a:prstGeom prst="rect">
-            <a:avLst/>
-          </a:prstGeom>
-        </p:spPr>
-        <p:txBody>
-          <a:bodyPr wrap="square">
-            <a:spAutoFit/>
-          </a:bodyPr>
-          <a:lstStyle/>
-          <a:p>
-            <a:r>
-              <a:rPr lang="ja-JP" altLang="en-US" sz="9600" dirty="0">
-                <a:latin typeface="AR P教科書体M" panose="03000600000000000000" pitchFamily="66" charset="-128"/>
-                <a:ea typeface="AR P教科書体M" panose="03000600000000000000" pitchFamily="66" charset="-128"/>
-              </a:rPr>
-              <a:t>ラブ</a:t>
-            </a:r>
-            <a:r>
-              <a:rPr lang="en-US" altLang="ja-JP" sz="9600" dirty="0">
-                <a:latin typeface="AR P教科書体M" panose="03000600000000000000" pitchFamily="66" charset="-128"/>
-                <a:ea typeface="AR P教科書体M" panose="03000600000000000000" pitchFamily="66" charset="-128"/>
-              </a:rPr>
-              <a:t>&amp;</a:t>
-            </a:r>
-            <a:r>
-              <a:rPr lang="ja-JP" altLang="en-US" sz="9600" dirty="0">
-                <a:latin typeface="AR P教科書体M" panose="03000600000000000000" pitchFamily="66" charset="-128"/>
-                <a:ea typeface="AR P教科書体M" panose="03000600000000000000" pitchFamily="66" charset="-128"/>
-              </a:rPr>
-              <a:t>ピース</a:t>
-            </a:r>
-          </a:p>
-        </p:txBody>
-      </p:sp>
       <p:pic>
         <p:nvPicPr>
           <p:cNvPr id="14" name="図 13"/>
@@ -17870,6 +17755,121 @@
           </a:prstGeom>
         </p:spPr>
       </p:pic>
+      <p:sp>
+        <p:nvSpPr>
+          <p:cNvPr id="2" name="タイトル 1"/>
+          <p:cNvSpPr>
+            <a:spLocks noGrp="1"/>
+          </p:cNvSpPr>
+          <p:nvPr>
+            <p:ph type="title"/>
+          </p:nvPr>
+        </p:nvSpPr>
+        <p:spPr/>
+        <p:txBody>
+          <a:bodyPr/>
+          <a:lstStyle/>
+          <a:p>
+            <a:pPr algn="ctr"/>
+            <a:r>
+              <a:rPr kumimoji="1" lang="ja-JP" altLang="en-US" sz="7200" dirty="0" smtClean="0">
+                <a:latin typeface="AR Pゴシック体S" panose="020B0A00000000000000" pitchFamily="50" charset="-128"/>
+                <a:ea typeface="AR Pゴシック体S" panose="020B0A00000000000000" pitchFamily="50" charset="-128"/>
+              </a:rPr>
+              <a:t>ゲーム概要</a:t>
+            </a:r>
+            <a:endParaRPr kumimoji="1" lang="ja-JP" altLang="en-US" sz="7200" dirty="0">
+              <a:latin typeface="AR Pゴシック体S" panose="020B0A00000000000000" pitchFamily="50" charset="-128"/>
+              <a:ea typeface="AR Pゴシック体S" panose="020B0A00000000000000" pitchFamily="50" charset="-128"/>
+            </a:endParaRPr>
+          </a:p>
+        </p:txBody>
+      </p:sp>
+      <p:sp>
+        <p:nvSpPr>
+          <p:cNvPr id="9" name="コンテンツ プレースホルダー 8"/>
+          <p:cNvSpPr>
+            <a:spLocks noGrp="1"/>
+          </p:cNvSpPr>
+          <p:nvPr>
+            <p:ph idx="1"/>
+          </p:nvPr>
+        </p:nvSpPr>
+        <p:spPr>
+          <a:xfrm>
+            <a:off x="270648" y="2345127"/>
+            <a:ext cx="10530023" cy="1317869"/>
+          </a:xfrm>
+        </p:spPr>
+        <p:txBody>
+          <a:bodyPr/>
+          <a:lstStyle/>
+          <a:p>
+            <a:r>
+              <a:rPr kumimoji="1" lang="ja-JP" altLang="en-US" sz="3200" dirty="0" smtClean="0">
+                <a:latin typeface="AR P丸ゴシック体E" panose="020F0900000000000000" pitchFamily="50" charset="-128"/>
+                <a:ea typeface="AR P丸ゴシック体E" panose="020F0900000000000000" pitchFamily="50" charset="-128"/>
+              </a:rPr>
+              <a:t>敵と味方で撃ち合って殲滅しあうゲーム</a:t>
+            </a:r>
+            <a:endParaRPr kumimoji="1" lang="en-US" altLang="ja-JP" sz="3200" dirty="0" smtClean="0">
+              <a:latin typeface="AR P丸ゴシック体E" panose="020F0900000000000000" pitchFamily="50" charset="-128"/>
+              <a:ea typeface="AR P丸ゴシック体E" panose="020F0900000000000000" pitchFamily="50" charset="-128"/>
+            </a:endParaRPr>
+          </a:p>
+          <a:p>
+            <a:endParaRPr lang="en-US" altLang="ja-JP" sz="3200" dirty="0">
+              <a:latin typeface="AR P丸ゴシック体E" panose="020F0900000000000000" pitchFamily="50" charset="-128"/>
+              <a:ea typeface="AR P丸ゴシック体E" panose="020F0900000000000000" pitchFamily="50" charset="-128"/>
+            </a:endParaRPr>
+          </a:p>
+        </p:txBody>
+      </p:sp>
+      <p:sp>
+        <p:nvSpPr>
+          <p:cNvPr id="10" name="正方形/長方形 9"/>
+          <p:cNvSpPr/>
+          <p:nvPr/>
+        </p:nvSpPr>
+        <p:spPr>
+          <a:xfrm>
+            <a:off x="-75113" y="5094909"/>
+            <a:ext cx="8964135" cy="1569660"/>
+          </a:xfrm>
+          <a:prstGeom prst="rect">
+            <a:avLst/>
+          </a:prstGeom>
+        </p:spPr>
+        <p:txBody>
+          <a:bodyPr wrap="square">
+            <a:spAutoFit/>
+          </a:bodyPr>
+          <a:lstStyle/>
+          <a:p>
+            <a:r>
+              <a:rPr lang="ja-JP" altLang="en-US" sz="9600" dirty="0">
+                <a:latin typeface="Blackoak Std" panose="04050907060602020202" pitchFamily="82" charset="0"/>
+                <a:ea typeface="AR P教科書体M" panose="03000600000000000000" pitchFamily="66" charset="-128"/>
+              </a:rPr>
+              <a:t>ラブ</a:t>
+            </a:r>
+            <a:r>
+              <a:rPr lang="en-US" altLang="ja-JP" sz="9600" dirty="0">
+                <a:latin typeface="Blackoak Std" panose="04050907060602020202" pitchFamily="82" charset="0"/>
+                <a:ea typeface="AR P教科書体M" panose="03000600000000000000" pitchFamily="66" charset="-128"/>
+              </a:rPr>
+              <a:t>&amp;</a:t>
+            </a:r>
+            <a:r>
+              <a:rPr lang="ja-JP" altLang="en-US" sz="9600" dirty="0">
+                <a:latin typeface="Blackoak Std" panose="04050907060602020202" pitchFamily="82" charset="0"/>
+                <a:ea typeface="AR P教科書体M" panose="03000600000000000000" pitchFamily="66" charset="-128"/>
+              </a:rPr>
+              <a:t>ピース</a:t>
+            </a:r>
+          </a:p>
+        </p:txBody>
+      </p:sp>
     </p:spTree>
     <p:extLst>
       <p:ext uri="{BB962C8B-B14F-4D97-AF65-F5344CB8AC3E}">
@@ -19966,14 +19966,7 @@
                 <a:latin typeface="AR PなごみＰＯＰ体B" panose="040B0800000000000000" pitchFamily="50" charset="-128"/>
                 <a:ea typeface="AR PなごみＰＯＰ体B" panose="040B0800000000000000" pitchFamily="50" charset="-128"/>
               </a:rPr>
-              <a:t>何よりプログラムを眺めて</a:t>
-            </a:r>
-            <a:r>
-              <a:rPr lang="ja-JP" altLang="en-US" sz="4000" dirty="0" smtClean="0">
-                <a:latin typeface="AR PなごみＰＯＰ体B" panose="040B0800000000000000" pitchFamily="50" charset="-128"/>
-                <a:ea typeface="AR PなごみＰＯＰ体B" panose="040B0800000000000000" pitchFamily="50" charset="-128"/>
-              </a:rPr>
-              <a:t>いて脳内</a:t>
+              <a:t>何よりプログラムを眺めていて脳内</a:t>
             </a:r>
             <a:r>
               <a:rPr lang="ja-JP" altLang="en-US" sz="4000" dirty="0">
@@ -19987,18 +19980,66 @@
                 <a:latin typeface="AR PなごみＰＯＰ体B" panose="040B0800000000000000" pitchFamily="50" charset="-128"/>
                 <a:ea typeface="AR PなごみＰＯＰ体B" panose="040B0800000000000000" pitchFamily="50" charset="-128"/>
               </a:rPr>
-              <a:t>が</a:t>
-            </a:r>
-            <a:r>
-              <a:rPr lang="ja-JP" altLang="en-US" sz="4000" dirty="0" smtClean="0">
-                <a:latin typeface="AR PなごみＰＯＰ体B" panose="040B0800000000000000" pitchFamily="50" charset="-128"/>
-                <a:ea typeface="AR PなごみＰＯＰ体B" panose="040B0800000000000000" pitchFamily="50" charset="-128"/>
-              </a:rPr>
-              <a:t>出てくる</a:t>
+              <a:t>が出てくる</a:t>
             </a:r>
             <a:endParaRPr lang="ja-JP" altLang="en-US" sz="4000" dirty="0">
               <a:latin typeface="AR PなごみＰＯＰ体B" panose="040B0800000000000000" pitchFamily="50" charset="-128"/>
               <a:ea typeface="AR PなごみＰＯＰ体B" panose="040B0800000000000000" pitchFamily="50" charset="-128"/>
+            </a:endParaRPr>
+          </a:p>
+        </p:txBody>
+      </p:sp>
+      <p:sp>
+        <p:nvSpPr>
+          <p:cNvPr id="4" name="正方形/長方形 3"/>
+          <p:cNvSpPr/>
+          <p:nvPr/>
+        </p:nvSpPr>
+        <p:spPr>
+          <a:xfrm>
+            <a:off x="1379109" y="3033876"/>
+            <a:ext cx="7958322" cy="707886"/>
+          </a:xfrm>
+          <a:prstGeom prst="rect">
+            <a:avLst/>
+          </a:prstGeom>
+        </p:spPr>
+        <p:txBody>
+          <a:bodyPr wrap="square">
+            <a:spAutoFit/>
+          </a:bodyPr>
+          <a:lstStyle/>
+          <a:p>
+            <a:r>
+              <a:rPr lang="ja-JP" altLang="en-US" sz="2000" dirty="0" smtClean="0">
+                <a:latin typeface="AR P丸ゴシック体E" panose="020F0900000000000000" pitchFamily="50" charset="-128"/>
+                <a:ea typeface="AR P丸ゴシック体E" panose="020F0900000000000000" pitchFamily="50" charset="-128"/>
+              </a:rPr>
+              <a:t>新しいマップを作ったり、既存の部隊に少し変更を加えたものを作ったり</a:t>
+            </a:r>
+            <a:endParaRPr lang="en-US" altLang="ja-JP" sz="2000" dirty="0" smtClean="0">
+              <a:latin typeface="AR P丸ゴシック体E" panose="020F0900000000000000" pitchFamily="50" charset="-128"/>
+              <a:ea typeface="AR P丸ゴシック体E" panose="020F0900000000000000" pitchFamily="50" charset="-128"/>
+            </a:endParaRPr>
+          </a:p>
+          <a:p>
+            <a:r>
+              <a:rPr lang="ja-JP" altLang="en-US" sz="2000" smtClean="0">
+                <a:latin typeface="AR P丸ゴシック体E" panose="020F0900000000000000" pitchFamily="50" charset="-128"/>
+                <a:ea typeface="AR P丸ゴシック体E" panose="020F0900000000000000" pitchFamily="50" charset="-128"/>
+              </a:rPr>
+              <a:t>新しい</a:t>
+            </a:r>
+            <a:r>
+              <a:rPr lang="ja-JP" altLang="en-US" sz="2000" dirty="0" smtClean="0">
+                <a:latin typeface="AR P丸ゴシック体E" panose="020F0900000000000000" pitchFamily="50" charset="-128"/>
+                <a:ea typeface="AR P丸ゴシック体E" panose="020F0900000000000000" pitchFamily="50" charset="-128"/>
+              </a:rPr>
+              <a:t>機能を加えるのが楽になった</a:t>
+            </a:r>
+            <a:endParaRPr lang="ja-JP" altLang="en-US" sz="2000" dirty="0">
+              <a:latin typeface="AR P丸ゴシック体E" panose="020F0900000000000000" pitchFamily="50" charset="-128"/>
+              <a:ea typeface="AR P丸ゴシック体E" panose="020F0900000000000000" pitchFamily="50" charset="-128"/>
             </a:endParaRPr>
           </a:p>
         </p:txBody>

--- a/その他/夏休みの課題のゲーム/RUZYEF_by對馬/PPPT/main.pptx
+++ b/その他/夏休みの課題のゲーム/RUZYEF_by對馬/PPPT/main.pptx
@@ -2837,7 +2837,7 @@
           <a:p>
             <a:fld id="{C44129A7-2366-4519-9D07-63B97E589F9B}" type="datetimeFigureOut">
               <a:rPr kumimoji="1" lang="ja-JP" altLang="en-US" smtClean="0"/>
-              <a:t>2023/9/13</a:t>
+              <a:t>2023/9/14</a:t>
             </a:fld>
             <a:endParaRPr kumimoji="1" lang="ja-JP" altLang="en-US"/>
           </a:p>
@@ -3910,7 +3910,7 @@
           <a:p>
             <a:fld id="{76B2F3C0-B323-4575-9139-126FBEC5052E}" type="datetimeFigureOut">
               <a:rPr kumimoji="1" lang="ja-JP" altLang="en-US" smtClean="0"/>
-              <a:t>2023/9/13</a:t>
+              <a:t>2023/9/14</a:t>
             </a:fld>
             <a:endParaRPr kumimoji="1" lang="ja-JP" altLang="en-US"/>
           </a:p>
@@ -5071,7 +5071,7 @@
           <a:p>
             <a:fld id="{76B2F3C0-B323-4575-9139-126FBEC5052E}" type="datetimeFigureOut">
               <a:rPr kumimoji="1" lang="ja-JP" altLang="en-US" smtClean="0"/>
-              <a:t>2023/9/13</a:t>
+              <a:t>2023/9/14</a:t>
             </a:fld>
             <a:endParaRPr kumimoji="1" lang="ja-JP" altLang="en-US"/>
           </a:p>
@@ -6125,7 +6125,7 @@
           <a:p>
             <a:fld id="{76B2F3C0-B323-4575-9139-126FBEC5052E}" type="datetimeFigureOut">
               <a:rPr kumimoji="1" lang="ja-JP" altLang="en-US" smtClean="0"/>
-              <a:t>2023/9/13</a:t>
+              <a:t>2023/9/14</a:t>
             </a:fld>
             <a:endParaRPr kumimoji="1" lang="ja-JP" altLang="en-US"/>
           </a:p>
@@ -7338,7 +7338,7 @@
           <a:p>
             <a:fld id="{76B2F3C0-B323-4575-9139-126FBEC5052E}" type="datetimeFigureOut">
               <a:rPr kumimoji="1" lang="ja-JP" altLang="en-US" smtClean="0"/>
-              <a:t>2023/9/13</a:t>
+              <a:t>2023/9/14</a:t>
             </a:fld>
             <a:endParaRPr kumimoji="1" lang="ja-JP" altLang="en-US"/>
           </a:p>
@@ -8442,7 +8442,7 @@
           <a:p>
             <a:fld id="{76B2F3C0-B323-4575-9139-126FBEC5052E}" type="datetimeFigureOut">
               <a:rPr kumimoji="1" lang="ja-JP" altLang="en-US" smtClean="0"/>
-              <a:t>2023/9/13</a:t>
+              <a:t>2023/9/14</a:t>
             </a:fld>
             <a:endParaRPr kumimoji="1" lang="ja-JP" altLang="en-US"/>
           </a:p>
@@ -9094,7 +9094,7 @@
           <a:p>
             <a:fld id="{76B2F3C0-B323-4575-9139-126FBEC5052E}" type="datetimeFigureOut">
               <a:rPr kumimoji="1" lang="ja-JP" altLang="en-US" smtClean="0"/>
-              <a:t>2023/9/13</a:t>
+              <a:t>2023/9/14</a:t>
             </a:fld>
             <a:endParaRPr kumimoji="1" lang="ja-JP" altLang="en-US"/>
           </a:p>
@@ -9941,7 +9941,7 @@
           <a:p>
             <a:fld id="{76B2F3C0-B323-4575-9139-126FBEC5052E}" type="datetimeFigureOut">
               <a:rPr kumimoji="1" lang="ja-JP" altLang="en-US" smtClean="0"/>
-              <a:t>2023/9/13</a:t>
+              <a:t>2023/9/14</a:t>
             </a:fld>
             <a:endParaRPr kumimoji="1" lang="ja-JP" altLang="en-US"/>
           </a:p>
@@ -10158,7 +10158,7 @@
           <a:p>
             <a:fld id="{76B2F3C0-B323-4575-9139-126FBEC5052E}" type="datetimeFigureOut">
               <a:rPr kumimoji="1" lang="ja-JP" altLang="en-US" smtClean="0"/>
-              <a:t>2023/9/13</a:t>
+              <a:t>2023/9/14</a:t>
             </a:fld>
             <a:endParaRPr kumimoji="1" lang="ja-JP" altLang="en-US"/>
           </a:p>
@@ -11231,7 +11231,7 @@
           <a:p>
             <a:fld id="{76B2F3C0-B323-4575-9139-126FBEC5052E}" type="datetimeFigureOut">
               <a:rPr kumimoji="1" lang="ja-JP" altLang="en-US" smtClean="0"/>
-              <a:t>2023/9/13</a:t>
+              <a:t>2023/9/14</a:t>
             </a:fld>
             <a:endParaRPr kumimoji="1" lang="ja-JP" altLang="en-US"/>
           </a:p>
@@ -11479,7 +11479,7 @@
           <a:p>
             <a:fld id="{76B2F3C0-B323-4575-9139-126FBEC5052E}" type="datetimeFigureOut">
               <a:rPr kumimoji="1" lang="ja-JP" altLang="en-US" smtClean="0"/>
-              <a:t>2023/9/13</a:t>
+              <a:t>2023/9/14</a:t>
             </a:fld>
             <a:endParaRPr kumimoji="1" lang="ja-JP" altLang="en-US"/>
           </a:p>
@@ -12584,7 +12584,7 @@
           <a:p>
             <a:fld id="{76B2F3C0-B323-4575-9139-126FBEC5052E}" type="datetimeFigureOut">
               <a:rPr kumimoji="1" lang="ja-JP" altLang="en-US" smtClean="0"/>
-              <a:t>2023/9/13</a:t>
+              <a:t>2023/9/14</a:t>
             </a:fld>
             <a:endParaRPr kumimoji="1" lang="ja-JP" altLang="en-US"/>
           </a:p>
@@ -12920,7 +12920,7 @@
           <a:p>
             <a:fld id="{76B2F3C0-B323-4575-9139-126FBEC5052E}" type="datetimeFigureOut">
               <a:rPr kumimoji="1" lang="ja-JP" altLang="en-US" smtClean="0"/>
-              <a:t>2023/9/13</a:t>
+              <a:t>2023/9/14</a:t>
             </a:fld>
             <a:endParaRPr kumimoji="1" lang="ja-JP" altLang="en-US"/>
           </a:p>
@@ -13366,7 +13366,7 @@
           <a:p>
             <a:fld id="{76B2F3C0-B323-4575-9139-126FBEC5052E}" type="datetimeFigureOut">
               <a:rPr kumimoji="1" lang="ja-JP" altLang="en-US" smtClean="0"/>
-              <a:t>2023/9/13</a:t>
+              <a:t>2023/9/14</a:t>
             </a:fld>
             <a:endParaRPr kumimoji="1" lang="ja-JP" altLang="en-US"/>
           </a:p>
@@ -13484,7 +13484,7 @@
           <a:p>
             <a:fld id="{76B2F3C0-B323-4575-9139-126FBEC5052E}" type="datetimeFigureOut">
               <a:rPr kumimoji="1" lang="ja-JP" altLang="en-US" smtClean="0"/>
-              <a:t>2023/9/13</a:t>
+              <a:t>2023/9/14</a:t>
             </a:fld>
             <a:endParaRPr kumimoji="1" lang="ja-JP" altLang="en-US"/>
           </a:p>
@@ -13579,7 +13579,7 @@
           <a:p>
             <a:fld id="{76B2F3C0-B323-4575-9139-126FBEC5052E}" type="datetimeFigureOut">
               <a:rPr kumimoji="1" lang="ja-JP" altLang="en-US" smtClean="0"/>
-              <a:t>2023/9/13</a:t>
+              <a:t>2023/9/14</a:t>
             </a:fld>
             <a:endParaRPr kumimoji="1" lang="ja-JP" altLang="en-US"/>
           </a:p>
@@ -14763,7 +14763,7 @@
           <a:p>
             <a:fld id="{76B2F3C0-B323-4575-9139-126FBEC5052E}" type="datetimeFigureOut">
               <a:rPr kumimoji="1" lang="ja-JP" altLang="en-US" smtClean="0"/>
-              <a:t>2023/9/13</a:t>
+              <a:t>2023/9/14</a:t>
             </a:fld>
             <a:endParaRPr kumimoji="1" lang="ja-JP" altLang="en-US"/>
           </a:p>
@@ -15939,7 +15939,7 @@
           <a:p>
             <a:fld id="{76B2F3C0-B323-4575-9139-126FBEC5052E}" type="datetimeFigureOut">
               <a:rPr kumimoji="1" lang="ja-JP" altLang="en-US" smtClean="0"/>
-              <a:t>2023/9/13</a:t>
+              <a:t>2023/9/14</a:t>
             </a:fld>
             <a:endParaRPr kumimoji="1" lang="ja-JP" altLang="en-US"/>
           </a:p>
@@ -17077,7 +17077,7 @@
           <a:p>
             <a:fld id="{76B2F3C0-B323-4575-9139-126FBEC5052E}" type="datetimeFigureOut">
               <a:rPr kumimoji="1" lang="ja-JP" altLang="en-US" smtClean="0"/>
-              <a:t>2023/9/13</a:t>
+              <a:t>2023/9/14</a:t>
             </a:fld>
             <a:endParaRPr kumimoji="1" lang="ja-JP" altLang="en-US"/>
           </a:p>
@@ -17923,8 +17923,15 @@
           <a:lstStyle/>
           <a:p>
             <a:r>
+              <a:rPr lang="ja-JP" altLang="en-US" sz="7200" dirty="0">
+                <a:latin typeface="AR Pゴシック体S" panose="020B0A00000000000000" pitchFamily="50" charset="-128"/>
+                <a:ea typeface="AR Pゴシック体S" panose="020B0A00000000000000" pitchFamily="50" charset="-128"/>
+              </a:rPr>
+              <a:t>選択して移動、攻撃</a:t>
+            </a:r>
+            <a:r>
               <a:rPr lang="ja-JP" altLang="en-US" dirty="0"/>
-              <a:t>選択して移動、攻撃</a:t>
+              <a:t/>
             </a:r>
             <a:br>
               <a:rPr lang="ja-JP" altLang="en-US" dirty="0"/>
@@ -18734,14 +18741,23 @@
           <a:lstStyle/>
           <a:p>
             <a:r>
-              <a:rPr kumimoji="1" lang="ja-JP" altLang="en-US" dirty="0" smtClean="0"/>
+              <a:rPr kumimoji="1" lang="ja-JP" altLang="en-US" sz="7200" dirty="0" smtClean="0">
+                <a:latin typeface="AR Pゴシック体S" panose="020B0A00000000000000" pitchFamily="50" charset="-128"/>
+                <a:ea typeface="AR Pゴシック体S" panose="020B0A00000000000000" pitchFamily="50" charset="-128"/>
+              </a:rPr>
               <a:t>撃ち合うと</a:t>
             </a:r>
             <a:r>
-              <a:rPr kumimoji="1" lang="en-US" altLang="ja-JP" dirty="0" smtClean="0"/>
+              <a:rPr kumimoji="1" lang="en-US" altLang="ja-JP" sz="7200" dirty="0" smtClean="0">
+                <a:latin typeface="AR Pゴシック体S" panose="020B0A00000000000000" pitchFamily="50" charset="-128"/>
+                <a:ea typeface="AR Pゴシック体S" panose="020B0A00000000000000" pitchFamily="50" charset="-128"/>
+              </a:rPr>
               <a:t>…</a:t>
             </a:r>
-            <a:endParaRPr kumimoji="1" lang="ja-JP" altLang="en-US" dirty="0"/>
+            <a:endParaRPr kumimoji="1" lang="ja-JP" altLang="en-US" sz="7200" dirty="0">
+              <a:latin typeface="AR Pゴシック体S" panose="020B0A00000000000000" pitchFamily="50" charset="-128"/>
+              <a:ea typeface="AR Pゴシック体S" panose="020B0A00000000000000" pitchFamily="50" charset="-128"/>
+            </a:endParaRPr>
           </a:p>
         </p:txBody>
       </p:sp>
@@ -19073,10 +19089,16 @@
           <a:lstStyle/>
           <a:p>
             <a:r>
-              <a:rPr kumimoji="1" lang="ja-JP" altLang="en-US" dirty="0" smtClean="0"/>
+              <a:rPr kumimoji="1" lang="ja-JP" altLang="en-US" sz="7200" dirty="0" smtClean="0">
+                <a:latin typeface="AR Pゴシック体S" panose="020B0A00000000000000" pitchFamily="50" charset="-128"/>
+                <a:ea typeface="AR Pゴシック体S" panose="020B0A00000000000000" pitchFamily="50" charset="-128"/>
+              </a:rPr>
               <a:t>その他</a:t>
             </a:r>
-            <a:endParaRPr kumimoji="1" lang="ja-JP" altLang="en-US" dirty="0"/>
+            <a:endParaRPr kumimoji="1" lang="ja-JP" altLang="en-US" sz="7200" dirty="0">
+              <a:latin typeface="AR Pゴシック体S" panose="020B0A00000000000000" pitchFamily="50" charset="-128"/>
+              <a:ea typeface="AR Pゴシック体S" panose="020B0A00000000000000" pitchFamily="50" charset="-128"/>
+            </a:endParaRPr>
           </a:p>
         </p:txBody>
       </p:sp>
@@ -19555,21 +19577,26 @@
             <p:ph type="title"/>
           </p:nvPr>
         </p:nvSpPr>
-        <p:spPr/>
+        <p:spPr>
+          <a:xfrm>
+            <a:off x="1154954" y="947920"/>
+            <a:ext cx="9334269" cy="728480"/>
+          </a:xfrm>
+        </p:spPr>
         <p:txBody>
           <a:bodyPr/>
           <a:lstStyle/>
           <a:p>
             <a:r>
-              <a:rPr lang="ja-JP" altLang="en-US" dirty="0">
-                <a:latin typeface="AR P丸ゴシック体E" panose="020F0900000000000000" pitchFamily="50" charset="-128"/>
-                <a:ea typeface="AR P丸ゴシック体E" panose="020F0900000000000000" pitchFamily="50" charset="-128"/>
+              <a:rPr lang="ja-JP" altLang="en-US" sz="4800" dirty="0">
+                <a:latin typeface="AR Pゴシック体S" panose="020B0A00000000000000" pitchFamily="50" charset="-128"/>
+                <a:ea typeface="AR Pゴシック体S" panose="020B0A00000000000000" pitchFamily="50" charset="-128"/>
               </a:rPr>
               <a:t>移動という機能を作るにあたって</a:t>
             </a:r>
-            <a:endParaRPr lang="en-US" altLang="ja-JP" dirty="0">
-              <a:latin typeface="AR P丸ゴシック体E" panose="020F0900000000000000" pitchFamily="50" charset="-128"/>
-              <a:ea typeface="AR P丸ゴシック体E" panose="020F0900000000000000" pitchFamily="50" charset="-128"/>
+            <a:endParaRPr lang="en-US" altLang="ja-JP" sz="4800" dirty="0">
+              <a:latin typeface="AR Pゴシック体S" panose="020B0A00000000000000" pitchFamily="50" charset="-128"/>
+              <a:ea typeface="AR Pゴシック体S" panose="020B0A00000000000000" pitchFamily="50" charset="-128"/>
             </a:endParaRPr>
           </a:p>
         </p:txBody>
@@ -20096,11 +20123,18 @@
           <a:bodyPr/>
           <a:lstStyle/>
           <a:p>
-            <a:r>
-              <a:rPr kumimoji="1" lang="ja-JP" altLang="en-US" dirty="0" smtClean="0"/>
+            <a:pPr algn="ctr"/>
+            <a:r>
+              <a:rPr kumimoji="1" lang="ja-JP" altLang="en-US" sz="7200" dirty="0" smtClean="0">
+                <a:latin typeface="AR Pゴシック体S" panose="020B0A00000000000000" pitchFamily="50" charset="-128"/>
+                <a:ea typeface="AR Pゴシック体S" panose="020B0A00000000000000" pitchFamily="50" charset="-128"/>
+              </a:rPr>
               <a:t>感想</a:t>
             </a:r>
-            <a:endParaRPr kumimoji="1" lang="ja-JP" altLang="en-US" dirty="0"/>
+            <a:endParaRPr kumimoji="1" lang="ja-JP" altLang="en-US" sz="7200" dirty="0">
+              <a:latin typeface="AR Pゴシック体S" panose="020B0A00000000000000" pitchFamily="50" charset="-128"/>
+              <a:ea typeface="AR Pゴシック体S" panose="020B0A00000000000000" pitchFamily="50" charset="-128"/>
+            </a:endParaRPr>
           </a:p>
         </p:txBody>
       </p:sp>
@@ -20364,6 +20398,41 @@
           <a:lstStyle/>
           <a:p>
             <a:endParaRPr kumimoji="1" lang="ja-JP" altLang="en-US"/>
+          </a:p>
+        </p:txBody>
+      </p:sp>
+      <p:sp>
+        <p:nvSpPr>
+          <p:cNvPr id="2" name="正方形/長方形 1"/>
+          <p:cNvSpPr/>
+          <p:nvPr/>
+        </p:nvSpPr>
+        <p:spPr>
+          <a:xfrm>
+            <a:off x="1024988" y="676979"/>
+            <a:ext cx="5006535" cy="1200329"/>
+          </a:xfrm>
+          <a:prstGeom prst="rect">
+            <a:avLst/>
+          </a:prstGeom>
+        </p:spPr>
+        <p:txBody>
+          <a:bodyPr wrap="square">
+            <a:spAutoFit/>
+          </a:bodyPr>
+          <a:lstStyle/>
+          <a:p>
+            <a:r>
+              <a:rPr kumimoji="1" lang="ja-JP" altLang="en-US" sz="7200" dirty="0" smtClean="0">
+                <a:latin typeface="AR Pゴシック体S" panose="020B0A00000000000000" pitchFamily="50" charset="-128"/>
+                <a:ea typeface="AR Pゴシック体S" panose="020B0A00000000000000" pitchFamily="50" charset="-128"/>
+              </a:rPr>
+              <a:t>参照</a:t>
+            </a:r>
+            <a:endParaRPr lang="ja-JP" altLang="en-US" sz="7200" dirty="0">
+              <a:latin typeface="AR Pゴシック体S" panose="020B0A00000000000000" pitchFamily="50" charset="-128"/>
+              <a:ea typeface="AR Pゴシック体S" panose="020B0A00000000000000" pitchFamily="50" charset="-128"/>
+            </a:endParaRPr>
           </a:p>
         </p:txBody>
       </p:sp>
